--- a/docs/metaverse.pptx
+++ b/docs/metaverse.pptx
@@ -5,15 +5,18 @@
     <p:sldMasterId id="2147483648" r:id="rId2"/>
     <p:sldMasterId id="2147483661" r:id="rId3"/>
     <p:sldMasterId id="2147483674" r:id="rId4"/>
+    <p:sldMasterId id="2147483687" r:id="rId5"/>
+    <p:sldMasterId id="2147483700" r:id="rId6"/>
   </p:sldMasterIdLst>
   <p:sldIdLst>
-    <p:sldId id="256" r:id="rId5"/>
-    <p:sldId id="257" r:id="rId6"/>
-    <p:sldId id="258" r:id="rId7"/>
-    <p:sldId id="259" r:id="rId8"/>
-    <p:sldId id="260" r:id="rId9"/>
-    <p:sldId id="261" r:id="rId10"/>
-    <p:sldId id="262" r:id="rId11"/>
+    <p:sldId id="256" r:id="rId7"/>
+    <p:sldId id="257" r:id="rId8"/>
+    <p:sldId id="258" r:id="rId9"/>
+    <p:sldId id="259" r:id="rId10"/>
+    <p:sldId id="260" r:id="rId11"/>
+    <p:sldId id="261" r:id="rId12"/>
+    <p:sldId id="262" r:id="rId13"/>
+    <p:sldId id="263" r:id="rId14"/>
   </p:sldIdLst>
   <p:sldSz cx="10080625" cy="5670550"/>
   <p:notesSz cx="7559675" cy="10691813"/>
@@ -668,7 +671,7 @@
       </p:grpSpPr>
       <p:sp>
         <p:nvSpPr>
-          <p:cNvPr id="45" name="PlaceHolder 1"/>
+          <p:cNvPr id="43" name="PlaceHolder 1"/>
           <p:cNvSpPr>
             <a:spLocks noGrp="1"/>
           </p:cNvSpPr>
@@ -705,7 +708,7 @@
       </p:sp>
       <p:sp>
         <p:nvSpPr>
-          <p:cNvPr id="46" name="PlaceHolder 2"/>
+          <p:cNvPr id="44" name="PlaceHolder 2"/>
           <p:cNvSpPr>
             <a:spLocks noGrp="1"/>
           </p:cNvSpPr>
@@ -764,7 +767,7 @@
       </p:grpSpPr>
       <p:sp>
         <p:nvSpPr>
-          <p:cNvPr id="47" name="PlaceHolder 1"/>
+          <p:cNvPr id="45" name="PlaceHolder 1"/>
           <p:cNvSpPr>
             <a:spLocks noGrp="1"/>
           </p:cNvSpPr>
@@ -801,7 +804,7 @@
       </p:sp>
       <p:sp>
         <p:nvSpPr>
-          <p:cNvPr id="48" name="PlaceHolder 2"/>
+          <p:cNvPr id="46" name="PlaceHolder 2"/>
           <p:cNvSpPr>
             <a:spLocks noGrp="1"/>
           </p:cNvSpPr>
@@ -857,7 +860,7 @@
       </p:grpSpPr>
       <p:sp>
         <p:nvSpPr>
-          <p:cNvPr id="49" name="PlaceHolder 1"/>
+          <p:cNvPr id="47" name="PlaceHolder 1"/>
           <p:cNvSpPr>
             <a:spLocks noGrp="1"/>
           </p:cNvSpPr>
@@ -894,7 +897,7 @@
       </p:sp>
       <p:sp>
         <p:nvSpPr>
-          <p:cNvPr id="50" name="PlaceHolder 2"/>
+          <p:cNvPr id="48" name="PlaceHolder 2"/>
           <p:cNvSpPr>
             <a:spLocks noGrp="1"/>
           </p:cNvSpPr>
@@ -928,7 +931,7 @@
       </p:sp>
       <p:sp>
         <p:nvSpPr>
-          <p:cNvPr id="51" name="PlaceHolder 3"/>
+          <p:cNvPr id="49" name="PlaceHolder 3"/>
           <p:cNvSpPr>
             <a:spLocks noGrp="1"/>
           </p:cNvSpPr>
@@ -984,7 +987,7 @@
       </p:grpSpPr>
       <p:sp>
         <p:nvSpPr>
-          <p:cNvPr id="52" name="PlaceHolder 1"/>
+          <p:cNvPr id="50" name="PlaceHolder 1"/>
           <p:cNvSpPr>
             <a:spLocks noGrp="1"/>
           </p:cNvSpPr>
@@ -1043,7 +1046,7 @@
       </p:grpSpPr>
       <p:sp>
         <p:nvSpPr>
-          <p:cNvPr id="53" name="PlaceHolder 1"/>
+          <p:cNvPr id="51" name="PlaceHolder 1"/>
           <p:cNvSpPr>
             <a:spLocks noGrp="1"/>
           </p:cNvSpPr>
@@ -1102,7 +1105,7 @@
       </p:grpSpPr>
       <p:sp>
         <p:nvSpPr>
-          <p:cNvPr id="54" name="PlaceHolder 1"/>
+          <p:cNvPr id="52" name="PlaceHolder 1"/>
           <p:cNvSpPr>
             <a:spLocks noGrp="1"/>
           </p:cNvSpPr>
@@ -1139,7 +1142,7 @@
       </p:sp>
       <p:sp>
         <p:nvSpPr>
-          <p:cNvPr id="55" name="PlaceHolder 2"/>
+          <p:cNvPr id="53" name="PlaceHolder 2"/>
           <p:cNvSpPr>
             <a:spLocks noGrp="1"/>
           </p:cNvSpPr>
@@ -1173,7 +1176,7 @@
       </p:sp>
       <p:sp>
         <p:nvSpPr>
-          <p:cNvPr id="56" name="PlaceHolder 3"/>
+          <p:cNvPr id="54" name="PlaceHolder 3"/>
           <p:cNvSpPr>
             <a:spLocks noGrp="1"/>
           </p:cNvSpPr>
@@ -1207,7 +1210,7 @@
       </p:sp>
       <p:sp>
         <p:nvSpPr>
-          <p:cNvPr id="57" name="PlaceHolder 4"/>
+          <p:cNvPr id="55" name="PlaceHolder 4"/>
           <p:cNvSpPr>
             <a:spLocks noGrp="1"/>
           </p:cNvSpPr>
@@ -1359,7 +1362,7 @@
       </p:grpSpPr>
       <p:sp>
         <p:nvSpPr>
-          <p:cNvPr id="58" name="PlaceHolder 1"/>
+          <p:cNvPr id="56" name="PlaceHolder 1"/>
           <p:cNvSpPr>
             <a:spLocks noGrp="1"/>
           </p:cNvSpPr>
@@ -1396,7 +1399,7 @@
       </p:sp>
       <p:sp>
         <p:nvSpPr>
-          <p:cNvPr id="59" name="PlaceHolder 2"/>
+          <p:cNvPr id="57" name="PlaceHolder 2"/>
           <p:cNvSpPr>
             <a:spLocks noGrp="1"/>
           </p:cNvSpPr>
@@ -1430,7 +1433,7 @@
       </p:sp>
       <p:sp>
         <p:nvSpPr>
-          <p:cNvPr id="60" name="PlaceHolder 3"/>
+          <p:cNvPr id="58" name="PlaceHolder 3"/>
           <p:cNvSpPr>
             <a:spLocks noGrp="1"/>
           </p:cNvSpPr>
@@ -1464,7 +1467,7 @@
       </p:sp>
       <p:sp>
         <p:nvSpPr>
-          <p:cNvPr id="61" name="PlaceHolder 4"/>
+          <p:cNvPr id="59" name="PlaceHolder 4"/>
           <p:cNvSpPr>
             <a:spLocks noGrp="1"/>
           </p:cNvSpPr>
@@ -1520,7 +1523,7 @@
       </p:grpSpPr>
       <p:sp>
         <p:nvSpPr>
-          <p:cNvPr id="62" name="PlaceHolder 1"/>
+          <p:cNvPr id="60" name="PlaceHolder 1"/>
           <p:cNvSpPr>
             <a:spLocks noGrp="1"/>
           </p:cNvSpPr>
@@ -1557,7 +1560,7 @@
       </p:sp>
       <p:sp>
         <p:nvSpPr>
-          <p:cNvPr id="63" name="PlaceHolder 2"/>
+          <p:cNvPr id="61" name="PlaceHolder 2"/>
           <p:cNvSpPr>
             <a:spLocks noGrp="1"/>
           </p:cNvSpPr>
@@ -1591,7 +1594,7 @@
       </p:sp>
       <p:sp>
         <p:nvSpPr>
-          <p:cNvPr id="64" name="PlaceHolder 3"/>
+          <p:cNvPr id="62" name="PlaceHolder 3"/>
           <p:cNvSpPr>
             <a:spLocks noGrp="1"/>
           </p:cNvSpPr>
@@ -1625,7 +1628,7 @@
       </p:sp>
       <p:sp>
         <p:nvSpPr>
-          <p:cNvPr id="65" name="PlaceHolder 4"/>
+          <p:cNvPr id="63" name="PlaceHolder 4"/>
           <p:cNvSpPr>
             <a:spLocks noGrp="1"/>
           </p:cNvSpPr>
@@ -1681,7 +1684,7 @@
       </p:grpSpPr>
       <p:sp>
         <p:nvSpPr>
-          <p:cNvPr id="66" name="PlaceHolder 1"/>
+          <p:cNvPr id="64" name="PlaceHolder 1"/>
           <p:cNvSpPr>
             <a:spLocks noGrp="1"/>
           </p:cNvSpPr>
@@ -1718,7 +1721,7 @@
       </p:sp>
       <p:sp>
         <p:nvSpPr>
-          <p:cNvPr id="67" name="PlaceHolder 2"/>
+          <p:cNvPr id="65" name="PlaceHolder 2"/>
           <p:cNvSpPr>
             <a:spLocks noGrp="1"/>
           </p:cNvSpPr>
@@ -1752,7 +1755,7 @@
       </p:sp>
       <p:sp>
         <p:nvSpPr>
-          <p:cNvPr id="68" name="PlaceHolder 3"/>
+          <p:cNvPr id="66" name="PlaceHolder 3"/>
           <p:cNvSpPr>
             <a:spLocks noGrp="1"/>
           </p:cNvSpPr>
@@ -1808,7 +1811,7 @@
       </p:grpSpPr>
       <p:sp>
         <p:nvSpPr>
-          <p:cNvPr id="69" name="PlaceHolder 1"/>
+          <p:cNvPr id="67" name="PlaceHolder 1"/>
           <p:cNvSpPr>
             <a:spLocks noGrp="1"/>
           </p:cNvSpPr>
@@ -1845,7 +1848,7 @@
       </p:sp>
       <p:sp>
         <p:nvSpPr>
-          <p:cNvPr id="70" name="PlaceHolder 2"/>
+          <p:cNvPr id="68" name="PlaceHolder 2"/>
           <p:cNvSpPr>
             <a:spLocks noGrp="1"/>
           </p:cNvSpPr>
@@ -1879,7 +1882,7 @@
       </p:sp>
       <p:sp>
         <p:nvSpPr>
-          <p:cNvPr id="71" name="PlaceHolder 3"/>
+          <p:cNvPr id="69" name="PlaceHolder 3"/>
           <p:cNvSpPr>
             <a:spLocks noGrp="1"/>
           </p:cNvSpPr>
@@ -1913,7 +1916,7 @@
       </p:sp>
       <p:sp>
         <p:nvSpPr>
-          <p:cNvPr id="72" name="PlaceHolder 4"/>
+          <p:cNvPr id="70" name="PlaceHolder 4"/>
           <p:cNvSpPr>
             <a:spLocks noGrp="1"/>
           </p:cNvSpPr>
@@ -1947,7 +1950,7 @@
       </p:sp>
       <p:sp>
         <p:nvSpPr>
-          <p:cNvPr id="73" name="PlaceHolder 5"/>
+          <p:cNvPr id="71" name="PlaceHolder 5"/>
           <p:cNvSpPr>
             <a:spLocks noGrp="1"/>
           </p:cNvSpPr>
@@ -2003,7 +2006,7 @@
       </p:grpSpPr>
       <p:sp>
         <p:nvSpPr>
-          <p:cNvPr id="74" name="PlaceHolder 1"/>
+          <p:cNvPr id="72" name="PlaceHolder 1"/>
           <p:cNvSpPr>
             <a:spLocks noGrp="1"/>
           </p:cNvSpPr>
@@ -2040,7 +2043,7 @@
       </p:sp>
       <p:sp>
         <p:nvSpPr>
-          <p:cNvPr id="75" name="PlaceHolder 2"/>
+          <p:cNvPr id="73" name="PlaceHolder 2"/>
           <p:cNvSpPr>
             <a:spLocks noGrp="1"/>
           </p:cNvSpPr>
@@ -2074,7 +2077,7 @@
       </p:sp>
       <p:sp>
         <p:nvSpPr>
-          <p:cNvPr id="76" name="PlaceHolder 3"/>
+          <p:cNvPr id="74" name="PlaceHolder 3"/>
           <p:cNvSpPr>
             <a:spLocks noGrp="1"/>
           </p:cNvSpPr>
@@ -2108,7 +2111,7 @@
       </p:sp>
       <p:sp>
         <p:nvSpPr>
-          <p:cNvPr id="77" name="PlaceHolder 4"/>
+          <p:cNvPr id="75" name="PlaceHolder 4"/>
           <p:cNvSpPr>
             <a:spLocks noGrp="1"/>
           </p:cNvSpPr>
@@ -2142,7 +2145,7 @@
       </p:sp>
       <p:sp>
         <p:nvSpPr>
-          <p:cNvPr id="78" name="PlaceHolder 5"/>
+          <p:cNvPr id="76" name="PlaceHolder 5"/>
           <p:cNvSpPr>
             <a:spLocks noGrp="1"/>
           </p:cNvSpPr>
@@ -2176,7 +2179,7 @@
       </p:sp>
       <p:sp>
         <p:nvSpPr>
-          <p:cNvPr id="79" name="PlaceHolder 6"/>
+          <p:cNvPr id="77" name="PlaceHolder 6"/>
           <p:cNvSpPr>
             <a:spLocks noGrp="1"/>
           </p:cNvSpPr>
@@ -2210,7 +2213,7 @@
       </p:sp>
       <p:sp>
         <p:nvSpPr>
-          <p:cNvPr id="80" name="PlaceHolder 7"/>
+          <p:cNvPr id="78" name="PlaceHolder 7"/>
           <p:cNvSpPr>
             <a:spLocks noGrp="1"/>
           </p:cNvSpPr>
@@ -2288,7 +2291,7 @@
       </p:grpSpPr>
       <p:sp>
         <p:nvSpPr>
-          <p:cNvPr id="85" name="PlaceHolder 1"/>
+          <p:cNvPr id="83" name="PlaceHolder 1"/>
           <p:cNvSpPr>
             <a:spLocks noGrp="1"/>
           </p:cNvSpPr>
@@ -2325,7 +2328,7 @@
       </p:sp>
       <p:sp>
         <p:nvSpPr>
-          <p:cNvPr id="86" name="PlaceHolder 2"/>
+          <p:cNvPr id="84" name="PlaceHolder 2"/>
           <p:cNvSpPr>
             <a:spLocks noGrp="1"/>
           </p:cNvSpPr>
@@ -2384,7 +2387,7 @@
       </p:grpSpPr>
       <p:sp>
         <p:nvSpPr>
-          <p:cNvPr id="87" name="PlaceHolder 1"/>
+          <p:cNvPr id="85" name="PlaceHolder 1"/>
           <p:cNvSpPr>
             <a:spLocks noGrp="1"/>
           </p:cNvSpPr>
@@ -2421,7 +2424,7 @@
       </p:sp>
       <p:sp>
         <p:nvSpPr>
-          <p:cNvPr id="88" name="PlaceHolder 2"/>
+          <p:cNvPr id="86" name="PlaceHolder 2"/>
           <p:cNvSpPr>
             <a:spLocks noGrp="1"/>
           </p:cNvSpPr>
@@ -2477,7 +2480,7 @@
       </p:grpSpPr>
       <p:sp>
         <p:nvSpPr>
-          <p:cNvPr id="89" name="PlaceHolder 1"/>
+          <p:cNvPr id="87" name="PlaceHolder 1"/>
           <p:cNvSpPr>
             <a:spLocks noGrp="1"/>
           </p:cNvSpPr>
@@ -2514,7 +2517,7 @@
       </p:sp>
       <p:sp>
         <p:nvSpPr>
-          <p:cNvPr id="90" name="PlaceHolder 2"/>
+          <p:cNvPr id="88" name="PlaceHolder 2"/>
           <p:cNvSpPr>
             <a:spLocks noGrp="1"/>
           </p:cNvSpPr>
@@ -2548,7 +2551,7 @@
       </p:sp>
       <p:sp>
         <p:nvSpPr>
-          <p:cNvPr id="91" name="PlaceHolder 3"/>
+          <p:cNvPr id="89" name="PlaceHolder 3"/>
           <p:cNvSpPr>
             <a:spLocks noGrp="1"/>
           </p:cNvSpPr>
@@ -2604,7 +2607,7 @@
       </p:grpSpPr>
       <p:sp>
         <p:nvSpPr>
-          <p:cNvPr id="92" name="PlaceHolder 1"/>
+          <p:cNvPr id="90" name="PlaceHolder 1"/>
           <p:cNvSpPr>
             <a:spLocks noGrp="1"/>
           </p:cNvSpPr>
@@ -2756,7 +2759,7 @@
       </p:grpSpPr>
       <p:sp>
         <p:nvSpPr>
-          <p:cNvPr id="93" name="PlaceHolder 1"/>
+          <p:cNvPr id="91" name="PlaceHolder 1"/>
           <p:cNvSpPr>
             <a:spLocks noGrp="1"/>
           </p:cNvSpPr>
@@ -2815,7 +2818,7 @@
       </p:grpSpPr>
       <p:sp>
         <p:nvSpPr>
-          <p:cNvPr id="94" name="PlaceHolder 1"/>
+          <p:cNvPr id="92" name="PlaceHolder 1"/>
           <p:cNvSpPr>
             <a:spLocks noGrp="1"/>
           </p:cNvSpPr>
@@ -2852,7 +2855,7 @@
       </p:sp>
       <p:sp>
         <p:nvSpPr>
-          <p:cNvPr id="95" name="PlaceHolder 2"/>
+          <p:cNvPr id="93" name="PlaceHolder 2"/>
           <p:cNvSpPr>
             <a:spLocks noGrp="1"/>
           </p:cNvSpPr>
@@ -2886,7 +2889,7 @@
       </p:sp>
       <p:sp>
         <p:nvSpPr>
-          <p:cNvPr id="96" name="PlaceHolder 3"/>
+          <p:cNvPr id="94" name="PlaceHolder 3"/>
           <p:cNvSpPr>
             <a:spLocks noGrp="1"/>
           </p:cNvSpPr>
@@ -2920,7 +2923,7 @@
       </p:sp>
       <p:sp>
         <p:nvSpPr>
-          <p:cNvPr id="97" name="PlaceHolder 4"/>
+          <p:cNvPr id="95" name="PlaceHolder 4"/>
           <p:cNvSpPr>
             <a:spLocks noGrp="1"/>
           </p:cNvSpPr>
@@ -2976,7 +2979,7 @@
       </p:grpSpPr>
       <p:sp>
         <p:nvSpPr>
-          <p:cNvPr id="98" name="PlaceHolder 1"/>
+          <p:cNvPr id="96" name="PlaceHolder 1"/>
           <p:cNvSpPr>
             <a:spLocks noGrp="1"/>
           </p:cNvSpPr>
@@ -3013,7 +3016,7 @@
       </p:sp>
       <p:sp>
         <p:nvSpPr>
-          <p:cNvPr id="99" name="PlaceHolder 2"/>
+          <p:cNvPr id="97" name="PlaceHolder 2"/>
           <p:cNvSpPr>
             <a:spLocks noGrp="1"/>
           </p:cNvSpPr>
@@ -3047,7 +3050,7 @@
       </p:sp>
       <p:sp>
         <p:nvSpPr>
-          <p:cNvPr id="100" name="PlaceHolder 3"/>
+          <p:cNvPr id="98" name="PlaceHolder 3"/>
           <p:cNvSpPr>
             <a:spLocks noGrp="1"/>
           </p:cNvSpPr>
@@ -3081,7 +3084,7 @@
       </p:sp>
       <p:sp>
         <p:nvSpPr>
-          <p:cNvPr id="101" name="PlaceHolder 4"/>
+          <p:cNvPr id="99" name="PlaceHolder 4"/>
           <p:cNvSpPr>
             <a:spLocks noGrp="1"/>
           </p:cNvSpPr>
@@ -3137,7 +3140,7 @@
       </p:grpSpPr>
       <p:sp>
         <p:nvSpPr>
-          <p:cNvPr id="102" name="PlaceHolder 1"/>
+          <p:cNvPr id="100" name="PlaceHolder 1"/>
           <p:cNvSpPr>
             <a:spLocks noGrp="1"/>
           </p:cNvSpPr>
@@ -3174,7 +3177,7 @@
       </p:sp>
       <p:sp>
         <p:nvSpPr>
-          <p:cNvPr id="103" name="PlaceHolder 2"/>
+          <p:cNvPr id="101" name="PlaceHolder 2"/>
           <p:cNvSpPr>
             <a:spLocks noGrp="1"/>
           </p:cNvSpPr>
@@ -3208,7 +3211,7 @@
       </p:sp>
       <p:sp>
         <p:nvSpPr>
-          <p:cNvPr id="104" name="PlaceHolder 3"/>
+          <p:cNvPr id="102" name="PlaceHolder 3"/>
           <p:cNvSpPr>
             <a:spLocks noGrp="1"/>
           </p:cNvSpPr>
@@ -3242,7 +3245,7 @@
       </p:sp>
       <p:sp>
         <p:nvSpPr>
-          <p:cNvPr id="105" name="PlaceHolder 4"/>
+          <p:cNvPr id="103" name="PlaceHolder 4"/>
           <p:cNvSpPr>
             <a:spLocks noGrp="1"/>
           </p:cNvSpPr>
@@ -3298,7 +3301,7 @@
       </p:grpSpPr>
       <p:sp>
         <p:nvSpPr>
-          <p:cNvPr id="106" name="PlaceHolder 1"/>
+          <p:cNvPr id="104" name="PlaceHolder 1"/>
           <p:cNvSpPr>
             <a:spLocks noGrp="1"/>
           </p:cNvSpPr>
@@ -3335,7 +3338,7 @@
       </p:sp>
       <p:sp>
         <p:nvSpPr>
-          <p:cNvPr id="107" name="PlaceHolder 2"/>
+          <p:cNvPr id="105" name="PlaceHolder 2"/>
           <p:cNvSpPr>
             <a:spLocks noGrp="1"/>
           </p:cNvSpPr>
@@ -3369,7 +3372,7 @@
       </p:sp>
       <p:sp>
         <p:nvSpPr>
-          <p:cNvPr id="108" name="PlaceHolder 3"/>
+          <p:cNvPr id="106" name="PlaceHolder 3"/>
           <p:cNvSpPr>
             <a:spLocks noGrp="1"/>
           </p:cNvSpPr>
@@ -3425,7 +3428,7 @@
       </p:grpSpPr>
       <p:sp>
         <p:nvSpPr>
-          <p:cNvPr id="109" name="PlaceHolder 1"/>
+          <p:cNvPr id="107" name="PlaceHolder 1"/>
           <p:cNvSpPr>
             <a:spLocks noGrp="1"/>
           </p:cNvSpPr>
@@ -3462,7 +3465,7 @@
       </p:sp>
       <p:sp>
         <p:nvSpPr>
-          <p:cNvPr id="110" name="PlaceHolder 2"/>
+          <p:cNvPr id="108" name="PlaceHolder 2"/>
           <p:cNvSpPr>
             <a:spLocks noGrp="1"/>
           </p:cNvSpPr>
@@ -3496,7 +3499,7 @@
       </p:sp>
       <p:sp>
         <p:nvSpPr>
-          <p:cNvPr id="111" name="PlaceHolder 3"/>
+          <p:cNvPr id="109" name="PlaceHolder 3"/>
           <p:cNvSpPr>
             <a:spLocks noGrp="1"/>
           </p:cNvSpPr>
@@ -3530,7 +3533,7 @@
       </p:sp>
       <p:sp>
         <p:nvSpPr>
-          <p:cNvPr id="112" name="PlaceHolder 4"/>
+          <p:cNvPr id="110" name="PlaceHolder 4"/>
           <p:cNvSpPr>
             <a:spLocks noGrp="1"/>
           </p:cNvSpPr>
@@ -3564,7 +3567,7 @@
       </p:sp>
       <p:sp>
         <p:nvSpPr>
-          <p:cNvPr id="113" name="PlaceHolder 5"/>
+          <p:cNvPr id="111" name="PlaceHolder 5"/>
           <p:cNvSpPr>
             <a:spLocks noGrp="1"/>
           </p:cNvSpPr>
@@ -3620,7 +3623,7 @@
       </p:grpSpPr>
       <p:sp>
         <p:nvSpPr>
-          <p:cNvPr id="114" name="PlaceHolder 1"/>
+          <p:cNvPr id="112" name="PlaceHolder 1"/>
           <p:cNvSpPr>
             <a:spLocks noGrp="1"/>
           </p:cNvSpPr>
@@ -3657,7 +3660,7 @@
       </p:sp>
       <p:sp>
         <p:nvSpPr>
-          <p:cNvPr id="115" name="PlaceHolder 2"/>
+          <p:cNvPr id="113" name="PlaceHolder 2"/>
           <p:cNvSpPr>
             <a:spLocks noGrp="1"/>
           </p:cNvSpPr>
@@ -3691,7 +3694,7 @@
       </p:sp>
       <p:sp>
         <p:nvSpPr>
-          <p:cNvPr id="116" name="PlaceHolder 3"/>
+          <p:cNvPr id="114" name="PlaceHolder 3"/>
           <p:cNvSpPr>
             <a:spLocks noGrp="1"/>
           </p:cNvSpPr>
@@ -3725,7 +3728,7 @@
       </p:sp>
       <p:sp>
         <p:nvSpPr>
-          <p:cNvPr id="117" name="PlaceHolder 4"/>
+          <p:cNvPr id="115" name="PlaceHolder 4"/>
           <p:cNvSpPr>
             <a:spLocks noGrp="1"/>
           </p:cNvSpPr>
@@ -3759,7 +3762,7 @@
       </p:sp>
       <p:sp>
         <p:nvSpPr>
-          <p:cNvPr id="118" name="PlaceHolder 5"/>
+          <p:cNvPr id="116" name="PlaceHolder 5"/>
           <p:cNvSpPr>
             <a:spLocks noGrp="1"/>
           </p:cNvSpPr>
@@ -3793,7 +3796,7 @@
       </p:sp>
       <p:sp>
         <p:nvSpPr>
-          <p:cNvPr id="119" name="PlaceHolder 6"/>
+          <p:cNvPr id="117" name="PlaceHolder 6"/>
           <p:cNvSpPr>
             <a:spLocks noGrp="1"/>
           </p:cNvSpPr>
@@ -3827,7 +3830,7 @@
       </p:sp>
       <p:sp>
         <p:nvSpPr>
-          <p:cNvPr id="120" name="PlaceHolder 7"/>
+          <p:cNvPr id="118" name="PlaceHolder 7"/>
           <p:cNvSpPr>
             <a:spLocks noGrp="1"/>
           </p:cNvSpPr>
@@ -3839,6 +3842,217 @@
           <a:xfrm>
             <a:off x="6639120" y="3044520"/>
             <a:ext cx="2921040" cy="1568520"/>
+          </a:xfrm>
+          <a:prstGeom prst="rect">
+            <a:avLst/>
+          </a:prstGeom>
+          <a:noFill/>
+          <a:ln w="0">
+            <a:noFill/>
+          </a:ln>
+        </p:spPr>
+        <p:txBody>
+          <a:bodyPr lIns="0" rIns="0" tIns="0" bIns="0" anchor="t">
+            <a:normAutofit/>
+          </a:bodyPr>
+          <a:p>
+            <a:endParaRPr b="0" lang="en-US" sz="3200" spc="-1" strike="noStrike">
+              <a:latin typeface="Arial"/>
+            </a:endParaRPr>
+          </a:p>
+        </p:txBody>
+      </p:sp>
+    </p:spTree>
+  </p:cSld>
+</p:sldLayout>
+</file>
+
+<file path=ppt/slideLayouts/slideLayout37.xml><?xml version="1.0" encoding="utf-8"?>
+<p:sldLayout xmlns:a="http://schemas.openxmlformats.org/drawingml/2006/main" xmlns:p="http://schemas.openxmlformats.org/presentationml/2006/main" xmlns:r="http://schemas.openxmlformats.org/officeDocument/2006/relationships" xmlns:p14="http://schemas.microsoft.com/office/powerpoint/2010/main" xmlns:p15="http://schemas.microsoft.com/office/powerpoint/2012/main" xmlns:mc="http://schemas.openxmlformats.org/markup-compatibility/2006" type="blank" preserve="1">
+  <p:cSld name="Blank Slide">
+    <p:spTree>
+      <p:nvGrpSpPr>
+        <p:cNvPr id="1" name=""/>
+        <p:cNvGrpSpPr/>
+        <p:nvPr/>
+      </p:nvGrpSpPr>
+      <p:grpSpPr>
+        <a:xfrm>
+          <a:off x="0" y="0"/>
+          <a:ext cx="0" cy="0"/>
+          <a:chOff x="0" y="0"/>
+          <a:chExt cx="0" cy="0"/>
+        </a:xfrm>
+      </p:grpSpPr>
+    </p:spTree>
+  </p:cSld>
+</p:sldLayout>
+</file>
+
+<file path=ppt/slideLayouts/slideLayout38.xml><?xml version="1.0" encoding="utf-8"?>
+<p:sldLayout xmlns:a="http://schemas.openxmlformats.org/drawingml/2006/main" xmlns:p="http://schemas.openxmlformats.org/presentationml/2006/main" xmlns:r="http://schemas.openxmlformats.org/officeDocument/2006/relationships" xmlns:p14="http://schemas.microsoft.com/office/powerpoint/2010/main" xmlns:p15="http://schemas.microsoft.com/office/powerpoint/2012/main" xmlns:mc="http://schemas.openxmlformats.org/markup-compatibility/2006" type="tx" preserve="1">
+  <p:cSld name="Title Slide">
+    <p:spTree>
+      <p:nvGrpSpPr>
+        <p:cNvPr id="1" name=""/>
+        <p:cNvGrpSpPr/>
+        <p:nvPr/>
+      </p:nvGrpSpPr>
+      <p:grpSpPr>
+        <a:xfrm>
+          <a:off x="0" y="0"/>
+          <a:ext cx="0" cy="0"/>
+          <a:chOff x="0" y="0"/>
+          <a:chExt cx="0" cy="0"/>
+        </a:xfrm>
+      </p:grpSpPr>
+      <p:sp>
+        <p:nvSpPr>
+          <p:cNvPr id="125" name="PlaceHolder 1"/>
+          <p:cNvSpPr>
+            <a:spLocks noGrp="1"/>
+          </p:cNvSpPr>
+          <p:nvPr>
+            <p:ph type="title"/>
+          </p:nvPr>
+        </p:nvSpPr>
+        <p:spPr>
+          <a:xfrm>
+            <a:off x="504000" y="226080"/>
+            <a:ext cx="9072000" cy="946440"/>
+          </a:xfrm>
+          <a:prstGeom prst="rect">
+            <a:avLst/>
+          </a:prstGeom>
+          <a:noFill/>
+          <a:ln w="0">
+            <a:noFill/>
+          </a:ln>
+        </p:spPr>
+        <p:txBody>
+          <a:bodyPr lIns="0" rIns="0" tIns="0" bIns="0" anchor="ctr">
+            <a:noAutofit/>
+          </a:bodyPr>
+          <a:p>
+            <a:pPr algn="ctr">
+              <a:buNone/>
+            </a:pPr>
+            <a:endParaRPr b="0" lang="en-US" sz="4400" spc="-1" strike="noStrike">
+              <a:latin typeface="Arial"/>
+            </a:endParaRPr>
+          </a:p>
+        </p:txBody>
+      </p:sp>
+      <p:sp>
+        <p:nvSpPr>
+          <p:cNvPr id="126" name="PlaceHolder 2"/>
+          <p:cNvSpPr>
+            <a:spLocks noGrp="1"/>
+          </p:cNvSpPr>
+          <p:nvPr>
+            <p:ph type="subTitle"/>
+          </p:nvPr>
+        </p:nvSpPr>
+        <p:spPr>
+          <a:xfrm>
+            <a:off x="504000" y="1326600"/>
+            <a:ext cx="9072000" cy="3288600"/>
+          </a:xfrm>
+          <a:prstGeom prst="rect">
+            <a:avLst/>
+          </a:prstGeom>
+          <a:noFill/>
+          <a:ln w="0">
+            <a:noFill/>
+          </a:ln>
+        </p:spPr>
+        <p:txBody>
+          <a:bodyPr lIns="0" rIns="0" tIns="0" bIns="0" anchor="ctr">
+            <a:noAutofit/>
+          </a:bodyPr>
+          <a:p>
+            <a:pPr algn="ctr">
+              <a:buNone/>
+            </a:pPr>
+            <a:endParaRPr b="0" lang="en-US" sz="3200" spc="-1" strike="noStrike">
+              <a:latin typeface="Arial"/>
+            </a:endParaRPr>
+          </a:p>
+        </p:txBody>
+      </p:sp>
+    </p:spTree>
+  </p:cSld>
+</p:sldLayout>
+</file>
+
+<file path=ppt/slideLayouts/slideLayout39.xml><?xml version="1.0" encoding="utf-8"?>
+<p:sldLayout xmlns:a="http://schemas.openxmlformats.org/drawingml/2006/main" xmlns:p="http://schemas.openxmlformats.org/presentationml/2006/main" xmlns:r="http://schemas.openxmlformats.org/officeDocument/2006/relationships" xmlns:p14="http://schemas.microsoft.com/office/powerpoint/2010/main" xmlns:p15="http://schemas.microsoft.com/office/powerpoint/2012/main" xmlns:mc="http://schemas.openxmlformats.org/markup-compatibility/2006" type="obj" preserve="1">
+  <p:cSld name="Title, Content">
+    <p:spTree>
+      <p:nvGrpSpPr>
+        <p:cNvPr id="1" name=""/>
+        <p:cNvGrpSpPr/>
+        <p:nvPr/>
+      </p:nvGrpSpPr>
+      <p:grpSpPr>
+        <a:xfrm>
+          <a:off x="0" y="0"/>
+          <a:ext cx="0" cy="0"/>
+          <a:chOff x="0" y="0"/>
+          <a:chExt cx="0" cy="0"/>
+        </a:xfrm>
+      </p:grpSpPr>
+      <p:sp>
+        <p:nvSpPr>
+          <p:cNvPr id="127" name="PlaceHolder 1"/>
+          <p:cNvSpPr>
+            <a:spLocks noGrp="1"/>
+          </p:cNvSpPr>
+          <p:nvPr>
+            <p:ph type="title"/>
+          </p:nvPr>
+        </p:nvSpPr>
+        <p:spPr>
+          <a:xfrm>
+            <a:off x="504000" y="226080"/>
+            <a:ext cx="9072000" cy="946440"/>
+          </a:xfrm>
+          <a:prstGeom prst="rect">
+            <a:avLst/>
+          </a:prstGeom>
+          <a:noFill/>
+          <a:ln w="0">
+            <a:noFill/>
+          </a:ln>
+        </p:spPr>
+        <p:txBody>
+          <a:bodyPr lIns="0" rIns="0" tIns="0" bIns="0" anchor="ctr">
+            <a:noAutofit/>
+          </a:bodyPr>
+          <a:p>
+            <a:pPr algn="ctr">
+              <a:buNone/>
+            </a:pPr>
+            <a:endParaRPr b="0" lang="en-US" sz="4400" spc="-1" strike="noStrike">
+              <a:latin typeface="Arial"/>
+            </a:endParaRPr>
+          </a:p>
+        </p:txBody>
+      </p:sp>
+      <p:sp>
+        <p:nvSpPr>
+          <p:cNvPr id="128" name="PlaceHolder 2"/>
+          <p:cNvSpPr>
+            <a:spLocks noGrp="1"/>
+          </p:cNvSpPr>
+          <p:nvPr>
+            <p:ph/>
+          </p:nvPr>
+        </p:nvSpPr>
+        <p:spPr>
+          <a:xfrm>
+            <a:off x="504000" y="1326600"/>
+            <a:ext cx="9072000" cy="3288600"/>
           </a:xfrm>
           <a:prstGeom prst="rect">
             <a:avLst/>
@@ -3991,6 +4205,1341 @@
 </p:sldLayout>
 </file>
 
+<file path=ppt/slideLayouts/slideLayout40.xml><?xml version="1.0" encoding="utf-8"?>
+<p:sldLayout xmlns:a="http://schemas.openxmlformats.org/drawingml/2006/main" xmlns:p="http://schemas.openxmlformats.org/presentationml/2006/main" xmlns:r="http://schemas.openxmlformats.org/officeDocument/2006/relationships" xmlns:p14="http://schemas.microsoft.com/office/powerpoint/2010/main" xmlns:p15="http://schemas.microsoft.com/office/powerpoint/2012/main" xmlns:mc="http://schemas.openxmlformats.org/markup-compatibility/2006" type="twoObj" preserve="1">
+  <p:cSld name="Title, 2 Content">
+    <p:spTree>
+      <p:nvGrpSpPr>
+        <p:cNvPr id="1" name=""/>
+        <p:cNvGrpSpPr/>
+        <p:nvPr/>
+      </p:nvGrpSpPr>
+      <p:grpSpPr>
+        <a:xfrm>
+          <a:off x="0" y="0"/>
+          <a:ext cx="0" cy="0"/>
+          <a:chOff x="0" y="0"/>
+          <a:chExt cx="0" cy="0"/>
+        </a:xfrm>
+      </p:grpSpPr>
+      <p:sp>
+        <p:nvSpPr>
+          <p:cNvPr id="129" name="PlaceHolder 1"/>
+          <p:cNvSpPr>
+            <a:spLocks noGrp="1"/>
+          </p:cNvSpPr>
+          <p:nvPr>
+            <p:ph type="title"/>
+          </p:nvPr>
+        </p:nvSpPr>
+        <p:spPr>
+          <a:xfrm>
+            <a:off x="504000" y="226080"/>
+            <a:ext cx="9072000" cy="946440"/>
+          </a:xfrm>
+          <a:prstGeom prst="rect">
+            <a:avLst/>
+          </a:prstGeom>
+          <a:noFill/>
+          <a:ln w="0">
+            <a:noFill/>
+          </a:ln>
+        </p:spPr>
+        <p:txBody>
+          <a:bodyPr lIns="0" rIns="0" tIns="0" bIns="0" anchor="ctr">
+            <a:noAutofit/>
+          </a:bodyPr>
+          <a:p>
+            <a:pPr algn="ctr">
+              <a:buNone/>
+            </a:pPr>
+            <a:endParaRPr b="0" lang="en-US" sz="4400" spc="-1" strike="noStrike">
+              <a:latin typeface="Arial"/>
+            </a:endParaRPr>
+          </a:p>
+        </p:txBody>
+      </p:sp>
+      <p:sp>
+        <p:nvSpPr>
+          <p:cNvPr id="130" name="PlaceHolder 2"/>
+          <p:cNvSpPr>
+            <a:spLocks noGrp="1"/>
+          </p:cNvSpPr>
+          <p:nvPr>
+            <p:ph/>
+          </p:nvPr>
+        </p:nvSpPr>
+        <p:spPr>
+          <a:xfrm>
+            <a:off x="504000" y="1326600"/>
+            <a:ext cx="4426920" cy="3288600"/>
+          </a:xfrm>
+          <a:prstGeom prst="rect">
+            <a:avLst/>
+          </a:prstGeom>
+          <a:noFill/>
+          <a:ln w="0">
+            <a:noFill/>
+          </a:ln>
+        </p:spPr>
+        <p:txBody>
+          <a:bodyPr lIns="0" rIns="0" tIns="0" bIns="0" anchor="t">
+            <a:normAutofit/>
+          </a:bodyPr>
+          <a:p>
+            <a:endParaRPr b="0" lang="en-US" sz="3200" spc="-1" strike="noStrike">
+              <a:latin typeface="Arial"/>
+            </a:endParaRPr>
+          </a:p>
+        </p:txBody>
+      </p:sp>
+      <p:sp>
+        <p:nvSpPr>
+          <p:cNvPr id="131" name="PlaceHolder 3"/>
+          <p:cNvSpPr>
+            <a:spLocks noGrp="1"/>
+          </p:cNvSpPr>
+          <p:nvPr>
+            <p:ph/>
+          </p:nvPr>
+        </p:nvSpPr>
+        <p:spPr>
+          <a:xfrm>
+            <a:off x="5152680" y="1326600"/>
+            <a:ext cx="4426920" cy="3288600"/>
+          </a:xfrm>
+          <a:prstGeom prst="rect">
+            <a:avLst/>
+          </a:prstGeom>
+          <a:noFill/>
+          <a:ln w="0">
+            <a:noFill/>
+          </a:ln>
+        </p:spPr>
+        <p:txBody>
+          <a:bodyPr lIns="0" rIns="0" tIns="0" bIns="0" anchor="t">
+            <a:normAutofit/>
+          </a:bodyPr>
+          <a:p>
+            <a:endParaRPr b="0" lang="en-US" sz="3200" spc="-1" strike="noStrike">
+              <a:latin typeface="Arial"/>
+            </a:endParaRPr>
+          </a:p>
+        </p:txBody>
+      </p:sp>
+    </p:spTree>
+  </p:cSld>
+</p:sldLayout>
+</file>
+
+<file path=ppt/slideLayouts/slideLayout41.xml><?xml version="1.0" encoding="utf-8"?>
+<p:sldLayout xmlns:a="http://schemas.openxmlformats.org/drawingml/2006/main" xmlns:p="http://schemas.openxmlformats.org/presentationml/2006/main" xmlns:r="http://schemas.openxmlformats.org/officeDocument/2006/relationships" xmlns:p14="http://schemas.microsoft.com/office/powerpoint/2010/main" xmlns:p15="http://schemas.microsoft.com/office/powerpoint/2012/main" xmlns:mc="http://schemas.openxmlformats.org/markup-compatibility/2006" type="titleOnly" preserve="1">
+  <p:cSld name="Title Only">
+    <p:spTree>
+      <p:nvGrpSpPr>
+        <p:cNvPr id="1" name=""/>
+        <p:cNvGrpSpPr/>
+        <p:nvPr/>
+      </p:nvGrpSpPr>
+      <p:grpSpPr>
+        <a:xfrm>
+          <a:off x="0" y="0"/>
+          <a:ext cx="0" cy="0"/>
+          <a:chOff x="0" y="0"/>
+          <a:chExt cx="0" cy="0"/>
+        </a:xfrm>
+      </p:grpSpPr>
+      <p:sp>
+        <p:nvSpPr>
+          <p:cNvPr id="132" name="PlaceHolder 1"/>
+          <p:cNvSpPr>
+            <a:spLocks noGrp="1"/>
+          </p:cNvSpPr>
+          <p:nvPr>
+            <p:ph type="title"/>
+          </p:nvPr>
+        </p:nvSpPr>
+        <p:spPr>
+          <a:xfrm>
+            <a:off x="504000" y="226080"/>
+            <a:ext cx="9072000" cy="946440"/>
+          </a:xfrm>
+          <a:prstGeom prst="rect">
+            <a:avLst/>
+          </a:prstGeom>
+          <a:noFill/>
+          <a:ln w="0">
+            <a:noFill/>
+          </a:ln>
+        </p:spPr>
+        <p:txBody>
+          <a:bodyPr lIns="0" rIns="0" tIns="0" bIns="0" anchor="ctr">
+            <a:noAutofit/>
+          </a:bodyPr>
+          <a:p>
+            <a:pPr algn="ctr">
+              <a:buNone/>
+            </a:pPr>
+            <a:endParaRPr b="0" lang="en-US" sz="4400" spc="-1" strike="noStrike">
+              <a:latin typeface="Arial"/>
+            </a:endParaRPr>
+          </a:p>
+        </p:txBody>
+      </p:sp>
+    </p:spTree>
+  </p:cSld>
+</p:sldLayout>
+</file>
+
+<file path=ppt/slideLayouts/slideLayout42.xml><?xml version="1.0" encoding="utf-8"?>
+<p:sldLayout xmlns:a="http://schemas.openxmlformats.org/drawingml/2006/main" xmlns:p="http://schemas.openxmlformats.org/presentationml/2006/main" xmlns:r="http://schemas.openxmlformats.org/officeDocument/2006/relationships" xmlns:p14="http://schemas.microsoft.com/office/powerpoint/2010/main" xmlns:p15="http://schemas.microsoft.com/office/powerpoint/2012/main" xmlns:mc="http://schemas.openxmlformats.org/markup-compatibility/2006" type="objOnly" preserve="1">
+  <p:cSld name="Centered Text">
+    <p:spTree>
+      <p:nvGrpSpPr>
+        <p:cNvPr id="1" name=""/>
+        <p:cNvGrpSpPr/>
+        <p:nvPr/>
+      </p:nvGrpSpPr>
+      <p:grpSpPr>
+        <a:xfrm>
+          <a:off x="0" y="0"/>
+          <a:ext cx="0" cy="0"/>
+          <a:chOff x="0" y="0"/>
+          <a:chExt cx="0" cy="0"/>
+        </a:xfrm>
+      </p:grpSpPr>
+      <p:sp>
+        <p:nvSpPr>
+          <p:cNvPr id="133" name="PlaceHolder 1"/>
+          <p:cNvSpPr>
+            <a:spLocks noGrp="1"/>
+          </p:cNvSpPr>
+          <p:nvPr>
+            <p:ph type="subTitle"/>
+          </p:nvPr>
+        </p:nvSpPr>
+        <p:spPr>
+          <a:xfrm>
+            <a:off x="504000" y="226080"/>
+            <a:ext cx="9072000" cy="4388400"/>
+          </a:xfrm>
+          <a:prstGeom prst="rect">
+            <a:avLst/>
+          </a:prstGeom>
+          <a:noFill/>
+          <a:ln w="0">
+            <a:noFill/>
+          </a:ln>
+        </p:spPr>
+        <p:txBody>
+          <a:bodyPr lIns="0" rIns="0" tIns="0" bIns="0" anchor="ctr">
+            <a:noAutofit/>
+          </a:bodyPr>
+          <a:p>
+            <a:pPr algn="ctr">
+              <a:buNone/>
+            </a:pPr>
+            <a:endParaRPr b="0" lang="en-US" sz="3200" spc="-1" strike="noStrike">
+              <a:latin typeface="Arial"/>
+            </a:endParaRPr>
+          </a:p>
+        </p:txBody>
+      </p:sp>
+    </p:spTree>
+  </p:cSld>
+</p:sldLayout>
+</file>
+
+<file path=ppt/slideLayouts/slideLayout43.xml><?xml version="1.0" encoding="utf-8"?>
+<p:sldLayout xmlns:a="http://schemas.openxmlformats.org/drawingml/2006/main" xmlns:p="http://schemas.openxmlformats.org/presentationml/2006/main" xmlns:r="http://schemas.openxmlformats.org/officeDocument/2006/relationships" xmlns:p14="http://schemas.microsoft.com/office/powerpoint/2010/main" xmlns:p15="http://schemas.microsoft.com/office/powerpoint/2012/main" xmlns:mc="http://schemas.openxmlformats.org/markup-compatibility/2006" type="twoObjAndObj" preserve="1">
+  <p:cSld name="Title, 2 Content and Content">
+    <p:spTree>
+      <p:nvGrpSpPr>
+        <p:cNvPr id="1" name=""/>
+        <p:cNvGrpSpPr/>
+        <p:nvPr/>
+      </p:nvGrpSpPr>
+      <p:grpSpPr>
+        <a:xfrm>
+          <a:off x="0" y="0"/>
+          <a:ext cx="0" cy="0"/>
+          <a:chOff x="0" y="0"/>
+          <a:chExt cx="0" cy="0"/>
+        </a:xfrm>
+      </p:grpSpPr>
+      <p:sp>
+        <p:nvSpPr>
+          <p:cNvPr id="134" name="PlaceHolder 1"/>
+          <p:cNvSpPr>
+            <a:spLocks noGrp="1"/>
+          </p:cNvSpPr>
+          <p:nvPr>
+            <p:ph type="title"/>
+          </p:nvPr>
+        </p:nvSpPr>
+        <p:spPr>
+          <a:xfrm>
+            <a:off x="504000" y="226080"/>
+            <a:ext cx="9072000" cy="946440"/>
+          </a:xfrm>
+          <a:prstGeom prst="rect">
+            <a:avLst/>
+          </a:prstGeom>
+          <a:noFill/>
+          <a:ln w="0">
+            <a:noFill/>
+          </a:ln>
+        </p:spPr>
+        <p:txBody>
+          <a:bodyPr lIns="0" rIns="0" tIns="0" bIns="0" anchor="ctr">
+            <a:noAutofit/>
+          </a:bodyPr>
+          <a:p>
+            <a:pPr algn="ctr">
+              <a:buNone/>
+            </a:pPr>
+            <a:endParaRPr b="0" lang="en-US" sz="4400" spc="-1" strike="noStrike">
+              <a:latin typeface="Arial"/>
+            </a:endParaRPr>
+          </a:p>
+        </p:txBody>
+      </p:sp>
+      <p:sp>
+        <p:nvSpPr>
+          <p:cNvPr id="135" name="PlaceHolder 2"/>
+          <p:cNvSpPr>
+            <a:spLocks noGrp="1"/>
+          </p:cNvSpPr>
+          <p:nvPr>
+            <p:ph/>
+          </p:nvPr>
+        </p:nvSpPr>
+        <p:spPr>
+          <a:xfrm>
+            <a:off x="504000" y="1326600"/>
+            <a:ext cx="4426920" cy="1568520"/>
+          </a:xfrm>
+          <a:prstGeom prst="rect">
+            <a:avLst/>
+          </a:prstGeom>
+          <a:noFill/>
+          <a:ln w="0">
+            <a:noFill/>
+          </a:ln>
+        </p:spPr>
+        <p:txBody>
+          <a:bodyPr lIns="0" rIns="0" tIns="0" bIns="0" anchor="t">
+            <a:normAutofit/>
+          </a:bodyPr>
+          <a:p>
+            <a:endParaRPr b="0" lang="en-US" sz="3200" spc="-1" strike="noStrike">
+              <a:latin typeface="Arial"/>
+            </a:endParaRPr>
+          </a:p>
+        </p:txBody>
+      </p:sp>
+      <p:sp>
+        <p:nvSpPr>
+          <p:cNvPr id="136" name="PlaceHolder 3"/>
+          <p:cNvSpPr>
+            <a:spLocks noGrp="1"/>
+          </p:cNvSpPr>
+          <p:nvPr>
+            <p:ph/>
+          </p:nvPr>
+        </p:nvSpPr>
+        <p:spPr>
+          <a:xfrm>
+            <a:off x="5152680" y="1326600"/>
+            <a:ext cx="4426920" cy="3288600"/>
+          </a:xfrm>
+          <a:prstGeom prst="rect">
+            <a:avLst/>
+          </a:prstGeom>
+          <a:noFill/>
+          <a:ln w="0">
+            <a:noFill/>
+          </a:ln>
+        </p:spPr>
+        <p:txBody>
+          <a:bodyPr lIns="0" rIns="0" tIns="0" bIns="0" anchor="t">
+            <a:normAutofit/>
+          </a:bodyPr>
+          <a:p>
+            <a:endParaRPr b="0" lang="en-US" sz="3200" spc="-1" strike="noStrike">
+              <a:latin typeface="Arial"/>
+            </a:endParaRPr>
+          </a:p>
+        </p:txBody>
+      </p:sp>
+      <p:sp>
+        <p:nvSpPr>
+          <p:cNvPr id="137" name="PlaceHolder 4"/>
+          <p:cNvSpPr>
+            <a:spLocks noGrp="1"/>
+          </p:cNvSpPr>
+          <p:nvPr>
+            <p:ph/>
+          </p:nvPr>
+        </p:nvSpPr>
+        <p:spPr>
+          <a:xfrm>
+            <a:off x="504000" y="3044520"/>
+            <a:ext cx="4426920" cy="1568520"/>
+          </a:xfrm>
+          <a:prstGeom prst="rect">
+            <a:avLst/>
+          </a:prstGeom>
+          <a:noFill/>
+          <a:ln w="0">
+            <a:noFill/>
+          </a:ln>
+        </p:spPr>
+        <p:txBody>
+          <a:bodyPr lIns="0" rIns="0" tIns="0" bIns="0" anchor="t">
+            <a:normAutofit/>
+          </a:bodyPr>
+          <a:p>
+            <a:endParaRPr b="0" lang="en-US" sz="3200" spc="-1" strike="noStrike">
+              <a:latin typeface="Arial"/>
+            </a:endParaRPr>
+          </a:p>
+        </p:txBody>
+      </p:sp>
+    </p:spTree>
+  </p:cSld>
+</p:sldLayout>
+</file>
+
+<file path=ppt/slideLayouts/slideLayout44.xml><?xml version="1.0" encoding="utf-8"?>
+<p:sldLayout xmlns:a="http://schemas.openxmlformats.org/drawingml/2006/main" xmlns:p="http://schemas.openxmlformats.org/presentationml/2006/main" xmlns:r="http://schemas.openxmlformats.org/officeDocument/2006/relationships" xmlns:p14="http://schemas.microsoft.com/office/powerpoint/2010/main" xmlns:p15="http://schemas.microsoft.com/office/powerpoint/2012/main" xmlns:mc="http://schemas.openxmlformats.org/markup-compatibility/2006" type="objAndTwoObj" preserve="1">
+  <p:cSld name="Title Content and 2 Content">
+    <p:spTree>
+      <p:nvGrpSpPr>
+        <p:cNvPr id="1" name=""/>
+        <p:cNvGrpSpPr/>
+        <p:nvPr/>
+      </p:nvGrpSpPr>
+      <p:grpSpPr>
+        <a:xfrm>
+          <a:off x="0" y="0"/>
+          <a:ext cx="0" cy="0"/>
+          <a:chOff x="0" y="0"/>
+          <a:chExt cx="0" cy="0"/>
+        </a:xfrm>
+      </p:grpSpPr>
+      <p:sp>
+        <p:nvSpPr>
+          <p:cNvPr id="138" name="PlaceHolder 1"/>
+          <p:cNvSpPr>
+            <a:spLocks noGrp="1"/>
+          </p:cNvSpPr>
+          <p:nvPr>
+            <p:ph type="title"/>
+          </p:nvPr>
+        </p:nvSpPr>
+        <p:spPr>
+          <a:xfrm>
+            <a:off x="504000" y="226080"/>
+            <a:ext cx="9072000" cy="946440"/>
+          </a:xfrm>
+          <a:prstGeom prst="rect">
+            <a:avLst/>
+          </a:prstGeom>
+          <a:noFill/>
+          <a:ln w="0">
+            <a:noFill/>
+          </a:ln>
+        </p:spPr>
+        <p:txBody>
+          <a:bodyPr lIns="0" rIns="0" tIns="0" bIns="0" anchor="ctr">
+            <a:noAutofit/>
+          </a:bodyPr>
+          <a:p>
+            <a:pPr algn="ctr">
+              <a:buNone/>
+            </a:pPr>
+            <a:endParaRPr b="0" lang="en-US" sz="4400" spc="-1" strike="noStrike">
+              <a:latin typeface="Arial"/>
+            </a:endParaRPr>
+          </a:p>
+        </p:txBody>
+      </p:sp>
+      <p:sp>
+        <p:nvSpPr>
+          <p:cNvPr id="139" name="PlaceHolder 2"/>
+          <p:cNvSpPr>
+            <a:spLocks noGrp="1"/>
+          </p:cNvSpPr>
+          <p:nvPr>
+            <p:ph/>
+          </p:nvPr>
+        </p:nvSpPr>
+        <p:spPr>
+          <a:xfrm>
+            <a:off x="504000" y="1326600"/>
+            <a:ext cx="4426920" cy="3288600"/>
+          </a:xfrm>
+          <a:prstGeom prst="rect">
+            <a:avLst/>
+          </a:prstGeom>
+          <a:noFill/>
+          <a:ln w="0">
+            <a:noFill/>
+          </a:ln>
+        </p:spPr>
+        <p:txBody>
+          <a:bodyPr lIns="0" rIns="0" tIns="0" bIns="0" anchor="t">
+            <a:normAutofit/>
+          </a:bodyPr>
+          <a:p>
+            <a:endParaRPr b="0" lang="en-US" sz="3200" spc="-1" strike="noStrike">
+              <a:latin typeface="Arial"/>
+            </a:endParaRPr>
+          </a:p>
+        </p:txBody>
+      </p:sp>
+      <p:sp>
+        <p:nvSpPr>
+          <p:cNvPr id="140" name="PlaceHolder 3"/>
+          <p:cNvSpPr>
+            <a:spLocks noGrp="1"/>
+          </p:cNvSpPr>
+          <p:nvPr>
+            <p:ph/>
+          </p:nvPr>
+        </p:nvSpPr>
+        <p:spPr>
+          <a:xfrm>
+            <a:off x="5152680" y="1326600"/>
+            <a:ext cx="4426920" cy="1568520"/>
+          </a:xfrm>
+          <a:prstGeom prst="rect">
+            <a:avLst/>
+          </a:prstGeom>
+          <a:noFill/>
+          <a:ln w="0">
+            <a:noFill/>
+          </a:ln>
+        </p:spPr>
+        <p:txBody>
+          <a:bodyPr lIns="0" rIns="0" tIns="0" bIns="0" anchor="t">
+            <a:normAutofit/>
+          </a:bodyPr>
+          <a:p>
+            <a:endParaRPr b="0" lang="en-US" sz="3200" spc="-1" strike="noStrike">
+              <a:latin typeface="Arial"/>
+            </a:endParaRPr>
+          </a:p>
+        </p:txBody>
+      </p:sp>
+      <p:sp>
+        <p:nvSpPr>
+          <p:cNvPr id="141" name="PlaceHolder 4"/>
+          <p:cNvSpPr>
+            <a:spLocks noGrp="1"/>
+          </p:cNvSpPr>
+          <p:nvPr>
+            <p:ph/>
+          </p:nvPr>
+        </p:nvSpPr>
+        <p:spPr>
+          <a:xfrm>
+            <a:off x="5152680" y="3044520"/>
+            <a:ext cx="4426920" cy="1568520"/>
+          </a:xfrm>
+          <a:prstGeom prst="rect">
+            <a:avLst/>
+          </a:prstGeom>
+          <a:noFill/>
+          <a:ln w="0">
+            <a:noFill/>
+          </a:ln>
+        </p:spPr>
+        <p:txBody>
+          <a:bodyPr lIns="0" rIns="0" tIns="0" bIns="0" anchor="t">
+            <a:normAutofit/>
+          </a:bodyPr>
+          <a:p>
+            <a:endParaRPr b="0" lang="en-US" sz="3200" spc="-1" strike="noStrike">
+              <a:latin typeface="Arial"/>
+            </a:endParaRPr>
+          </a:p>
+        </p:txBody>
+      </p:sp>
+    </p:spTree>
+  </p:cSld>
+</p:sldLayout>
+</file>
+
+<file path=ppt/slideLayouts/slideLayout45.xml><?xml version="1.0" encoding="utf-8"?>
+<p:sldLayout xmlns:a="http://schemas.openxmlformats.org/drawingml/2006/main" xmlns:p="http://schemas.openxmlformats.org/presentationml/2006/main" xmlns:r="http://schemas.openxmlformats.org/officeDocument/2006/relationships" xmlns:p14="http://schemas.microsoft.com/office/powerpoint/2010/main" xmlns:p15="http://schemas.microsoft.com/office/powerpoint/2012/main" xmlns:mc="http://schemas.openxmlformats.org/markup-compatibility/2006" type="twoObjOverTx" preserve="1">
+  <p:cSld name="Title, 2 Content over Content">
+    <p:spTree>
+      <p:nvGrpSpPr>
+        <p:cNvPr id="1" name=""/>
+        <p:cNvGrpSpPr/>
+        <p:nvPr/>
+      </p:nvGrpSpPr>
+      <p:grpSpPr>
+        <a:xfrm>
+          <a:off x="0" y="0"/>
+          <a:ext cx="0" cy="0"/>
+          <a:chOff x="0" y="0"/>
+          <a:chExt cx="0" cy="0"/>
+        </a:xfrm>
+      </p:grpSpPr>
+      <p:sp>
+        <p:nvSpPr>
+          <p:cNvPr id="142" name="PlaceHolder 1"/>
+          <p:cNvSpPr>
+            <a:spLocks noGrp="1"/>
+          </p:cNvSpPr>
+          <p:nvPr>
+            <p:ph type="title"/>
+          </p:nvPr>
+        </p:nvSpPr>
+        <p:spPr>
+          <a:xfrm>
+            <a:off x="504000" y="226080"/>
+            <a:ext cx="9072000" cy="946440"/>
+          </a:xfrm>
+          <a:prstGeom prst="rect">
+            <a:avLst/>
+          </a:prstGeom>
+          <a:noFill/>
+          <a:ln w="0">
+            <a:noFill/>
+          </a:ln>
+        </p:spPr>
+        <p:txBody>
+          <a:bodyPr lIns="0" rIns="0" tIns="0" bIns="0" anchor="ctr">
+            <a:noAutofit/>
+          </a:bodyPr>
+          <a:p>
+            <a:pPr algn="ctr">
+              <a:buNone/>
+            </a:pPr>
+            <a:endParaRPr b="0" lang="en-US" sz="4400" spc="-1" strike="noStrike">
+              <a:latin typeface="Arial"/>
+            </a:endParaRPr>
+          </a:p>
+        </p:txBody>
+      </p:sp>
+      <p:sp>
+        <p:nvSpPr>
+          <p:cNvPr id="143" name="PlaceHolder 2"/>
+          <p:cNvSpPr>
+            <a:spLocks noGrp="1"/>
+          </p:cNvSpPr>
+          <p:nvPr>
+            <p:ph/>
+          </p:nvPr>
+        </p:nvSpPr>
+        <p:spPr>
+          <a:xfrm>
+            <a:off x="504000" y="1326600"/>
+            <a:ext cx="4426920" cy="1568520"/>
+          </a:xfrm>
+          <a:prstGeom prst="rect">
+            <a:avLst/>
+          </a:prstGeom>
+          <a:noFill/>
+          <a:ln w="0">
+            <a:noFill/>
+          </a:ln>
+        </p:spPr>
+        <p:txBody>
+          <a:bodyPr lIns="0" rIns="0" tIns="0" bIns="0" anchor="t">
+            <a:normAutofit/>
+          </a:bodyPr>
+          <a:p>
+            <a:endParaRPr b="0" lang="en-US" sz="3200" spc="-1" strike="noStrike">
+              <a:latin typeface="Arial"/>
+            </a:endParaRPr>
+          </a:p>
+        </p:txBody>
+      </p:sp>
+      <p:sp>
+        <p:nvSpPr>
+          <p:cNvPr id="144" name="PlaceHolder 3"/>
+          <p:cNvSpPr>
+            <a:spLocks noGrp="1"/>
+          </p:cNvSpPr>
+          <p:nvPr>
+            <p:ph/>
+          </p:nvPr>
+        </p:nvSpPr>
+        <p:spPr>
+          <a:xfrm>
+            <a:off x="5152680" y="1326600"/>
+            <a:ext cx="4426920" cy="1568520"/>
+          </a:xfrm>
+          <a:prstGeom prst="rect">
+            <a:avLst/>
+          </a:prstGeom>
+          <a:noFill/>
+          <a:ln w="0">
+            <a:noFill/>
+          </a:ln>
+        </p:spPr>
+        <p:txBody>
+          <a:bodyPr lIns="0" rIns="0" tIns="0" bIns="0" anchor="t">
+            <a:normAutofit/>
+          </a:bodyPr>
+          <a:p>
+            <a:endParaRPr b="0" lang="en-US" sz="3200" spc="-1" strike="noStrike">
+              <a:latin typeface="Arial"/>
+            </a:endParaRPr>
+          </a:p>
+        </p:txBody>
+      </p:sp>
+      <p:sp>
+        <p:nvSpPr>
+          <p:cNvPr id="145" name="PlaceHolder 4"/>
+          <p:cNvSpPr>
+            <a:spLocks noGrp="1"/>
+          </p:cNvSpPr>
+          <p:nvPr>
+            <p:ph/>
+          </p:nvPr>
+        </p:nvSpPr>
+        <p:spPr>
+          <a:xfrm>
+            <a:off x="504000" y="3044520"/>
+            <a:ext cx="9072000" cy="1568520"/>
+          </a:xfrm>
+          <a:prstGeom prst="rect">
+            <a:avLst/>
+          </a:prstGeom>
+          <a:noFill/>
+          <a:ln w="0">
+            <a:noFill/>
+          </a:ln>
+        </p:spPr>
+        <p:txBody>
+          <a:bodyPr lIns="0" rIns="0" tIns="0" bIns="0" anchor="t">
+            <a:normAutofit/>
+          </a:bodyPr>
+          <a:p>
+            <a:endParaRPr b="0" lang="en-US" sz="3200" spc="-1" strike="noStrike">
+              <a:latin typeface="Arial"/>
+            </a:endParaRPr>
+          </a:p>
+        </p:txBody>
+      </p:sp>
+    </p:spTree>
+  </p:cSld>
+</p:sldLayout>
+</file>
+
+<file path=ppt/slideLayouts/slideLayout46.xml><?xml version="1.0" encoding="utf-8"?>
+<p:sldLayout xmlns:a="http://schemas.openxmlformats.org/drawingml/2006/main" xmlns:p="http://schemas.openxmlformats.org/presentationml/2006/main" xmlns:r="http://schemas.openxmlformats.org/officeDocument/2006/relationships" xmlns:p14="http://schemas.microsoft.com/office/powerpoint/2010/main" xmlns:p15="http://schemas.microsoft.com/office/powerpoint/2012/main" xmlns:mc="http://schemas.openxmlformats.org/markup-compatibility/2006" type="objOverTx" preserve="1">
+  <p:cSld name="Title, Content over Content">
+    <p:spTree>
+      <p:nvGrpSpPr>
+        <p:cNvPr id="1" name=""/>
+        <p:cNvGrpSpPr/>
+        <p:nvPr/>
+      </p:nvGrpSpPr>
+      <p:grpSpPr>
+        <a:xfrm>
+          <a:off x="0" y="0"/>
+          <a:ext cx="0" cy="0"/>
+          <a:chOff x="0" y="0"/>
+          <a:chExt cx="0" cy="0"/>
+        </a:xfrm>
+      </p:grpSpPr>
+      <p:sp>
+        <p:nvSpPr>
+          <p:cNvPr id="146" name="PlaceHolder 1"/>
+          <p:cNvSpPr>
+            <a:spLocks noGrp="1"/>
+          </p:cNvSpPr>
+          <p:nvPr>
+            <p:ph type="title"/>
+          </p:nvPr>
+        </p:nvSpPr>
+        <p:spPr>
+          <a:xfrm>
+            <a:off x="504000" y="226080"/>
+            <a:ext cx="9072000" cy="946440"/>
+          </a:xfrm>
+          <a:prstGeom prst="rect">
+            <a:avLst/>
+          </a:prstGeom>
+          <a:noFill/>
+          <a:ln w="0">
+            <a:noFill/>
+          </a:ln>
+        </p:spPr>
+        <p:txBody>
+          <a:bodyPr lIns="0" rIns="0" tIns="0" bIns="0" anchor="ctr">
+            <a:noAutofit/>
+          </a:bodyPr>
+          <a:p>
+            <a:pPr algn="ctr">
+              <a:buNone/>
+            </a:pPr>
+            <a:endParaRPr b="0" lang="en-US" sz="4400" spc="-1" strike="noStrike">
+              <a:latin typeface="Arial"/>
+            </a:endParaRPr>
+          </a:p>
+        </p:txBody>
+      </p:sp>
+      <p:sp>
+        <p:nvSpPr>
+          <p:cNvPr id="147" name="PlaceHolder 2"/>
+          <p:cNvSpPr>
+            <a:spLocks noGrp="1"/>
+          </p:cNvSpPr>
+          <p:nvPr>
+            <p:ph/>
+          </p:nvPr>
+        </p:nvSpPr>
+        <p:spPr>
+          <a:xfrm>
+            <a:off x="504000" y="1326600"/>
+            <a:ext cx="9072000" cy="1568520"/>
+          </a:xfrm>
+          <a:prstGeom prst="rect">
+            <a:avLst/>
+          </a:prstGeom>
+          <a:noFill/>
+          <a:ln w="0">
+            <a:noFill/>
+          </a:ln>
+        </p:spPr>
+        <p:txBody>
+          <a:bodyPr lIns="0" rIns="0" tIns="0" bIns="0" anchor="t">
+            <a:normAutofit/>
+          </a:bodyPr>
+          <a:p>
+            <a:endParaRPr b="0" lang="en-US" sz="3200" spc="-1" strike="noStrike">
+              <a:latin typeface="Arial"/>
+            </a:endParaRPr>
+          </a:p>
+        </p:txBody>
+      </p:sp>
+      <p:sp>
+        <p:nvSpPr>
+          <p:cNvPr id="148" name="PlaceHolder 3"/>
+          <p:cNvSpPr>
+            <a:spLocks noGrp="1"/>
+          </p:cNvSpPr>
+          <p:nvPr>
+            <p:ph/>
+          </p:nvPr>
+        </p:nvSpPr>
+        <p:spPr>
+          <a:xfrm>
+            <a:off x="504000" y="3044520"/>
+            <a:ext cx="9072000" cy="1568520"/>
+          </a:xfrm>
+          <a:prstGeom prst="rect">
+            <a:avLst/>
+          </a:prstGeom>
+          <a:noFill/>
+          <a:ln w="0">
+            <a:noFill/>
+          </a:ln>
+        </p:spPr>
+        <p:txBody>
+          <a:bodyPr lIns="0" rIns="0" tIns="0" bIns="0" anchor="t">
+            <a:normAutofit/>
+          </a:bodyPr>
+          <a:p>
+            <a:endParaRPr b="0" lang="en-US" sz="3200" spc="-1" strike="noStrike">
+              <a:latin typeface="Arial"/>
+            </a:endParaRPr>
+          </a:p>
+        </p:txBody>
+      </p:sp>
+    </p:spTree>
+  </p:cSld>
+</p:sldLayout>
+</file>
+
+<file path=ppt/slideLayouts/slideLayout47.xml><?xml version="1.0" encoding="utf-8"?>
+<p:sldLayout xmlns:a="http://schemas.openxmlformats.org/drawingml/2006/main" xmlns:p="http://schemas.openxmlformats.org/presentationml/2006/main" xmlns:r="http://schemas.openxmlformats.org/officeDocument/2006/relationships" xmlns:p14="http://schemas.microsoft.com/office/powerpoint/2010/main" xmlns:p15="http://schemas.microsoft.com/office/powerpoint/2012/main" xmlns:mc="http://schemas.openxmlformats.org/markup-compatibility/2006" type="fourObj" preserve="1">
+  <p:cSld name="Title, 4 Content">
+    <p:spTree>
+      <p:nvGrpSpPr>
+        <p:cNvPr id="1" name=""/>
+        <p:cNvGrpSpPr/>
+        <p:nvPr/>
+      </p:nvGrpSpPr>
+      <p:grpSpPr>
+        <a:xfrm>
+          <a:off x="0" y="0"/>
+          <a:ext cx="0" cy="0"/>
+          <a:chOff x="0" y="0"/>
+          <a:chExt cx="0" cy="0"/>
+        </a:xfrm>
+      </p:grpSpPr>
+      <p:sp>
+        <p:nvSpPr>
+          <p:cNvPr id="149" name="PlaceHolder 1"/>
+          <p:cNvSpPr>
+            <a:spLocks noGrp="1"/>
+          </p:cNvSpPr>
+          <p:nvPr>
+            <p:ph type="title"/>
+          </p:nvPr>
+        </p:nvSpPr>
+        <p:spPr>
+          <a:xfrm>
+            <a:off x="504000" y="226080"/>
+            <a:ext cx="9072000" cy="946440"/>
+          </a:xfrm>
+          <a:prstGeom prst="rect">
+            <a:avLst/>
+          </a:prstGeom>
+          <a:noFill/>
+          <a:ln w="0">
+            <a:noFill/>
+          </a:ln>
+        </p:spPr>
+        <p:txBody>
+          <a:bodyPr lIns="0" rIns="0" tIns="0" bIns="0" anchor="ctr">
+            <a:noAutofit/>
+          </a:bodyPr>
+          <a:p>
+            <a:pPr algn="ctr">
+              <a:buNone/>
+            </a:pPr>
+            <a:endParaRPr b="0" lang="en-US" sz="4400" spc="-1" strike="noStrike">
+              <a:latin typeface="Arial"/>
+            </a:endParaRPr>
+          </a:p>
+        </p:txBody>
+      </p:sp>
+      <p:sp>
+        <p:nvSpPr>
+          <p:cNvPr id="150" name="PlaceHolder 2"/>
+          <p:cNvSpPr>
+            <a:spLocks noGrp="1"/>
+          </p:cNvSpPr>
+          <p:nvPr>
+            <p:ph/>
+          </p:nvPr>
+        </p:nvSpPr>
+        <p:spPr>
+          <a:xfrm>
+            <a:off x="504000" y="1326600"/>
+            <a:ext cx="4426920" cy="1568520"/>
+          </a:xfrm>
+          <a:prstGeom prst="rect">
+            <a:avLst/>
+          </a:prstGeom>
+          <a:noFill/>
+          <a:ln w="0">
+            <a:noFill/>
+          </a:ln>
+        </p:spPr>
+        <p:txBody>
+          <a:bodyPr lIns="0" rIns="0" tIns="0" bIns="0" anchor="t">
+            <a:normAutofit/>
+          </a:bodyPr>
+          <a:p>
+            <a:endParaRPr b="0" lang="en-US" sz="3200" spc="-1" strike="noStrike">
+              <a:latin typeface="Arial"/>
+            </a:endParaRPr>
+          </a:p>
+        </p:txBody>
+      </p:sp>
+      <p:sp>
+        <p:nvSpPr>
+          <p:cNvPr id="151" name="PlaceHolder 3"/>
+          <p:cNvSpPr>
+            <a:spLocks noGrp="1"/>
+          </p:cNvSpPr>
+          <p:nvPr>
+            <p:ph/>
+          </p:nvPr>
+        </p:nvSpPr>
+        <p:spPr>
+          <a:xfrm>
+            <a:off x="5152680" y="1326600"/>
+            <a:ext cx="4426920" cy="1568520"/>
+          </a:xfrm>
+          <a:prstGeom prst="rect">
+            <a:avLst/>
+          </a:prstGeom>
+          <a:noFill/>
+          <a:ln w="0">
+            <a:noFill/>
+          </a:ln>
+        </p:spPr>
+        <p:txBody>
+          <a:bodyPr lIns="0" rIns="0" tIns="0" bIns="0" anchor="t">
+            <a:normAutofit/>
+          </a:bodyPr>
+          <a:p>
+            <a:endParaRPr b="0" lang="en-US" sz="3200" spc="-1" strike="noStrike">
+              <a:latin typeface="Arial"/>
+            </a:endParaRPr>
+          </a:p>
+        </p:txBody>
+      </p:sp>
+      <p:sp>
+        <p:nvSpPr>
+          <p:cNvPr id="152" name="PlaceHolder 4"/>
+          <p:cNvSpPr>
+            <a:spLocks noGrp="1"/>
+          </p:cNvSpPr>
+          <p:nvPr>
+            <p:ph/>
+          </p:nvPr>
+        </p:nvSpPr>
+        <p:spPr>
+          <a:xfrm>
+            <a:off x="504000" y="3044520"/>
+            <a:ext cx="4426920" cy="1568520"/>
+          </a:xfrm>
+          <a:prstGeom prst="rect">
+            <a:avLst/>
+          </a:prstGeom>
+          <a:noFill/>
+          <a:ln w="0">
+            <a:noFill/>
+          </a:ln>
+        </p:spPr>
+        <p:txBody>
+          <a:bodyPr lIns="0" rIns="0" tIns="0" bIns="0" anchor="t">
+            <a:normAutofit/>
+          </a:bodyPr>
+          <a:p>
+            <a:endParaRPr b="0" lang="en-US" sz="3200" spc="-1" strike="noStrike">
+              <a:latin typeface="Arial"/>
+            </a:endParaRPr>
+          </a:p>
+        </p:txBody>
+      </p:sp>
+      <p:sp>
+        <p:nvSpPr>
+          <p:cNvPr id="153" name="PlaceHolder 5"/>
+          <p:cNvSpPr>
+            <a:spLocks noGrp="1"/>
+          </p:cNvSpPr>
+          <p:nvPr>
+            <p:ph/>
+          </p:nvPr>
+        </p:nvSpPr>
+        <p:spPr>
+          <a:xfrm>
+            <a:off x="5152680" y="3044520"/>
+            <a:ext cx="4426920" cy="1568520"/>
+          </a:xfrm>
+          <a:prstGeom prst="rect">
+            <a:avLst/>
+          </a:prstGeom>
+          <a:noFill/>
+          <a:ln w="0">
+            <a:noFill/>
+          </a:ln>
+        </p:spPr>
+        <p:txBody>
+          <a:bodyPr lIns="0" rIns="0" tIns="0" bIns="0" anchor="t">
+            <a:normAutofit/>
+          </a:bodyPr>
+          <a:p>
+            <a:endParaRPr b="0" lang="en-US" sz="3200" spc="-1" strike="noStrike">
+              <a:latin typeface="Arial"/>
+            </a:endParaRPr>
+          </a:p>
+        </p:txBody>
+      </p:sp>
+    </p:spTree>
+  </p:cSld>
+</p:sldLayout>
+</file>
+
+<file path=ppt/slideLayouts/slideLayout48.xml><?xml version="1.0" encoding="utf-8"?>
+<p:sldLayout xmlns:a="http://schemas.openxmlformats.org/drawingml/2006/main" xmlns:p="http://schemas.openxmlformats.org/presentationml/2006/main" xmlns:r="http://schemas.openxmlformats.org/officeDocument/2006/relationships" xmlns:p14="http://schemas.microsoft.com/office/powerpoint/2010/main" xmlns:p15="http://schemas.microsoft.com/office/powerpoint/2012/main" xmlns:mc="http://schemas.openxmlformats.org/markup-compatibility/2006" type="blank" preserve="1">
+  <p:cSld name="Title, 6 Content">
+    <p:spTree>
+      <p:nvGrpSpPr>
+        <p:cNvPr id="1" name=""/>
+        <p:cNvGrpSpPr/>
+        <p:nvPr/>
+      </p:nvGrpSpPr>
+      <p:grpSpPr>
+        <a:xfrm>
+          <a:off x="0" y="0"/>
+          <a:ext cx="0" cy="0"/>
+          <a:chOff x="0" y="0"/>
+          <a:chExt cx="0" cy="0"/>
+        </a:xfrm>
+      </p:grpSpPr>
+      <p:sp>
+        <p:nvSpPr>
+          <p:cNvPr id="154" name="PlaceHolder 1"/>
+          <p:cNvSpPr>
+            <a:spLocks noGrp="1"/>
+          </p:cNvSpPr>
+          <p:nvPr>
+            <p:ph type="title"/>
+          </p:nvPr>
+        </p:nvSpPr>
+        <p:spPr>
+          <a:xfrm>
+            <a:off x="504000" y="226080"/>
+            <a:ext cx="9072000" cy="946440"/>
+          </a:xfrm>
+          <a:prstGeom prst="rect">
+            <a:avLst/>
+          </a:prstGeom>
+          <a:noFill/>
+          <a:ln w="0">
+            <a:noFill/>
+          </a:ln>
+        </p:spPr>
+        <p:txBody>
+          <a:bodyPr lIns="0" rIns="0" tIns="0" bIns="0" anchor="ctr">
+            <a:noAutofit/>
+          </a:bodyPr>
+          <a:p>
+            <a:pPr algn="ctr">
+              <a:buNone/>
+            </a:pPr>
+            <a:endParaRPr b="0" lang="en-US" sz="4400" spc="-1" strike="noStrike">
+              <a:latin typeface="Arial"/>
+            </a:endParaRPr>
+          </a:p>
+        </p:txBody>
+      </p:sp>
+      <p:sp>
+        <p:nvSpPr>
+          <p:cNvPr id="155" name="PlaceHolder 2"/>
+          <p:cNvSpPr>
+            <a:spLocks noGrp="1"/>
+          </p:cNvSpPr>
+          <p:nvPr>
+            <p:ph/>
+          </p:nvPr>
+        </p:nvSpPr>
+        <p:spPr>
+          <a:xfrm>
+            <a:off x="504000" y="1326600"/>
+            <a:ext cx="2921040" cy="1568520"/>
+          </a:xfrm>
+          <a:prstGeom prst="rect">
+            <a:avLst/>
+          </a:prstGeom>
+          <a:noFill/>
+          <a:ln w="0">
+            <a:noFill/>
+          </a:ln>
+        </p:spPr>
+        <p:txBody>
+          <a:bodyPr lIns="0" rIns="0" tIns="0" bIns="0" anchor="t">
+            <a:normAutofit/>
+          </a:bodyPr>
+          <a:p>
+            <a:endParaRPr b="0" lang="en-US" sz="3200" spc="-1" strike="noStrike">
+              <a:latin typeface="Arial"/>
+            </a:endParaRPr>
+          </a:p>
+        </p:txBody>
+      </p:sp>
+      <p:sp>
+        <p:nvSpPr>
+          <p:cNvPr id="156" name="PlaceHolder 3"/>
+          <p:cNvSpPr>
+            <a:spLocks noGrp="1"/>
+          </p:cNvSpPr>
+          <p:nvPr>
+            <p:ph/>
+          </p:nvPr>
+        </p:nvSpPr>
+        <p:spPr>
+          <a:xfrm>
+            <a:off x="3571560" y="1326600"/>
+            <a:ext cx="2921040" cy="1568520"/>
+          </a:xfrm>
+          <a:prstGeom prst="rect">
+            <a:avLst/>
+          </a:prstGeom>
+          <a:noFill/>
+          <a:ln w="0">
+            <a:noFill/>
+          </a:ln>
+        </p:spPr>
+        <p:txBody>
+          <a:bodyPr lIns="0" rIns="0" tIns="0" bIns="0" anchor="t">
+            <a:normAutofit/>
+          </a:bodyPr>
+          <a:p>
+            <a:endParaRPr b="0" lang="en-US" sz="3200" spc="-1" strike="noStrike">
+              <a:latin typeface="Arial"/>
+            </a:endParaRPr>
+          </a:p>
+        </p:txBody>
+      </p:sp>
+      <p:sp>
+        <p:nvSpPr>
+          <p:cNvPr id="157" name="PlaceHolder 4"/>
+          <p:cNvSpPr>
+            <a:spLocks noGrp="1"/>
+          </p:cNvSpPr>
+          <p:nvPr>
+            <p:ph/>
+          </p:nvPr>
+        </p:nvSpPr>
+        <p:spPr>
+          <a:xfrm>
+            <a:off x="6639120" y="1326600"/>
+            <a:ext cx="2921040" cy="1568520"/>
+          </a:xfrm>
+          <a:prstGeom prst="rect">
+            <a:avLst/>
+          </a:prstGeom>
+          <a:noFill/>
+          <a:ln w="0">
+            <a:noFill/>
+          </a:ln>
+        </p:spPr>
+        <p:txBody>
+          <a:bodyPr lIns="0" rIns="0" tIns="0" bIns="0" anchor="t">
+            <a:normAutofit/>
+          </a:bodyPr>
+          <a:p>
+            <a:endParaRPr b="0" lang="en-US" sz="3200" spc="-1" strike="noStrike">
+              <a:latin typeface="Arial"/>
+            </a:endParaRPr>
+          </a:p>
+        </p:txBody>
+      </p:sp>
+      <p:sp>
+        <p:nvSpPr>
+          <p:cNvPr id="158" name="PlaceHolder 5"/>
+          <p:cNvSpPr>
+            <a:spLocks noGrp="1"/>
+          </p:cNvSpPr>
+          <p:nvPr>
+            <p:ph/>
+          </p:nvPr>
+        </p:nvSpPr>
+        <p:spPr>
+          <a:xfrm>
+            <a:off x="504000" y="3044520"/>
+            <a:ext cx="2921040" cy="1568520"/>
+          </a:xfrm>
+          <a:prstGeom prst="rect">
+            <a:avLst/>
+          </a:prstGeom>
+          <a:noFill/>
+          <a:ln w="0">
+            <a:noFill/>
+          </a:ln>
+        </p:spPr>
+        <p:txBody>
+          <a:bodyPr lIns="0" rIns="0" tIns="0" bIns="0" anchor="t">
+            <a:normAutofit/>
+          </a:bodyPr>
+          <a:p>
+            <a:endParaRPr b="0" lang="en-US" sz="3200" spc="-1" strike="noStrike">
+              <a:latin typeface="Arial"/>
+            </a:endParaRPr>
+          </a:p>
+        </p:txBody>
+      </p:sp>
+      <p:sp>
+        <p:nvSpPr>
+          <p:cNvPr id="159" name="PlaceHolder 6"/>
+          <p:cNvSpPr>
+            <a:spLocks noGrp="1"/>
+          </p:cNvSpPr>
+          <p:nvPr>
+            <p:ph/>
+          </p:nvPr>
+        </p:nvSpPr>
+        <p:spPr>
+          <a:xfrm>
+            <a:off x="3571560" y="3044520"/>
+            <a:ext cx="2921040" cy="1568520"/>
+          </a:xfrm>
+          <a:prstGeom prst="rect">
+            <a:avLst/>
+          </a:prstGeom>
+          <a:noFill/>
+          <a:ln w="0">
+            <a:noFill/>
+          </a:ln>
+        </p:spPr>
+        <p:txBody>
+          <a:bodyPr lIns="0" rIns="0" tIns="0" bIns="0" anchor="t">
+            <a:normAutofit/>
+          </a:bodyPr>
+          <a:p>
+            <a:endParaRPr b="0" lang="en-US" sz="3200" spc="-1" strike="noStrike">
+              <a:latin typeface="Arial"/>
+            </a:endParaRPr>
+          </a:p>
+        </p:txBody>
+      </p:sp>
+      <p:sp>
+        <p:nvSpPr>
+          <p:cNvPr id="160" name="PlaceHolder 7"/>
+          <p:cNvSpPr>
+            <a:spLocks noGrp="1"/>
+          </p:cNvSpPr>
+          <p:nvPr>
+            <p:ph/>
+          </p:nvPr>
+        </p:nvSpPr>
+        <p:spPr>
+          <a:xfrm>
+            <a:off x="6639120" y="3044520"/>
+            <a:ext cx="2921040" cy="1568520"/>
+          </a:xfrm>
+          <a:prstGeom prst="rect">
+            <a:avLst/>
+          </a:prstGeom>
+          <a:noFill/>
+          <a:ln w="0">
+            <a:noFill/>
+          </a:ln>
+        </p:spPr>
+        <p:txBody>
+          <a:bodyPr lIns="0" rIns="0" tIns="0" bIns="0" anchor="t">
+            <a:normAutofit/>
+          </a:bodyPr>
+          <a:p>
+            <a:endParaRPr b="0" lang="en-US" sz="3200" spc="-1" strike="noStrike">
+              <a:latin typeface="Arial"/>
+            </a:endParaRPr>
+          </a:p>
+        </p:txBody>
+      </p:sp>
+    </p:spTree>
+  </p:cSld>
+</p:sldLayout>
+</file>
+
+<file path=ppt/slideLayouts/slideLayout49.xml><?xml version="1.0" encoding="utf-8"?>
+<p:sldLayout xmlns:a="http://schemas.openxmlformats.org/drawingml/2006/main" xmlns:p="http://schemas.openxmlformats.org/presentationml/2006/main" xmlns:r="http://schemas.openxmlformats.org/officeDocument/2006/relationships" xmlns:p14="http://schemas.microsoft.com/office/powerpoint/2010/main" xmlns:p15="http://schemas.microsoft.com/office/powerpoint/2012/main" xmlns:mc="http://schemas.openxmlformats.org/markup-compatibility/2006" type="blank" preserve="1">
+  <p:cSld name="Blank Slide">
+    <p:spTree>
+      <p:nvGrpSpPr>
+        <p:cNvPr id="1" name=""/>
+        <p:cNvGrpSpPr/>
+        <p:nvPr/>
+      </p:nvGrpSpPr>
+      <p:grpSpPr>
+        <a:xfrm>
+          <a:off x="0" y="0"/>
+          <a:ext cx="0" cy="0"/>
+          <a:chOff x="0" y="0"/>
+          <a:chExt cx="0" cy="0"/>
+        </a:xfrm>
+      </p:grpSpPr>
+    </p:spTree>
+  </p:cSld>
+</p:sldLayout>
+</file>
+
 <file path=ppt/slideLayouts/slideLayout5.xml><?xml version="1.0" encoding="utf-8"?>
 <p:sldLayout xmlns:a="http://schemas.openxmlformats.org/drawingml/2006/main" xmlns:p="http://schemas.openxmlformats.org/presentationml/2006/main" xmlns:r="http://schemas.openxmlformats.org/officeDocument/2006/relationships" xmlns:p14="http://schemas.microsoft.com/office/powerpoint/2010/main" xmlns:p15="http://schemas.microsoft.com/office/powerpoint/2012/main" xmlns:mc="http://schemas.openxmlformats.org/markup-compatibility/2006" type="titleOnly" preserve="1">
   <p:cSld name="Title Only">
@@ -4040,6 +5589,1245 @@
               <a:buNone/>
             </a:pPr>
             <a:endParaRPr b="0" lang="en-US" sz="4400" spc="-1" strike="noStrike">
+              <a:latin typeface="Arial"/>
+            </a:endParaRPr>
+          </a:p>
+        </p:txBody>
+      </p:sp>
+    </p:spTree>
+  </p:cSld>
+</p:sldLayout>
+</file>
+
+<file path=ppt/slideLayouts/slideLayout50.xml><?xml version="1.0" encoding="utf-8"?>
+<p:sldLayout xmlns:a="http://schemas.openxmlformats.org/drawingml/2006/main" xmlns:p="http://schemas.openxmlformats.org/presentationml/2006/main" xmlns:r="http://schemas.openxmlformats.org/officeDocument/2006/relationships" xmlns:p14="http://schemas.microsoft.com/office/powerpoint/2010/main" xmlns:p15="http://schemas.microsoft.com/office/powerpoint/2012/main" xmlns:mc="http://schemas.openxmlformats.org/markup-compatibility/2006" type="tx" preserve="1">
+  <p:cSld name="Title Slide">
+    <p:spTree>
+      <p:nvGrpSpPr>
+        <p:cNvPr id="1" name=""/>
+        <p:cNvGrpSpPr/>
+        <p:nvPr/>
+      </p:nvGrpSpPr>
+      <p:grpSpPr>
+        <a:xfrm>
+          <a:off x="0" y="0"/>
+          <a:ext cx="0" cy="0"/>
+          <a:chOff x="0" y="0"/>
+          <a:chExt cx="0" cy="0"/>
+        </a:xfrm>
+      </p:grpSpPr>
+      <p:sp>
+        <p:nvSpPr>
+          <p:cNvPr id="165" name="PlaceHolder 1"/>
+          <p:cNvSpPr>
+            <a:spLocks noGrp="1"/>
+          </p:cNvSpPr>
+          <p:nvPr>
+            <p:ph type="title"/>
+          </p:nvPr>
+        </p:nvSpPr>
+        <p:spPr>
+          <a:xfrm>
+            <a:off x="504000" y="226080"/>
+            <a:ext cx="9072000" cy="946440"/>
+          </a:xfrm>
+          <a:prstGeom prst="rect">
+            <a:avLst/>
+          </a:prstGeom>
+          <a:noFill/>
+          <a:ln w="0">
+            <a:noFill/>
+          </a:ln>
+        </p:spPr>
+        <p:txBody>
+          <a:bodyPr lIns="0" rIns="0" tIns="0" bIns="0" anchor="ctr">
+            <a:noAutofit/>
+          </a:bodyPr>
+          <a:p>
+            <a:pPr algn="ctr">
+              <a:buNone/>
+            </a:pPr>
+            <a:endParaRPr b="0" lang="en-US" sz="4400" spc="-1" strike="noStrike">
+              <a:latin typeface="Arial"/>
+            </a:endParaRPr>
+          </a:p>
+        </p:txBody>
+      </p:sp>
+      <p:sp>
+        <p:nvSpPr>
+          <p:cNvPr id="166" name="PlaceHolder 2"/>
+          <p:cNvSpPr>
+            <a:spLocks noGrp="1"/>
+          </p:cNvSpPr>
+          <p:nvPr>
+            <p:ph type="subTitle"/>
+          </p:nvPr>
+        </p:nvSpPr>
+        <p:spPr>
+          <a:xfrm>
+            <a:off x="504000" y="1326600"/>
+            <a:ext cx="9072000" cy="3288600"/>
+          </a:xfrm>
+          <a:prstGeom prst="rect">
+            <a:avLst/>
+          </a:prstGeom>
+          <a:noFill/>
+          <a:ln w="0">
+            <a:noFill/>
+          </a:ln>
+        </p:spPr>
+        <p:txBody>
+          <a:bodyPr lIns="0" rIns="0" tIns="0" bIns="0" anchor="ctr">
+            <a:noAutofit/>
+          </a:bodyPr>
+          <a:p>
+            <a:pPr algn="ctr">
+              <a:buNone/>
+            </a:pPr>
+            <a:endParaRPr b="0" lang="en-US" sz="3200" spc="-1" strike="noStrike">
+              <a:latin typeface="Arial"/>
+            </a:endParaRPr>
+          </a:p>
+        </p:txBody>
+      </p:sp>
+    </p:spTree>
+  </p:cSld>
+</p:sldLayout>
+</file>
+
+<file path=ppt/slideLayouts/slideLayout51.xml><?xml version="1.0" encoding="utf-8"?>
+<p:sldLayout xmlns:a="http://schemas.openxmlformats.org/drawingml/2006/main" xmlns:p="http://schemas.openxmlformats.org/presentationml/2006/main" xmlns:r="http://schemas.openxmlformats.org/officeDocument/2006/relationships" xmlns:p14="http://schemas.microsoft.com/office/powerpoint/2010/main" xmlns:p15="http://schemas.microsoft.com/office/powerpoint/2012/main" xmlns:mc="http://schemas.openxmlformats.org/markup-compatibility/2006" type="obj" preserve="1">
+  <p:cSld name="Title, Content">
+    <p:spTree>
+      <p:nvGrpSpPr>
+        <p:cNvPr id="1" name=""/>
+        <p:cNvGrpSpPr/>
+        <p:nvPr/>
+      </p:nvGrpSpPr>
+      <p:grpSpPr>
+        <a:xfrm>
+          <a:off x="0" y="0"/>
+          <a:ext cx="0" cy="0"/>
+          <a:chOff x="0" y="0"/>
+          <a:chExt cx="0" cy="0"/>
+        </a:xfrm>
+      </p:grpSpPr>
+      <p:sp>
+        <p:nvSpPr>
+          <p:cNvPr id="167" name="PlaceHolder 1"/>
+          <p:cNvSpPr>
+            <a:spLocks noGrp="1"/>
+          </p:cNvSpPr>
+          <p:nvPr>
+            <p:ph type="title"/>
+          </p:nvPr>
+        </p:nvSpPr>
+        <p:spPr>
+          <a:xfrm>
+            <a:off x="504000" y="226080"/>
+            <a:ext cx="9072000" cy="946440"/>
+          </a:xfrm>
+          <a:prstGeom prst="rect">
+            <a:avLst/>
+          </a:prstGeom>
+          <a:noFill/>
+          <a:ln w="0">
+            <a:noFill/>
+          </a:ln>
+        </p:spPr>
+        <p:txBody>
+          <a:bodyPr lIns="0" rIns="0" tIns="0" bIns="0" anchor="ctr">
+            <a:noAutofit/>
+          </a:bodyPr>
+          <a:p>
+            <a:pPr algn="ctr">
+              <a:buNone/>
+            </a:pPr>
+            <a:endParaRPr b="0" lang="en-US" sz="4400" spc="-1" strike="noStrike">
+              <a:latin typeface="Arial"/>
+            </a:endParaRPr>
+          </a:p>
+        </p:txBody>
+      </p:sp>
+      <p:sp>
+        <p:nvSpPr>
+          <p:cNvPr id="168" name="PlaceHolder 2"/>
+          <p:cNvSpPr>
+            <a:spLocks noGrp="1"/>
+          </p:cNvSpPr>
+          <p:nvPr>
+            <p:ph/>
+          </p:nvPr>
+        </p:nvSpPr>
+        <p:spPr>
+          <a:xfrm>
+            <a:off x="504000" y="1326600"/>
+            <a:ext cx="9072000" cy="3288600"/>
+          </a:xfrm>
+          <a:prstGeom prst="rect">
+            <a:avLst/>
+          </a:prstGeom>
+          <a:noFill/>
+          <a:ln w="0">
+            <a:noFill/>
+          </a:ln>
+        </p:spPr>
+        <p:txBody>
+          <a:bodyPr lIns="0" rIns="0" tIns="0" bIns="0" anchor="t">
+            <a:normAutofit/>
+          </a:bodyPr>
+          <a:p>
+            <a:endParaRPr b="0" lang="en-US" sz="3200" spc="-1" strike="noStrike">
+              <a:latin typeface="Arial"/>
+            </a:endParaRPr>
+          </a:p>
+        </p:txBody>
+      </p:sp>
+    </p:spTree>
+  </p:cSld>
+</p:sldLayout>
+</file>
+
+<file path=ppt/slideLayouts/slideLayout52.xml><?xml version="1.0" encoding="utf-8"?>
+<p:sldLayout xmlns:a="http://schemas.openxmlformats.org/drawingml/2006/main" xmlns:p="http://schemas.openxmlformats.org/presentationml/2006/main" xmlns:r="http://schemas.openxmlformats.org/officeDocument/2006/relationships" xmlns:p14="http://schemas.microsoft.com/office/powerpoint/2010/main" xmlns:p15="http://schemas.microsoft.com/office/powerpoint/2012/main" xmlns:mc="http://schemas.openxmlformats.org/markup-compatibility/2006" type="twoObj" preserve="1">
+  <p:cSld name="Title, 2 Content">
+    <p:spTree>
+      <p:nvGrpSpPr>
+        <p:cNvPr id="1" name=""/>
+        <p:cNvGrpSpPr/>
+        <p:nvPr/>
+      </p:nvGrpSpPr>
+      <p:grpSpPr>
+        <a:xfrm>
+          <a:off x="0" y="0"/>
+          <a:ext cx="0" cy="0"/>
+          <a:chOff x="0" y="0"/>
+          <a:chExt cx="0" cy="0"/>
+        </a:xfrm>
+      </p:grpSpPr>
+      <p:sp>
+        <p:nvSpPr>
+          <p:cNvPr id="169" name="PlaceHolder 1"/>
+          <p:cNvSpPr>
+            <a:spLocks noGrp="1"/>
+          </p:cNvSpPr>
+          <p:nvPr>
+            <p:ph type="title"/>
+          </p:nvPr>
+        </p:nvSpPr>
+        <p:spPr>
+          <a:xfrm>
+            <a:off x="504000" y="226080"/>
+            <a:ext cx="9072000" cy="946440"/>
+          </a:xfrm>
+          <a:prstGeom prst="rect">
+            <a:avLst/>
+          </a:prstGeom>
+          <a:noFill/>
+          <a:ln w="0">
+            <a:noFill/>
+          </a:ln>
+        </p:spPr>
+        <p:txBody>
+          <a:bodyPr lIns="0" rIns="0" tIns="0" bIns="0" anchor="ctr">
+            <a:noAutofit/>
+          </a:bodyPr>
+          <a:p>
+            <a:pPr algn="ctr">
+              <a:buNone/>
+            </a:pPr>
+            <a:endParaRPr b="0" lang="en-US" sz="4400" spc="-1" strike="noStrike">
+              <a:latin typeface="Arial"/>
+            </a:endParaRPr>
+          </a:p>
+        </p:txBody>
+      </p:sp>
+      <p:sp>
+        <p:nvSpPr>
+          <p:cNvPr id="170" name="PlaceHolder 2"/>
+          <p:cNvSpPr>
+            <a:spLocks noGrp="1"/>
+          </p:cNvSpPr>
+          <p:nvPr>
+            <p:ph/>
+          </p:nvPr>
+        </p:nvSpPr>
+        <p:spPr>
+          <a:xfrm>
+            <a:off x="504000" y="1326600"/>
+            <a:ext cx="4426920" cy="3288600"/>
+          </a:xfrm>
+          <a:prstGeom prst="rect">
+            <a:avLst/>
+          </a:prstGeom>
+          <a:noFill/>
+          <a:ln w="0">
+            <a:noFill/>
+          </a:ln>
+        </p:spPr>
+        <p:txBody>
+          <a:bodyPr lIns="0" rIns="0" tIns="0" bIns="0" anchor="t">
+            <a:normAutofit/>
+          </a:bodyPr>
+          <a:p>
+            <a:endParaRPr b="0" lang="en-US" sz="3200" spc="-1" strike="noStrike">
+              <a:latin typeface="Arial"/>
+            </a:endParaRPr>
+          </a:p>
+        </p:txBody>
+      </p:sp>
+      <p:sp>
+        <p:nvSpPr>
+          <p:cNvPr id="171" name="PlaceHolder 3"/>
+          <p:cNvSpPr>
+            <a:spLocks noGrp="1"/>
+          </p:cNvSpPr>
+          <p:nvPr>
+            <p:ph/>
+          </p:nvPr>
+        </p:nvSpPr>
+        <p:spPr>
+          <a:xfrm>
+            <a:off x="5152680" y="1326600"/>
+            <a:ext cx="4426920" cy="3288600"/>
+          </a:xfrm>
+          <a:prstGeom prst="rect">
+            <a:avLst/>
+          </a:prstGeom>
+          <a:noFill/>
+          <a:ln w="0">
+            <a:noFill/>
+          </a:ln>
+        </p:spPr>
+        <p:txBody>
+          <a:bodyPr lIns="0" rIns="0" tIns="0" bIns="0" anchor="t">
+            <a:normAutofit/>
+          </a:bodyPr>
+          <a:p>
+            <a:endParaRPr b="0" lang="en-US" sz="3200" spc="-1" strike="noStrike">
+              <a:latin typeface="Arial"/>
+            </a:endParaRPr>
+          </a:p>
+        </p:txBody>
+      </p:sp>
+    </p:spTree>
+  </p:cSld>
+</p:sldLayout>
+</file>
+
+<file path=ppt/slideLayouts/slideLayout53.xml><?xml version="1.0" encoding="utf-8"?>
+<p:sldLayout xmlns:a="http://schemas.openxmlformats.org/drawingml/2006/main" xmlns:p="http://schemas.openxmlformats.org/presentationml/2006/main" xmlns:r="http://schemas.openxmlformats.org/officeDocument/2006/relationships" xmlns:p14="http://schemas.microsoft.com/office/powerpoint/2010/main" xmlns:p15="http://schemas.microsoft.com/office/powerpoint/2012/main" xmlns:mc="http://schemas.openxmlformats.org/markup-compatibility/2006" type="titleOnly" preserve="1">
+  <p:cSld name="Title Only">
+    <p:spTree>
+      <p:nvGrpSpPr>
+        <p:cNvPr id="1" name=""/>
+        <p:cNvGrpSpPr/>
+        <p:nvPr/>
+      </p:nvGrpSpPr>
+      <p:grpSpPr>
+        <a:xfrm>
+          <a:off x="0" y="0"/>
+          <a:ext cx="0" cy="0"/>
+          <a:chOff x="0" y="0"/>
+          <a:chExt cx="0" cy="0"/>
+        </a:xfrm>
+      </p:grpSpPr>
+      <p:sp>
+        <p:nvSpPr>
+          <p:cNvPr id="172" name="PlaceHolder 1"/>
+          <p:cNvSpPr>
+            <a:spLocks noGrp="1"/>
+          </p:cNvSpPr>
+          <p:nvPr>
+            <p:ph type="title"/>
+          </p:nvPr>
+        </p:nvSpPr>
+        <p:spPr>
+          <a:xfrm>
+            <a:off x="504000" y="226080"/>
+            <a:ext cx="9072000" cy="946440"/>
+          </a:xfrm>
+          <a:prstGeom prst="rect">
+            <a:avLst/>
+          </a:prstGeom>
+          <a:noFill/>
+          <a:ln w="0">
+            <a:noFill/>
+          </a:ln>
+        </p:spPr>
+        <p:txBody>
+          <a:bodyPr lIns="0" rIns="0" tIns="0" bIns="0" anchor="ctr">
+            <a:noAutofit/>
+          </a:bodyPr>
+          <a:p>
+            <a:pPr algn="ctr">
+              <a:buNone/>
+            </a:pPr>
+            <a:endParaRPr b="0" lang="en-US" sz="4400" spc="-1" strike="noStrike">
+              <a:latin typeface="Arial"/>
+            </a:endParaRPr>
+          </a:p>
+        </p:txBody>
+      </p:sp>
+    </p:spTree>
+  </p:cSld>
+</p:sldLayout>
+</file>
+
+<file path=ppt/slideLayouts/slideLayout54.xml><?xml version="1.0" encoding="utf-8"?>
+<p:sldLayout xmlns:a="http://schemas.openxmlformats.org/drawingml/2006/main" xmlns:p="http://schemas.openxmlformats.org/presentationml/2006/main" xmlns:r="http://schemas.openxmlformats.org/officeDocument/2006/relationships" xmlns:p14="http://schemas.microsoft.com/office/powerpoint/2010/main" xmlns:p15="http://schemas.microsoft.com/office/powerpoint/2012/main" xmlns:mc="http://schemas.openxmlformats.org/markup-compatibility/2006" type="objOnly" preserve="1">
+  <p:cSld name="Centered Text">
+    <p:spTree>
+      <p:nvGrpSpPr>
+        <p:cNvPr id="1" name=""/>
+        <p:cNvGrpSpPr/>
+        <p:nvPr/>
+      </p:nvGrpSpPr>
+      <p:grpSpPr>
+        <a:xfrm>
+          <a:off x="0" y="0"/>
+          <a:ext cx="0" cy="0"/>
+          <a:chOff x="0" y="0"/>
+          <a:chExt cx="0" cy="0"/>
+        </a:xfrm>
+      </p:grpSpPr>
+      <p:sp>
+        <p:nvSpPr>
+          <p:cNvPr id="173" name="PlaceHolder 1"/>
+          <p:cNvSpPr>
+            <a:spLocks noGrp="1"/>
+          </p:cNvSpPr>
+          <p:nvPr>
+            <p:ph type="subTitle"/>
+          </p:nvPr>
+        </p:nvSpPr>
+        <p:spPr>
+          <a:xfrm>
+            <a:off x="504000" y="226080"/>
+            <a:ext cx="9072000" cy="4388400"/>
+          </a:xfrm>
+          <a:prstGeom prst="rect">
+            <a:avLst/>
+          </a:prstGeom>
+          <a:noFill/>
+          <a:ln w="0">
+            <a:noFill/>
+          </a:ln>
+        </p:spPr>
+        <p:txBody>
+          <a:bodyPr lIns="0" rIns="0" tIns="0" bIns="0" anchor="ctr">
+            <a:noAutofit/>
+          </a:bodyPr>
+          <a:p>
+            <a:pPr algn="ctr">
+              <a:buNone/>
+            </a:pPr>
+            <a:endParaRPr b="0" lang="en-US" sz="3200" spc="-1" strike="noStrike">
+              <a:latin typeface="Arial"/>
+            </a:endParaRPr>
+          </a:p>
+        </p:txBody>
+      </p:sp>
+    </p:spTree>
+  </p:cSld>
+</p:sldLayout>
+</file>
+
+<file path=ppt/slideLayouts/slideLayout55.xml><?xml version="1.0" encoding="utf-8"?>
+<p:sldLayout xmlns:a="http://schemas.openxmlformats.org/drawingml/2006/main" xmlns:p="http://schemas.openxmlformats.org/presentationml/2006/main" xmlns:r="http://schemas.openxmlformats.org/officeDocument/2006/relationships" xmlns:p14="http://schemas.microsoft.com/office/powerpoint/2010/main" xmlns:p15="http://schemas.microsoft.com/office/powerpoint/2012/main" xmlns:mc="http://schemas.openxmlformats.org/markup-compatibility/2006" type="twoObjAndObj" preserve="1">
+  <p:cSld name="Title, 2 Content and Content">
+    <p:spTree>
+      <p:nvGrpSpPr>
+        <p:cNvPr id="1" name=""/>
+        <p:cNvGrpSpPr/>
+        <p:nvPr/>
+      </p:nvGrpSpPr>
+      <p:grpSpPr>
+        <a:xfrm>
+          <a:off x="0" y="0"/>
+          <a:ext cx="0" cy="0"/>
+          <a:chOff x="0" y="0"/>
+          <a:chExt cx="0" cy="0"/>
+        </a:xfrm>
+      </p:grpSpPr>
+      <p:sp>
+        <p:nvSpPr>
+          <p:cNvPr id="174" name="PlaceHolder 1"/>
+          <p:cNvSpPr>
+            <a:spLocks noGrp="1"/>
+          </p:cNvSpPr>
+          <p:nvPr>
+            <p:ph type="title"/>
+          </p:nvPr>
+        </p:nvSpPr>
+        <p:spPr>
+          <a:xfrm>
+            <a:off x="504000" y="226080"/>
+            <a:ext cx="9072000" cy="946440"/>
+          </a:xfrm>
+          <a:prstGeom prst="rect">
+            <a:avLst/>
+          </a:prstGeom>
+          <a:noFill/>
+          <a:ln w="0">
+            <a:noFill/>
+          </a:ln>
+        </p:spPr>
+        <p:txBody>
+          <a:bodyPr lIns="0" rIns="0" tIns="0" bIns="0" anchor="ctr">
+            <a:noAutofit/>
+          </a:bodyPr>
+          <a:p>
+            <a:pPr algn="ctr">
+              <a:buNone/>
+            </a:pPr>
+            <a:endParaRPr b="0" lang="en-US" sz="4400" spc="-1" strike="noStrike">
+              <a:latin typeface="Arial"/>
+            </a:endParaRPr>
+          </a:p>
+        </p:txBody>
+      </p:sp>
+      <p:sp>
+        <p:nvSpPr>
+          <p:cNvPr id="175" name="PlaceHolder 2"/>
+          <p:cNvSpPr>
+            <a:spLocks noGrp="1"/>
+          </p:cNvSpPr>
+          <p:nvPr>
+            <p:ph/>
+          </p:nvPr>
+        </p:nvSpPr>
+        <p:spPr>
+          <a:xfrm>
+            <a:off x="504000" y="1326600"/>
+            <a:ext cx="4426920" cy="1568520"/>
+          </a:xfrm>
+          <a:prstGeom prst="rect">
+            <a:avLst/>
+          </a:prstGeom>
+          <a:noFill/>
+          <a:ln w="0">
+            <a:noFill/>
+          </a:ln>
+        </p:spPr>
+        <p:txBody>
+          <a:bodyPr lIns="0" rIns="0" tIns="0" bIns="0" anchor="t">
+            <a:normAutofit/>
+          </a:bodyPr>
+          <a:p>
+            <a:endParaRPr b="0" lang="en-US" sz="3200" spc="-1" strike="noStrike">
+              <a:latin typeface="Arial"/>
+            </a:endParaRPr>
+          </a:p>
+        </p:txBody>
+      </p:sp>
+      <p:sp>
+        <p:nvSpPr>
+          <p:cNvPr id="176" name="PlaceHolder 3"/>
+          <p:cNvSpPr>
+            <a:spLocks noGrp="1"/>
+          </p:cNvSpPr>
+          <p:nvPr>
+            <p:ph/>
+          </p:nvPr>
+        </p:nvSpPr>
+        <p:spPr>
+          <a:xfrm>
+            <a:off x="5152680" y="1326600"/>
+            <a:ext cx="4426920" cy="3288600"/>
+          </a:xfrm>
+          <a:prstGeom prst="rect">
+            <a:avLst/>
+          </a:prstGeom>
+          <a:noFill/>
+          <a:ln w="0">
+            <a:noFill/>
+          </a:ln>
+        </p:spPr>
+        <p:txBody>
+          <a:bodyPr lIns="0" rIns="0" tIns="0" bIns="0" anchor="t">
+            <a:normAutofit/>
+          </a:bodyPr>
+          <a:p>
+            <a:endParaRPr b="0" lang="en-US" sz="3200" spc="-1" strike="noStrike">
+              <a:latin typeface="Arial"/>
+            </a:endParaRPr>
+          </a:p>
+        </p:txBody>
+      </p:sp>
+      <p:sp>
+        <p:nvSpPr>
+          <p:cNvPr id="177" name="PlaceHolder 4"/>
+          <p:cNvSpPr>
+            <a:spLocks noGrp="1"/>
+          </p:cNvSpPr>
+          <p:nvPr>
+            <p:ph/>
+          </p:nvPr>
+        </p:nvSpPr>
+        <p:spPr>
+          <a:xfrm>
+            <a:off x="504000" y="3044520"/>
+            <a:ext cx="4426920" cy="1568520"/>
+          </a:xfrm>
+          <a:prstGeom prst="rect">
+            <a:avLst/>
+          </a:prstGeom>
+          <a:noFill/>
+          <a:ln w="0">
+            <a:noFill/>
+          </a:ln>
+        </p:spPr>
+        <p:txBody>
+          <a:bodyPr lIns="0" rIns="0" tIns="0" bIns="0" anchor="t">
+            <a:normAutofit/>
+          </a:bodyPr>
+          <a:p>
+            <a:endParaRPr b="0" lang="en-US" sz="3200" spc="-1" strike="noStrike">
+              <a:latin typeface="Arial"/>
+            </a:endParaRPr>
+          </a:p>
+        </p:txBody>
+      </p:sp>
+    </p:spTree>
+  </p:cSld>
+</p:sldLayout>
+</file>
+
+<file path=ppt/slideLayouts/slideLayout56.xml><?xml version="1.0" encoding="utf-8"?>
+<p:sldLayout xmlns:a="http://schemas.openxmlformats.org/drawingml/2006/main" xmlns:p="http://schemas.openxmlformats.org/presentationml/2006/main" xmlns:r="http://schemas.openxmlformats.org/officeDocument/2006/relationships" xmlns:p14="http://schemas.microsoft.com/office/powerpoint/2010/main" xmlns:p15="http://schemas.microsoft.com/office/powerpoint/2012/main" xmlns:mc="http://schemas.openxmlformats.org/markup-compatibility/2006" type="objAndTwoObj" preserve="1">
+  <p:cSld name="Title Content and 2 Content">
+    <p:spTree>
+      <p:nvGrpSpPr>
+        <p:cNvPr id="1" name=""/>
+        <p:cNvGrpSpPr/>
+        <p:nvPr/>
+      </p:nvGrpSpPr>
+      <p:grpSpPr>
+        <a:xfrm>
+          <a:off x="0" y="0"/>
+          <a:ext cx="0" cy="0"/>
+          <a:chOff x="0" y="0"/>
+          <a:chExt cx="0" cy="0"/>
+        </a:xfrm>
+      </p:grpSpPr>
+      <p:sp>
+        <p:nvSpPr>
+          <p:cNvPr id="178" name="PlaceHolder 1"/>
+          <p:cNvSpPr>
+            <a:spLocks noGrp="1"/>
+          </p:cNvSpPr>
+          <p:nvPr>
+            <p:ph type="title"/>
+          </p:nvPr>
+        </p:nvSpPr>
+        <p:spPr>
+          <a:xfrm>
+            <a:off x="504000" y="226080"/>
+            <a:ext cx="9072000" cy="946440"/>
+          </a:xfrm>
+          <a:prstGeom prst="rect">
+            <a:avLst/>
+          </a:prstGeom>
+          <a:noFill/>
+          <a:ln w="0">
+            <a:noFill/>
+          </a:ln>
+        </p:spPr>
+        <p:txBody>
+          <a:bodyPr lIns="0" rIns="0" tIns="0" bIns="0" anchor="ctr">
+            <a:noAutofit/>
+          </a:bodyPr>
+          <a:p>
+            <a:pPr algn="ctr">
+              <a:buNone/>
+            </a:pPr>
+            <a:endParaRPr b="0" lang="en-US" sz="4400" spc="-1" strike="noStrike">
+              <a:latin typeface="Arial"/>
+            </a:endParaRPr>
+          </a:p>
+        </p:txBody>
+      </p:sp>
+      <p:sp>
+        <p:nvSpPr>
+          <p:cNvPr id="179" name="PlaceHolder 2"/>
+          <p:cNvSpPr>
+            <a:spLocks noGrp="1"/>
+          </p:cNvSpPr>
+          <p:nvPr>
+            <p:ph/>
+          </p:nvPr>
+        </p:nvSpPr>
+        <p:spPr>
+          <a:xfrm>
+            <a:off x="504000" y="1326600"/>
+            <a:ext cx="4426920" cy="3288600"/>
+          </a:xfrm>
+          <a:prstGeom prst="rect">
+            <a:avLst/>
+          </a:prstGeom>
+          <a:noFill/>
+          <a:ln w="0">
+            <a:noFill/>
+          </a:ln>
+        </p:spPr>
+        <p:txBody>
+          <a:bodyPr lIns="0" rIns="0" tIns="0" bIns="0" anchor="t">
+            <a:normAutofit/>
+          </a:bodyPr>
+          <a:p>
+            <a:endParaRPr b="0" lang="en-US" sz="3200" spc="-1" strike="noStrike">
+              <a:latin typeface="Arial"/>
+            </a:endParaRPr>
+          </a:p>
+        </p:txBody>
+      </p:sp>
+      <p:sp>
+        <p:nvSpPr>
+          <p:cNvPr id="180" name="PlaceHolder 3"/>
+          <p:cNvSpPr>
+            <a:spLocks noGrp="1"/>
+          </p:cNvSpPr>
+          <p:nvPr>
+            <p:ph/>
+          </p:nvPr>
+        </p:nvSpPr>
+        <p:spPr>
+          <a:xfrm>
+            <a:off x="5152680" y="1326600"/>
+            <a:ext cx="4426920" cy="1568520"/>
+          </a:xfrm>
+          <a:prstGeom prst="rect">
+            <a:avLst/>
+          </a:prstGeom>
+          <a:noFill/>
+          <a:ln w="0">
+            <a:noFill/>
+          </a:ln>
+        </p:spPr>
+        <p:txBody>
+          <a:bodyPr lIns="0" rIns="0" tIns="0" bIns="0" anchor="t">
+            <a:normAutofit/>
+          </a:bodyPr>
+          <a:p>
+            <a:endParaRPr b="0" lang="en-US" sz="3200" spc="-1" strike="noStrike">
+              <a:latin typeface="Arial"/>
+            </a:endParaRPr>
+          </a:p>
+        </p:txBody>
+      </p:sp>
+      <p:sp>
+        <p:nvSpPr>
+          <p:cNvPr id="181" name="PlaceHolder 4"/>
+          <p:cNvSpPr>
+            <a:spLocks noGrp="1"/>
+          </p:cNvSpPr>
+          <p:nvPr>
+            <p:ph/>
+          </p:nvPr>
+        </p:nvSpPr>
+        <p:spPr>
+          <a:xfrm>
+            <a:off x="5152680" y="3044520"/>
+            <a:ext cx="4426920" cy="1568520"/>
+          </a:xfrm>
+          <a:prstGeom prst="rect">
+            <a:avLst/>
+          </a:prstGeom>
+          <a:noFill/>
+          <a:ln w="0">
+            <a:noFill/>
+          </a:ln>
+        </p:spPr>
+        <p:txBody>
+          <a:bodyPr lIns="0" rIns="0" tIns="0" bIns="0" anchor="t">
+            <a:normAutofit/>
+          </a:bodyPr>
+          <a:p>
+            <a:endParaRPr b="0" lang="en-US" sz="3200" spc="-1" strike="noStrike">
+              <a:latin typeface="Arial"/>
+            </a:endParaRPr>
+          </a:p>
+        </p:txBody>
+      </p:sp>
+    </p:spTree>
+  </p:cSld>
+</p:sldLayout>
+</file>
+
+<file path=ppt/slideLayouts/slideLayout57.xml><?xml version="1.0" encoding="utf-8"?>
+<p:sldLayout xmlns:a="http://schemas.openxmlformats.org/drawingml/2006/main" xmlns:p="http://schemas.openxmlformats.org/presentationml/2006/main" xmlns:r="http://schemas.openxmlformats.org/officeDocument/2006/relationships" xmlns:p14="http://schemas.microsoft.com/office/powerpoint/2010/main" xmlns:p15="http://schemas.microsoft.com/office/powerpoint/2012/main" xmlns:mc="http://schemas.openxmlformats.org/markup-compatibility/2006" type="twoObjOverTx" preserve="1">
+  <p:cSld name="Title, 2 Content over Content">
+    <p:spTree>
+      <p:nvGrpSpPr>
+        <p:cNvPr id="1" name=""/>
+        <p:cNvGrpSpPr/>
+        <p:nvPr/>
+      </p:nvGrpSpPr>
+      <p:grpSpPr>
+        <a:xfrm>
+          <a:off x="0" y="0"/>
+          <a:ext cx="0" cy="0"/>
+          <a:chOff x="0" y="0"/>
+          <a:chExt cx="0" cy="0"/>
+        </a:xfrm>
+      </p:grpSpPr>
+      <p:sp>
+        <p:nvSpPr>
+          <p:cNvPr id="182" name="PlaceHolder 1"/>
+          <p:cNvSpPr>
+            <a:spLocks noGrp="1"/>
+          </p:cNvSpPr>
+          <p:nvPr>
+            <p:ph type="title"/>
+          </p:nvPr>
+        </p:nvSpPr>
+        <p:spPr>
+          <a:xfrm>
+            <a:off x="504000" y="226080"/>
+            <a:ext cx="9072000" cy="946440"/>
+          </a:xfrm>
+          <a:prstGeom prst="rect">
+            <a:avLst/>
+          </a:prstGeom>
+          <a:noFill/>
+          <a:ln w="0">
+            <a:noFill/>
+          </a:ln>
+        </p:spPr>
+        <p:txBody>
+          <a:bodyPr lIns="0" rIns="0" tIns="0" bIns="0" anchor="ctr">
+            <a:noAutofit/>
+          </a:bodyPr>
+          <a:p>
+            <a:pPr algn="ctr">
+              <a:buNone/>
+            </a:pPr>
+            <a:endParaRPr b="0" lang="en-US" sz="4400" spc="-1" strike="noStrike">
+              <a:latin typeface="Arial"/>
+            </a:endParaRPr>
+          </a:p>
+        </p:txBody>
+      </p:sp>
+      <p:sp>
+        <p:nvSpPr>
+          <p:cNvPr id="183" name="PlaceHolder 2"/>
+          <p:cNvSpPr>
+            <a:spLocks noGrp="1"/>
+          </p:cNvSpPr>
+          <p:nvPr>
+            <p:ph/>
+          </p:nvPr>
+        </p:nvSpPr>
+        <p:spPr>
+          <a:xfrm>
+            <a:off x="504000" y="1326600"/>
+            <a:ext cx="4426920" cy="1568520"/>
+          </a:xfrm>
+          <a:prstGeom prst="rect">
+            <a:avLst/>
+          </a:prstGeom>
+          <a:noFill/>
+          <a:ln w="0">
+            <a:noFill/>
+          </a:ln>
+        </p:spPr>
+        <p:txBody>
+          <a:bodyPr lIns="0" rIns="0" tIns="0" bIns="0" anchor="t">
+            <a:normAutofit/>
+          </a:bodyPr>
+          <a:p>
+            <a:endParaRPr b="0" lang="en-US" sz="3200" spc="-1" strike="noStrike">
+              <a:latin typeface="Arial"/>
+            </a:endParaRPr>
+          </a:p>
+        </p:txBody>
+      </p:sp>
+      <p:sp>
+        <p:nvSpPr>
+          <p:cNvPr id="184" name="PlaceHolder 3"/>
+          <p:cNvSpPr>
+            <a:spLocks noGrp="1"/>
+          </p:cNvSpPr>
+          <p:nvPr>
+            <p:ph/>
+          </p:nvPr>
+        </p:nvSpPr>
+        <p:spPr>
+          <a:xfrm>
+            <a:off x="5152680" y="1326600"/>
+            <a:ext cx="4426920" cy="1568520"/>
+          </a:xfrm>
+          <a:prstGeom prst="rect">
+            <a:avLst/>
+          </a:prstGeom>
+          <a:noFill/>
+          <a:ln w="0">
+            <a:noFill/>
+          </a:ln>
+        </p:spPr>
+        <p:txBody>
+          <a:bodyPr lIns="0" rIns="0" tIns="0" bIns="0" anchor="t">
+            <a:normAutofit/>
+          </a:bodyPr>
+          <a:p>
+            <a:endParaRPr b="0" lang="en-US" sz="3200" spc="-1" strike="noStrike">
+              <a:latin typeface="Arial"/>
+            </a:endParaRPr>
+          </a:p>
+        </p:txBody>
+      </p:sp>
+      <p:sp>
+        <p:nvSpPr>
+          <p:cNvPr id="185" name="PlaceHolder 4"/>
+          <p:cNvSpPr>
+            <a:spLocks noGrp="1"/>
+          </p:cNvSpPr>
+          <p:nvPr>
+            <p:ph/>
+          </p:nvPr>
+        </p:nvSpPr>
+        <p:spPr>
+          <a:xfrm>
+            <a:off x="504000" y="3044520"/>
+            <a:ext cx="9072000" cy="1568520"/>
+          </a:xfrm>
+          <a:prstGeom prst="rect">
+            <a:avLst/>
+          </a:prstGeom>
+          <a:noFill/>
+          <a:ln w="0">
+            <a:noFill/>
+          </a:ln>
+        </p:spPr>
+        <p:txBody>
+          <a:bodyPr lIns="0" rIns="0" tIns="0" bIns="0" anchor="t">
+            <a:normAutofit/>
+          </a:bodyPr>
+          <a:p>
+            <a:endParaRPr b="0" lang="en-US" sz="3200" spc="-1" strike="noStrike">
+              <a:latin typeface="Arial"/>
+            </a:endParaRPr>
+          </a:p>
+        </p:txBody>
+      </p:sp>
+    </p:spTree>
+  </p:cSld>
+</p:sldLayout>
+</file>
+
+<file path=ppt/slideLayouts/slideLayout58.xml><?xml version="1.0" encoding="utf-8"?>
+<p:sldLayout xmlns:a="http://schemas.openxmlformats.org/drawingml/2006/main" xmlns:p="http://schemas.openxmlformats.org/presentationml/2006/main" xmlns:r="http://schemas.openxmlformats.org/officeDocument/2006/relationships" xmlns:p14="http://schemas.microsoft.com/office/powerpoint/2010/main" xmlns:p15="http://schemas.microsoft.com/office/powerpoint/2012/main" xmlns:mc="http://schemas.openxmlformats.org/markup-compatibility/2006" type="objOverTx" preserve="1">
+  <p:cSld name="Title, Content over Content">
+    <p:spTree>
+      <p:nvGrpSpPr>
+        <p:cNvPr id="1" name=""/>
+        <p:cNvGrpSpPr/>
+        <p:nvPr/>
+      </p:nvGrpSpPr>
+      <p:grpSpPr>
+        <a:xfrm>
+          <a:off x="0" y="0"/>
+          <a:ext cx="0" cy="0"/>
+          <a:chOff x="0" y="0"/>
+          <a:chExt cx="0" cy="0"/>
+        </a:xfrm>
+      </p:grpSpPr>
+      <p:sp>
+        <p:nvSpPr>
+          <p:cNvPr id="186" name="PlaceHolder 1"/>
+          <p:cNvSpPr>
+            <a:spLocks noGrp="1"/>
+          </p:cNvSpPr>
+          <p:nvPr>
+            <p:ph type="title"/>
+          </p:nvPr>
+        </p:nvSpPr>
+        <p:spPr>
+          <a:xfrm>
+            <a:off x="504000" y="226080"/>
+            <a:ext cx="9072000" cy="946440"/>
+          </a:xfrm>
+          <a:prstGeom prst="rect">
+            <a:avLst/>
+          </a:prstGeom>
+          <a:noFill/>
+          <a:ln w="0">
+            <a:noFill/>
+          </a:ln>
+        </p:spPr>
+        <p:txBody>
+          <a:bodyPr lIns="0" rIns="0" tIns="0" bIns="0" anchor="ctr">
+            <a:noAutofit/>
+          </a:bodyPr>
+          <a:p>
+            <a:pPr algn="ctr">
+              <a:buNone/>
+            </a:pPr>
+            <a:endParaRPr b="0" lang="en-US" sz="4400" spc="-1" strike="noStrike">
+              <a:latin typeface="Arial"/>
+            </a:endParaRPr>
+          </a:p>
+        </p:txBody>
+      </p:sp>
+      <p:sp>
+        <p:nvSpPr>
+          <p:cNvPr id="187" name="PlaceHolder 2"/>
+          <p:cNvSpPr>
+            <a:spLocks noGrp="1"/>
+          </p:cNvSpPr>
+          <p:nvPr>
+            <p:ph/>
+          </p:nvPr>
+        </p:nvSpPr>
+        <p:spPr>
+          <a:xfrm>
+            <a:off x="504000" y="1326600"/>
+            <a:ext cx="9072000" cy="1568520"/>
+          </a:xfrm>
+          <a:prstGeom prst="rect">
+            <a:avLst/>
+          </a:prstGeom>
+          <a:noFill/>
+          <a:ln w="0">
+            <a:noFill/>
+          </a:ln>
+        </p:spPr>
+        <p:txBody>
+          <a:bodyPr lIns="0" rIns="0" tIns="0" bIns="0" anchor="t">
+            <a:normAutofit/>
+          </a:bodyPr>
+          <a:p>
+            <a:endParaRPr b="0" lang="en-US" sz="3200" spc="-1" strike="noStrike">
+              <a:latin typeface="Arial"/>
+            </a:endParaRPr>
+          </a:p>
+        </p:txBody>
+      </p:sp>
+      <p:sp>
+        <p:nvSpPr>
+          <p:cNvPr id="188" name="PlaceHolder 3"/>
+          <p:cNvSpPr>
+            <a:spLocks noGrp="1"/>
+          </p:cNvSpPr>
+          <p:nvPr>
+            <p:ph/>
+          </p:nvPr>
+        </p:nvSpPr>
+        <p:spPr>
+          <a:xfrm>
+            <a:off x="504000" y="3044520"/>
+            <a:ext cx="9072000" cy="1568520"/>
+          </a:xfrm>
+          <a:prstGeom prst="rect">
+            <a:avLst/>
+          </a:prstGeom>
+          <a:noFill/>
+          <a:ln w="0">
+            <a:noFill/>
+          </a:ln>
+        </p:spPr>
+        <p:txBody>
+          <a:bodyPr lIns="0" rIns="0" tIns="0" bIns="0" anchor="t">
+            <a:normAutofit/>
+          </a:bodyPr>
+          <a:p>
+            <a:endParaRPr b="0" lang="en-US" sz="3200" spc="-1" strike="noStrike">
+              <a:latin typeface="Arial"/>
+            </a:endParaRPr>
+          </a:p>
+        </p:txBody>
+      </p:sp>
+    </p:spTree>
+  </p:cSld>
+</p:sldLayout>
+</file>
+
+<file path=ppt/slideLayouts/slideLayout59.xml><?xml version="1.0" encoding="utf-8"?>
+<p:sldLayout xmlns:a="http://schemas.openxmlformats.org/drawingml/2006/main" xmlns:p="http://schemas.openxmlformats.org/presentationml/2006/main" xmlns:r="http://schemas.openxmlformats.org/officeDocument/2006/relationships" xmlns:p14="http://schemas.microsoft.com/office/powerpoint/2010/main" xmlns:p15="http://schemas.microsoft.com/office/powerpoint/2012/main" xmlns:mc="http://schemas.openxmlformats.org/markup-compatibility/2006" type="fourObj" preserve="1">
+  <p:cSld name="Title, 4 Content">
+    <p:spTree>
+      <p:nvGrpSpPr>
+        <p:cNvPr id="1" name=""/>
+        <p:cNvGrpSpPr/>
+        <p:nvPr/>
+      </p:nvGrpSpPr>
+      <p:grpSpPr>
+        <a:xfrm>
+          <a:off x="0" y="0"/>
+          <a:ext cx="0" cy="0"/>
+          <a:chOff x="0" y="0"/>
+          <a:chExt cx="0" cy="0"/>
+        </a:xfrm>
+      </p:grpSpPr>
+      <p:sp>
+        <p:nvSpPr>
+          <p:cNvPr id="189" name="PlaceHolder 1"/>
+          <p:cNvSpPr>
+            <a:spLocks noGrp="1"/>
+          </p:cNvSpPr>
+          <p:nvPr>
+            <p:ph type="title"/>
+          </p:nvPr>
+        </p:nvSpPr>
+        <p:spPr>
+          <a:xfrm>
+            <a:off x="504000" y="226080"/>
+            <a:ext cx="9072000" cy="946440"/>
+          </a:xfrm>
+          <a:prstGeom prst="rect">
+            <a:avLst/>
+          </a:prstGeom>
+          <a:noFill/>
+          <a:ln w="0">
+            <a:noFill/>
+          </a:ln>
+        </p:spPr>
+        <p:txBody>
+          <a:bodyPr lIns="0" rIns="0" tIns="0" bIns="0" anchor="ctr">
+            <a:noAutofit/>
+          </a:bodyPr>
+          <a:p>
+            <a:pPr algn="ctr">
+              <a:buNone/>
+            </a:pPr>
+            <a:endParaRPr b="0" lang="en-US" sz="4400" spc="-1" strike="noStrike">
+              <a:latin typeface="Arial"/>
+            </a:endParaRPr>
+          </a:p>
+        </p:txBody>
+      </p:sp>
+      <p:sp>
+        <p:nvSpPr>
+          <p:cNvPr id="190" name="PlaceHolder 2"/>
+          <p:cNvSpPr>
+            <a:spLocks noGrp="1"/>
+          </p:cNvSpPr>
+          <p:nvPr>
+            <p:ph/>
+          </p:nvPr>
+        </p:nvSpPr>
+        <p:spPr>
+          <a:xfrm>
+            <a:off x="504000" y="1326600"/>
+            <a:ext cx="4426920" cy="1568520"/>
+          </a:xfrm>
+          <a:prstGeom prst="rect">
+            <a:avLst/>
+          </a:prstGeom>
+          <a:noFill/>
+          <a:ln w="0">
+            <a:noFill/>
+          </a:ln>
+        </p:spPr>
+        <p:txBody>
+          <a:bodyPr lIns="0" rIns="0" tIns="0" bIns="0" anchor="t">
+            <a:normAutofit/>
+          </a:bodyPr>
+          <a:p>
+            <a:endParaRPr b="0" lang="en-US" sz="3200" spc="-1" strike="noStrike">
+              <a:latin typeface="Arial"/>
+            </a:endParaRPr>
+          </a:p>
+        </p:txBody>
+      </p:sp>
+      <p:sp>
+        <p:nvSpPr>
+          <p:cNvPr id="191" name="PlaceHolder 3"/>
+          <p:cNvSpPr>
+            <a:spLocks noGrp="1"/>
+          </p:cNvSpPr>
+          <p:nvPr>
+            <p:ph/>
+          </p:nvPr>
+        </p:nvSpPr>
+        <p:spPr>
+          <a:xfrm>
+            <a:off x="5152680" y="1326600"/>
+            <a:ext cx="4426920" cy="1568520"/>
+          </a:xfrm>
+          <a:prstGeom prst="rect">
+            <a:avLst/>
+          </a:prstGeom>
+          <a:noFill/>
+          <a:ln w="0">
+            <a:noFill/>
+          </a:ln>
+        </p:spPr>
+        <p:txBody>
+          <a:bodyPr lIns="0" rIns="0" tIns="0" bIns="0" anchor="t">
+            <a:normAutofit/>
+          </a:bodyPr>
+          <a:p>
+            <a:endParaRPr b="0" lang="en-US" sz="3200" spc="-1" strike="noStrike">
+              <a:latin typeface="Arial"/>
+            </a:endParaRPr>
+          </a:p>
+        </p:txBody>
+      </p:sp>
+      <p:sp>
+        <p:nvSpPr>
+          <p:cNvPr id="192" name="PlaceHolder 4"/>
+          <p:cNvSpPr>
+            <a:spLocks noGrp="1"/>
+          </p:cNvSpPr>
+          <p:nvPr>
+            <p:ph/>
+          </p:nvPr>
+        </p:nvSpPr>
+        <p:spPr>
+          <a:xfrm>
+            <a:off x="504000" y="3044520"/>
+            <a:ext cx="4426920" cy="1568520"/>
+          </a:xfrm>
+          <a:prstGeom prst="rect">
+            <a:avLst/>
+          </a:prstGeom>
+          <a:noFill/>
+          <a:ln w="0">
+            <a:noFill/>
+          </a:ln>
+        </p:spPr>
+        <p:txBody>
+          <a:bodyPr lIns="0" rIns="0" tIns="0" bIns="0" anchor="t">
+            <a:normAutofit/>
+          </a:bodyPr>
+          <a:p>
+            <a:endParaRPr b="0" lang="en-US" sz="3200" spc="-1" strike="noStrike">
+              <a:latin typeface="Arial"/>
+            </a:endParaRPr>
+          </a:p>
+        </p:txBody>
+      </p:sp>
+      <p:sp>
+        <p:nvSpPr>
+          <p:cNvPr id="193" name="PlaceHolder 5"/>
+          <p:cNvSpPr>
+            <a:spLocks noGrp="1"/>
+          </p:cNvSpPr>
+          <p:nvPr>
+            <p:ph/>
+          </p:nvPr>
+        </p:nvSpPr>
+        <p:spPr>
+          <a:xfrm>
+            <a:off x="5152680" y="3044520"/>
+            <a:ext cx="4426920" cy="1568520"/>
+          </a:xfrm>
+          <a:prstGeom prst="rect">
+            <a:avLst/>
+          </a:prstGeom>
+          <a:noFill/>
+          <a:ln w="0">
+            <a:noFill/>
+          </a:ln>
+        </p:spPr>
+        <p:txBody>
+          <a:bodyPr lIns="0" rIns="0" tIns="0" bIns="0" anchor="t">
+            <a:normAutofit/>
+          </a:bodyPr>
+          <a:p>
+            <a:endParaRPr b="0" lang="en-US" sz="3200" spc="-1" strike="noStrike">
               <a:latin typeface="Arial"/>
             </a:endParaRPr>
           </a:p>
@@ -4109,6 +6897,269 @@
 </p:sldLayout>
 </file>
 
+<file path=ppt/slideLayouts/slideLayout60.xml><?xml version="1.0" encoding="utf-8"?>
+<p:sldLayout xmlns:a="http://schemas.openxmlformats.org/drawingml/2006/main" xmlns:p="http://schemas.openxmlformats.org/presentationml/2006/main" xmlns:r="http://schemas.openxmlformats.org/officeDocument/2006/relationships" xmlns:p14="http://schemas.microsoft.com/office/powerpoint/2010/main" xmlns:p15="http://schemas.microsoft.com/office/powerpoint/2012/main" xmlns:mc="http://schemas.openxmlformats.org/markup-compatibility/2006" type="blank" preserve="1">
+  <p:cSld name="Title, 6 Content">
+    <p:spTree>
+      <p:nvGrpSpPr>
+        <p:cNvPr id="1" name=""/>
+        <p:cNvGrpSpPr/>
+        <p:nvPr/>
+      </p:nvGrpSpPr>
+      <p:grpSpPr>
+        <a:xfrm>
+          <a:off x="0" y="0"/>
+          <a:ext cx="0" cy="0"/>
+          <a:chOff x="0" y="0"/>
+          <a:chExt cx="0" cy="0"/>
+        </a:xfrm>
+      </p:grpSpPr>
+      <p:sp>
+        <p:nvSpPr>
+          <p:cNvPr id="194" name="PlaceHolder 1"/>
+          <p:cNvSpPr>
+            <a:spLocks noGrp="1"/>
+          </p:cNvSpPr>
+          <p:nvPr>
+            <p:ph type="title"/>
+          </p:nvPr>
+        </p:nvSpPr>
+        <p:spPr>
+          <a:xfrm>
+            <a:off x="504000" y="226080"/>
+            <a:ext cx="9072000" cy="946440"/>
+          </a:xfrm>
+          <a:prstGeom prst="rect">
+            <a:avLst/>
+          </a:prstGeom>
+          <a:noFill/>
+          <a:ln w="0">
+            <a:noFill/>
+          </a:ln>
+        </p:spPr>
+        <p:txBody>
+          <a:bodyPr lIns="0" rIns="0" tIns="0" bIns="0" anchor="ctr">
+            <a:noAutofit/>
+          </a:bodyPr>
+          <a:p>
+            <a:pPr algn="ctr">
+              <a:buNone/>
+            </a:pPr>
+            <a:endParaRPr b="0" lang="en-US" sz="4400" spc="-1" strike="noStrike">
+              <a:latin typeface="Arial"/>
+            </a:endParaRPr>
+          </a:p>
+        </p:txBody>
+      </p:sp>
+      <p:sp>
+        <p:nvSpPr>
+          <p:cNvPr id="195" name="PlaceHolder 2"/>
+          <p:cNvSpPr>
+            <a:spLocks noGrp="1"/>
+          </p:cNvSpPr>
+          <p:nvPr>
+            <p:ph/>
+          </p:nvPr>
+        </p:nvSpPr>
+        <p:spPr>
+          <a:xfrm>
+            <a:off x="504000" y="1326600"/>
+            <a:ext cx="2921040" cy="1568520"/>
+          </a:xfrm>
+          <a:prstGeom prst="rect">
+            <a:avLst/>
+          </a:prstGeom>
+          <a:noFill/>
+          <a:ln w="0">
+            <a:noFill/>
+          </a:ln>
+        </p:spPr>
+        <p:txBody>
+          <a:bodyPr lIns="0" rIns="0" tIns="0" bIns="0" anchor="t">
+            <a:normAutofit/>
+          </a:bodyPr>
+          <a:p>
+            <a:endParaRPr b="0" lang="en-US" sz="3200" spc="-1" strike="noStrike">
+              <a:latin typeface="Arial"/>
+            </a:endParaRPr>
+          </a:p>
+        </p:txBody>
+      </p:sp>
+      <p:sp>
+        <p:nvSpPr>
+          <p:cNvPr id="196" name="PlaceHolder 3"/>
+          <p:cNvSpPr>
+            <a:spLocks noGrp="1"/>
+          </p:cNvSpPr>
+          <p:nvPr>
+            <p:ph/>
+          </p:nvPr>
+        </p:nvSpPr>
+        <p:spPr>
+          <a:xfrm>
+            <a:off x="3571560" y="1326600"/>
+            <a:ext cx="2921040" cy="1568520"/>
+          </a:xfrm>
+          <a:prstGeom prst="rect">
+            <a:avLst/>
+          </a:prstGeom>
+          <a:noFill/>
+          <a:ln w="0">
+            <a:noFill/>
+          </a:ln>
+        </p:spPr>
+        <p:txBody>
+          <a:bodyPr lIns="0" rIns="0" tIns="0" bIns="0" anchor="t">
+            <a:normAutofit/>
+          </a:bodyPr>
+          <a:p>
+            <a:endParaRPr b="0" lang="en-US" sz="3200" spc="-1" strike="noStrike">
+              <a:latin typeface="Arial"/>
+            </a:endParaRPr>
+          </a:p>
+        </p:txBody>
+      </p:sp>
+      <p:sp>
+        <p:nvSpPr>
+          <p:cNvPr id="197" name="PlaceHolder 4"/>
+          <p:cNvSpPr>
+            <a:spLocks noGrp="1"/>
+          </p:cNvSpPr>
+          <p:nvPr>
+            <p:ph/>
+          </p:nvPr>
+        </p:nvSpPr>
+        <p:spPr>
+          <a:xfrm>
+            <a:off x="6639120" y="1326600"/>
+            <a:ext cx="2921040" cy="1568520"/>
+          </a:xfrm>
+          <a:prstGeom prst="rect">
+            <a:avLst/>
+          </a:prstGeom>
+          <a:noFill/>
+          <a:ln w="0">
+            <a:noFill/>
+          </a:ln>
+        </p:spPr>
+        <p:txBody>
+          <a:bodyPr lIns="0" rIns="0" tIns="0" bIns="0" anchor="t">
+            <a:normAutofit/>
+          </a:bodyPr>
+          <a:p>
+            <a:endParaRPr b="0" lang="en-US" sz="3200" spc="-1" strike="noStrike">
+              <a:latin typeface="Arial"/>
+            </a:endParaRPr>
+          </a:p>
+        </p:txBody>
+      </p:sp>
+      <p:sp>
+        <p:nvSpPr>
+          <p:cNvPr id="198" name="PlaceHolder 5"/>
+          <p:cNvSpPr>
+            <a:spLocks noGrp="1"/>
+          </p:cNvSpPr>
+          <p:nvPr>
+            <p:ph/>
+          </p:nvPr>
+        </p:nvSpPr>
+        <p:spPr>
+          <a:xfrm>
+            <a:off x="504000" y="3044520"/>
+            <a:ext cx="2921040" cy="1568520"/>
+          </a:xfrm>
+          <a:prstGeom prst="rect">
+            <a:avLst/>
+          </a:prstGeom>
+          <a:noFill/>
+          <a:ln w="0">
+            <a:noFill/>
+          </a:ln>
+        </p:spPr>
+        <p:txBody>
+          <a:bodyPr lIns="0" rIns="0" tIns="0" bIns="0" anchor="t">
+            <a:normAutofit/>
+          </a:bodyPr>
+          <a:p>
+            <a:endParaRPr b="0" lang="en-US" sz="3200" spc="-1" strike="noStrike">
+              <a:latin typeface="Arial"/>
+            </a:endParaRPr>
+          </a:p>
+        </p:txBody>
+      </p:sp>
+      <p:sp>
+        <p:nvSpPr>
+          <p:cNvPr id="199" name="PlaceHolder 6"/>
+          <p:cNvSpPr>
+            <a:spLocks noGrp="1"/>
+          </p:cNvSpPr>
+          <p:nvPr>
+            <p:ph/>
+          </p:nvPr>
+        </p:nvSpPr>
+        <p:spPr>
+          <a:xfrm>
+            <a:off x="3571560" y="3044520"/>
+            <a:ext cx="2921040" cy="1568520"/>
+          </a:xfrm>
+          <a:prstGeom prst="rect">
+            <a:avLst/>
+          </a:prstGeom>
+          <a:noFill/>
+          <a:ln w="0">
+            <a:noFill/>
+          </a:ln>
+        </p:spPr>
+        <p:txBody>
+          <a:bodyPr lIns="0" rIns="0" tIns="0" bIns="0" anchor="t">
+            <a:normAutofit/>
+          </a:bodyPr>
+          <a:p>
+            <a:endParaRPr b="0" lang="en-US" sz="3200" spc="-1" strike="noStrike">
+              <a:latin typeface="Arial"/>
+            </a:endParaRPr>
+          </a:p>
+        </p:txBody>
+      </p:sp>
+      <p:sp>
+        <p:nvSpPr>
+          <p:cNvPr id="200" name="PlaceHolder 7"/>
+          <p:cNvSpPr>
+            <a:spLocks noGrp="1"/>
+          </p:cNvSpPr>
+          <p:nvPr>
+            <p:ph/>
+          </p:nvPr>
+        </p:nvSpPr>
+        <p:spPr>
+          <a:xfrm>
+            <a:off x="6639120" y="3044520"/>
+            <a:ext cx="2921040" cy="1568520"/>
+          </a:xfrm>
+          <a:prstGeom prst="rect">
+            <a:avLst/>
+          </a:prstGeom>
+          <a:noFill/>
+          <a:ln w="0">
+            <a:noFill/>
+          </a:ln>
+        </p:spPr>
+        <p:txBody>
+          <a:bodyPr lIns="0" rIns="0" tIns="0" bIns="0" anchor="t">
+            <a:normAutofit/>
+          </a:bodyPr>
+          <a:p>
+            <a:endParaRPr b="0" lang="en-US" sz="3200" spc="-1" strike="noStrike">
+              <a:latin typeface="Arial"/>
+            </a:endParaRPr>
+          </a:p>
+        </p:txBody>
+      </p:sp>
+    </p:spTree>
+  </p:cSld>
+</p:sldLayout>
+</file>
+
 <file path=ppt/slideLayouts/slideLayout7.xml><?xml version="1.0" encoding="utf-8"?>
 <p:sldLayout xmlns:a="http://schemas.openxmlformats.org/drawingml/2006/main" xmlns:p="http://schemas.openxmlformats.org/presentationml/2006/main" xmlns:r="http://schemas.openxmlformats.org/officeDocument/2006/relationships" xmlns:p14="http://schemas.microsoft.com/office/powerpoint/2010/main" xmlns:p15="http://schemas.microsoft.com/office/powerpoint/2012/main" xmlns:mc="http://schemas.openxmlformats.org/markup-compatibility/2006" type="twoObjAndObj" preserve="1">
   <p:cSld name="Title, 2 Content and Content">
@@ -4618,7 +7669,7 @@
         <p:spPr>
           <a:xfrm flipH="1" flipV="1">
             <a:off x="-720" y="4499280"/>
-            <a:ext cx="10079640" cy="1169640"/>
+            <a:ext cx="10079280" cy="1169280"/>
           </a:xfrm>
           <a:prstGeom prst="flowChartDocument">
             <a:avLst/>
@@ -4632,7 +7683,7 @@
                 <a:srgbClr val="009bdd"/>
               </a:gs>
             </a:gsLst>
-            <a:lin ang="0"/>
+            <a:lin ang="10800000"/>
           </a:gradFill>
           <a:ln w="18000">
             <a:noFill/>
@@ -4662,8 +7713,8 @@
         </p:nvSpPr>
         <p:spPr>
           <a:xfrm>
-            <a:off x="360000" y="180000"/>
-            <a:ext cx="9359640" cy="477720"/>
+            <a:off x="504000" y="226080"/>
+            <a:ext cx="9071640" cy="946080"/>
           </a:xfrm>
           <a:prstGeom prst="rect">
             <a:avLst/>
@@ -4733,7 +7784,13 @@
               <a:rPr b="0" lang="en-US" sz="3200" spc="-1" strike="noStrike">
                 <a:latin typeface="Arial"/>
               </a:rPr>
-              <a:t>Click to edit the outline text format</a:t>
+              <a:t>Click to edit the outline </a:t>
+            </a:r>
+            <a:r>
+              <a:rPr b="0" lang="en-US" sz="3200" spc="-1" strike="noStrike">
+                <a:latin typeface="Arial"/>
+              </a:rPr>
+              <a:t>text format</a:t>
             </a:r>
             <a:endParaRPr b="0" lang="en-US" sz="3200" spc="-1" strike="noStrike">
               <a:latin typeface="Arial"/>
@@ -4865,7 +7922,13 @@
               <a:rPr b="0" lang="en-US" sz="2000" spc="-1" strike="noStrike">
                 <a:latin typeface="Arial"/>
               </a:rPr>
-              <a:t>Seventh Outline Level</a:t>
+              <a:t>Seventh </a:t>
+            </a:r>
+            <a:r>
+              <a:rPr b="0" lang="en-US" sz="2000" spc="-1" strike="noStrike">
+                <a:latin typeface="Arial"/>
+              </a:rPr>
+              <a:t>Outline Level</a:t>
             </a:r>
             <a:endParaRPr b="0" lang="en-US" sz="2000" spc="-1" strike="noStrike">
               <a:latin typeface="Arial"/>
@@ -4919,7 +7982,7 @@
         <p:spPr>
           <a:xfrm>
             <a:off x="0" y="0"/>
-            <a:ext cx="10076400" cy="719640"/>
+            <a:ext cx="10076040" cy="719280"/>
           </a:xfrm>
           <a:prstGeom prst="rect">
             <a:avLst/>
@@ -4960,7 +8023,7 @@
         <p:spPr>
           <a:xfrm>
             <a:off x="3240" y="5040000"/>
-            <a:ext cx="10076400" cy="631080"/>
+            <a:ext cx="10076040" cy="630720"/>
           </a:xfrm>
           <a:prstGeom prst="rect">
             <a:avLst/>
@@ -5004,8 +8067,8 @@
         </p:nvSpPr>
         <p:spPr>
           <a:xfrm>
-            <a:off x="360000" y="180000"/>
-            <a:ext cx="9359640" cy="477720"/>
+            <a:off x="504000" y="226080"/>
+            <a:ext cx="9072000" cy="946440"/>
           </a:xfrm>
           <a:prstGeom prst="rect">
             <a:avLst/>
@@ -5020,13 +8083,16 @@
             <a:noAutofit/>
           </a:bodyPr>
           <a:p>
+            <a:pPr algn="ctr">
+              <a:buNone/>
+            </a:pPr>
             <a:r>
-              <a:rPr b="0" lang="en-US" sz="1800" spc="-1" strike="noStrike">
+              <a:rPr b="0" lang="en-US" sz="4400" spc="-1" strike="noStrike">
                 <a:latin typeface="Arial"/>
               </a:rPr>
               <a:t>Click to edit the title text format</a:t>
             </a:r>
-            <a:endParaRPr b="0" lang="en-US" sz="1800" spc="-1" strike="noStrike">
+            <a:endParaRPr b="0" lang="en-US" sz="4400" spc="-1" strike="noStrike">
               <a:latin typeface="Arial"/>
             </a:endParaRPr>
           </a:p>
@@ -5044,20 +8110,20 @@
         </p:nvSpPr>
         <p:spPr>
           <a:xfrm>
-            <a:off x="360000" y="1080000"/>
-            <a:ext cx="4566960" cy="1716480"/>
-          </a:xfrm>
-          <a:prstGeom prst="rect">
-            <a:avLst/>
-          </a:prstGeom>
-          <a:noFill/>
-          <a:ln w="0">
-            <a:noFill/>
-          </a:ln>
-        </p:spPr>
-        <p:txBody>
-          <a:bodyPr lIns="0" rIns="0" tIns="0" bIns="0" anchor="t">
-            <a:noAutofit/>
+            <a:off x="504000" y="1326600"/>
+            <a:ext cx="9072000" cy="3288600"/>
+          </a:xfrm>
+          <a:prstGeom prst="rect">
+            <a:avLst/>
+          </a:prstGeom>
+          <a:noFill/>
+          <a:ln w="0">
+            <a:noFill/>
+          </a:ln>
+        </p:spPr>
+        <p:txBody>
+          <a:bodyPr lIns="0" rIns="0" tIns="0" bIns="0" anchor="t">
+            <a:normAutofit/>
           </a:bodyPr>
           <a:p>
             <a:pPr marL="432000" indent="-324000">
@@ -5072,12 +8138,18 @@
               <a:buChar char=""/>
             </a:pPr>
             <a:r>
-              <a:rPr b="0" lang="en-US" sz="1800" spc="-1" strike="noStrike">
+              <a:rPr b="0" lang="en-US" sz="3200" spc="-1" strike="noStrike">
                 <a:latin typeface="Arial"/>
               </a:rPr>
-              <a:t>Click to edit the outline text format</a:t>
+              <a:t>Click to edit the </a:t>
             </a:r>
-            <a:endParaRPr b="0" lang="en-US" sz="1800" spc="-1" strike="noStrike">
+            <a:r>
+              <a:rPr b="0" lang="en-US" sz="3200" spc="-1" strike="noStrike">
+                <a:latin typeface="Arial"/>
+              </a:rPr>
+              <a:t>outline text format</a:t>
+            </a:r>
+            <a:endParaRPr b="0" lang="en-US" sz="3200" spc="-1" strike="noStrike">
               <a:latin typeface="Arial"/>
             </a:endParaRPr>
           </a:p>
@@ -5094,12 +8166,12 @@
               <a:buChar char=""/>
             </a:pPr>
             <a:r>
-              <a:rPr b="0" lang="en-US" sz="1800" spc="-1" strike="noStrike">
+              <a:rPr b="0" lang="en-US" sz="2800" spc="-1" strike="noStrike">
                 <a:latin typeface="Arial"/>
               </a:rPr>
               <a:t>Second Outline Level</a:t>
             </a:r>
-            <a:endParaRPr b="0" lang="en-US" sz="1800" spc="-1" strike="noStrike">
+            <a:endParaRPr b="0" lang="en-US" sz="2800" spc="-1" strike="noStrike">
               <a:latin typeface="Arial"/>
             </a:endParaRPr>
           </a:p>
@@ -5116,12 +8188,12 @@
               <a:buChar char=""/>
             </a:pPr>
             <a:r>
-              <a:rPr b="0" lang="en-US" sz="1800" spc="-1" strike="noStrike">
+              <a:rPr b="0" lang="en-US" sz="2400" spc="-1" strike="noStrike">
                 <a:latin typeface="Arial"/>
               </a:rPr>
               <a:t>Third Outline Level</a:t>
             </a:r>
-            <a:endParaRPr b="0" lang="en-US" sz="1800" spc="-1" strike="noStrike">
+            <a:endParaRPr b="0" lang="en-US" sz="2400" spc="-1" strike="noStrike">
               <a:latin typeface="Arial"/>
             </a:endParaRPr>
           </a:p>
@@ -5138,12 +8210,12 @@
               <a:buChar char=""/>
             </a:pPr>
             <a:r>
-              <a:rPr b="0" lang="en-US" sz="1800" spc="-1" strike="noStrike">
+              <a:rPr b="0" lang="en-US" sz="2000" spc="-1" strike="noStrike">
                 <a:latin typeface="Arial"/>
               </a:rPr>
               <a:t>Fourth Outline Level</a:t>
             </a:r>
-            <a:endParaRPr b="0" lang="en-US" sz="1800" spc="-1" strike="noStrike">
+            <a:endParaRPr b="0" lang="en-US" sz="2000" spc="-1" strike="noStrike">
               <a:latin typeface="Arial"/>
             </a:endParaRPr>
           </a:p>
@@ -5160,12 +8232,12 @@
               <a:buChar char=""/>
             </a:pPr>
             <a:r>
-              <a:rPr b="0" lang="en-US" sz="1800" spc="-1" strike="noStrike">
+              <a:rPr b="0" lang="en-US" sz="2000" spc="-1" strike="noStrike">
                 <a:latin typeface="Arial"/>
               </a:rPr>
               <a:t>Fifth Outline Level</a:t>
             </a:r>
-            <a:endParaRPr b="0" lang="en-US" sz="1800" spc="-1" strike="noStrike">
+            <a:endParaRPr b="0" lang="en-US" sz="2000" spc="-1" strike="noStrike">
               <a:latin typeface="Arial"/>
             </a:endParaRPr>
           </a:p>
@@ -5182,12 +8254,18 @@
               <a:buChar char=""/>
             </a:pPr>
             <a:r>
-              <a:rPr b="0" lang="en-US" sz="1800" spc="-1" strike="noStrike">
+              <a:rPr b="0" lang="en-US" sz="2000" spc="-1" strike="noStrike">
                 <a:latin typeface="Arial"/>
               </a:rPr>
-              <a:t>Sixth Outline Level</a:t>
+              <a:t>Sixth Outline </a:t>
             </a:r>
-            <a:endParaRPr b="0" lang="en-US" sz="1800" spc="-1" strike="noStrike">
+            <a:r>
+              <a:rPr b="0" lang="en-US" sz="2000" spc="-1" strike="noStrike">
+                <a:latin typeface="Arial"/>
+              </a:rPr>
+              <a:t>Level</a:t>
+            </a:r>
+            <a:endParaRPr b="0" lang="en-US" sz="2000" spc="-1" strike="noStrike">
               <a:latin typeface="Arial"/>
             </a:endParaRPr>
           </a:p>
@@ -5204,384 +8282,24 @@
               <a:buChar char=""/>
             </a:pPr>
             <a:r>
-              <a:rPr b="0" lang="en-US" sz="1800" spc="-1" strike="noStrike">
+              <a:rPr b="0" lang="en-US" sz="2000" spc="-1" strike="noStrike">
                 <a:latin typeface="Arial"/>
               </a:rPr>
-              <a:t>Seventh Outline </a:t>
+              <a:t>Seventh </a:t>
             </a:r>
             <a:r>
-              <a:rPr b="0" lang="en-US" sz="1800" spc="-1" strike="noStrike">
+              <a:rPr b="0" lang="en-US" sz="2000" spc="-1" strike="noStrike">
+                <a:latin typeface="Arial"/>
+              </a:rPr>
+              <a:t>Outline </a:t>
+            </a:r>
+            <a:r>
+              <a:rPr b="0" lang="en-US" sz="2000" spc="-1" strike="noStrike">
                 <a:latin typeface="Arial"/>
               </a:rPr>
               <a:t>Level</a:t>
             </a:r>
-            <a:endParaRPr b="0" lang="en-US" sz="1800" spc="-1" strike="noStrike">
-              <a:latin typeface="Arial"/>
-            </a:endParaRPr>
-          </a:p>
-        </p:txBody>
-      </p:sp>
-      <p:sp>
-        <p:nvSpPr>
-          <p:cNvPr id="43" name="PlaceHolder 3"/>
-          <p:cNvSpPr>
-            <a:spLocks noGrp="1"/>
-          </p:cNvSpPr>
-          <p:nvPr>
-            <p:ph type="body"/>
-          </p:nvPr>
-        </p:nvSpPr>
-        <p:spPr>
-          <a:xfrm>
-            <a:off x="5155920" y="1080000"/>
-            <a:ext cx="4566960" cy="3599640"/>
-          </a:xfrm>
-          <a:prstGeom prst="rect">
-            <a:avLst/>
-          </a:prstGeom>
-          <a:noFill/>
-          <a:ln w="0">
-            <a:noFill/>
-          </a:ln>
-        </p:spPr>
-        <p:txBody>
-          <a:bodyPr lIns="0" rIns="0" tIns="0" bIns="0" anchor="t">
-            <a:noAutofit/>
-          </a:bodyPr>
-          <a:p>
-            <a:pPr marL="432000" indent="-324000">
-              <a:spcBef>
-                <a:spcPts val="1417"/>
-              </a:spcBef>
-              <a:buClr>
-                <a:srgbClr val="000000"/>
-              </a:buClr>
-              <a:buSzPct val="45000"/>
-              <a:buFont typeface="Wingdings" charset="2"/>
-              <a:buChar char=""/>
-            </a:pPr>
-            <a:r>
-              <a:rPr b="0" lang="en-US" sz="1800" spc="-1" strike="noStrike">
-                <a:latin typeface="Arial"/>
-              </a:rPr>
-              <a:t>Click to edit the outline text format</a:t>
-            </a:r>
-            <a:endParaRPr b="0" lang="en-US" sz="1800" spc="-1" strike="noStrike">
-              <a:latin typeface="Arial"/>
-            </a:endParaRPr>
-          </a:p>
-          <a:p>
-            <a:pPr lvl="1" marL="864000" indent="-324000">
-              <a:spcBef>
-                <a:spcPts val="1134"/>
-              </a:spcBef>
-              <a:buClr>
-                <a:srgbClr val="000000"/>
-              </a:buClr>
-              <a:buSzPct val="75000"/>
-              <a:buFont typeface="Symbol" charset="2"/>
-              <a:buChar char=""/>
-            </a:pPr>
-            <a:r>
-              <a:rPr b="0" lang="en-US" sz="1800" spc="-1" strike="noStrike">
-                <a:latin typeface="Arial"/>
-              </a:rPr>
-              <a:t>Second Outline Level</a:t>
-            </a:r>
-            <a:endParaRPr b="0" lang="en-US" sz="1800" spc="-1" strike="noStrike">
-              <a:latin typeface="Arial"/>
-            </a:endParaRPr>
-          </a:p>
-          <a:p>
-            <a:pPr lvl="2" marL="1296000" indent="-288000">
-              <a:spcBef>
-                <a:spcPts val="850"/>
-              </a:spcBef>
-              <a:buClr>
-                <a:srgbClr val="000000"/>
-              </a:buClr>
-              <a:buSzPct val="45000"/>
-              <a:buFont typeface="Wingdings" charset="2"/>
-              <a:buChar char=""/>
-            </a:pPr>
-            <a:r>
-              <a:rPr b="0" lang="en-US" sz="1800" spc="-1" strike="noStrike">
-                <a:latin typeface="Arial"/>
-              </a:rPr>
-              <a:t>Third Outline Level</a:t>
-            </a:r>
-            <a:endParaRPr b="0" lang="en-US" sz="1800" spc="-1" strike="noStrike">
-              <a:latin typeface="Arial"/>
-            </a:endParaRPr>
-          </a:p>
-          <a:p>
-            <a:pPr lvl="3" marL="1728000" indent="-216000">
-              <a:spcBef>
-                <a:spcPts val="567"/>
-              </a:spcBef>
-              <a:buClr>
-                <a:srgbClr val="000000"/>
-              </a:buClr>
-              <a:buSzPct val="75000"/>
-              <a:buFont typeface="Symbol" charset="2"/>
-              <a:buChar char=""/>
-            </a:pPr>
-            <a:r>
-              <a:rPr b="0" lang="en-US" sz="1800" spc="-1" strike="noStrike">
-                <a:latin typeface="Arial"/>
-              </a:rPr>
-              <a:t>Fourth Outline Level</a:t>
-            </a:r>
-            <a:endParaRPr b="0" lang="en-US" sz="1800" spc="-1" strike="noStrike">
-              <a:latin typeface="Arial"/>
-            </a:endParaRPr>
-          </a:p>
-          <a:p>
-            <a:pPr lvl="4" marL="2160000" indent="-216000">
-              <a:spcBef>
-                <a:spcPts val="283"/>
-              </a:spcBef>
-              <a:buClr>
-                <a:srgbClr val="000000"/>
-              </a:buClr>
-              <a:buSzPct val="45000"/>
-              <a:buFont typeface="Wingdings" charset="2"/>
-              <a:buChar char=""/>
-            </a:pPr>
-            <a:r>
-              <a:rPr b="0" lang="en-US" sz="1800" spc="-1" strike="noStrike">
-                <a:latin typeface="Arial"/>
-              </a:rPr>
-              <a:t>Fifth Outline Level</a:t>
-            </a:r>
-            <a:endParaRPr b="0" lang="en-US" sz="1800" spc="-1" strike="noStrike">
-              <a:latin typeface="Arial"/>
-            </a:endParaRPr>
-          </a:p>
-          <a:p>
-            <a:pPr lvl="5" marL="2592000" indent="-216000">
-              <a:spcBef>
-                <a:spcPts val="283"/>
-              </a:spcBef>
-              <a:buClr>
-                <a:srgbClr val="000000"/>
-              </a:buClr>
-              <a:buSzPct val="45000"/>
-              <a:buFont typeface="Wingdings" charset="2"/>
-              <a:buChar char=""/>
-            </a:pPr>
-            <a:r>
-              <a:rPr b="0" lang="en-US" sz="1800" spc="-1" strike="noStrike">
-                <a:latin typeface="Arial"/>
-              </a:rPr>
-              <a:t>Sixth Outline Level</a:t>
-            </a:r>
-            <a:endParaRPr b="0" lang="en-US" sz="1800" spc="-1" strike="noStrike">
-              <a:latin typeface="Arial"/>
-            </a:endParaRPr>
-          </a:p>
-          <a:p>
-            <a:pPr lvl="6" marL="3024000" indent="-216000">
-              <a:spcBef>
-                <a:spcPts val="283"/>
-              </a:spcBef>
-              <a:buClr>
-                <a:srgbClr val="000000"/>
-              </a:buClr>
-              <a:buSzPct val="45000"/>
-              <a:buFont typeface="Wingdings" charset="2"/>
-              <a:buChar char=""/>
-            </a:pPr>
-            <a:r>
-              <a:rPr b="0" lang="en-US" sz="1800" spc="-1" strike="noStrike">
-                <a:latin typeface="Arial"/>
-              </a:rPr>
-              <a:t>Seventh Outline Level</a:t>
-            </a:r>
-            <a:endParaRPr b="0" lang="en-US" sz="1800" spc="-1" strike="noStrike">
-              <a:latin typeface="Arial"/>
-            </a:endParaRPr>
-          </a:p>
-        </p:txBody>
-      </p:sp>
-      <p:sp>
-        <p:nvSpPr>
-          <p:cNvPr id="44" name="PlaceHolder 4"/>
-          <p:cNvSpPr>
-            <a:spLocks noGrp="1"/>
-          </p:cNvSpPr>
-          <p:nvPr>
-            <p:ph type="body"/>
-          </p:nvPr>
-        </p:nvSpPr>
-        <p:spPr>
-          <a:xfrm>
-            <a:off x="360000" y="2960280"/>
-            <a:ext cx="4566960" cy="1716480"/>
-          </a:xfrm>
-          <a:prstGeom prst="rect">
-            <a:avLst/>
-          </a:prstGeom>
-          <a:noFill/>
-          <a:ln w="0">
-            <a:noFill/>
-          </a:ln>
-        </p:spPr>
-        <p:txBody>
-          <a:bodyPr lIns="0" rIns="0" tIns="0" bIns="0" anchor="t">
-            <a:noAutofit/>
-          </a:bodyPr>
-          <a:p>
-            <a:pPr marL="432000" indent="-324000">
-              <a:spcBef>
-                <a:spcPts val="1417"/>
-              </a:spcBef>
-              <a:buClr>
-                <a:srgbClr val="000000"/>
-              </a:buClr>
-              <a:buSzPct val="45000"/>
-              <a:buFont typeface="Wingdings" charset="2"/>
-              <a:buChar char=""/>
-            </a:pPr>
-            <a:r>
-              <a:rPr b="0" lang="en-US" sz="1800" spc="-1" strike="noStrike">
-                <a:latin typeface="Arial"/>
-              </a:rPr>
-              <a:t>Click to edit the outline text format</a:t>
-            </a:r>
-            <a:endParaRPr b="0" lang="en-US" sz="1800" spc="-1" strike="noStrike">
-              <a:latin typeface="Arial"/>
-            </a:endParaRPr>
-          </a:p>
-          <a:p>
-            <a:pPr lvl="1" marL="864000" indent="-324000">
-              <a:spcBef>
-                <a:spcPts val="1134"/>
-              </a:spcBef>
-              <a:buClr>
-                <a:srgbClr val="000000"/>
-              </a:buClr>
-              <a:buSzPct val="75000"/>
-              <a:buFont typeface="Symbol" charset="2"/>
-              <a:buChar char=""/>
-            </a:pPr>
-            <a:r>
-              <a:rPr b="0" lang="en-US" sz="1800" spc="-1" strike="noStrike">
-                <a:latin typeface="Arial"/>
-              </a:rPr>
-              <a:t>Second Outline Level</a:t>
-            </a:r>
-            <a:endParaRPr b="0" lang="en-US" sz="1800" spc="-1" strike="noStrike">
-              <a:latin typeface="Arial"/>
-            </a:endParaRPr>
-          </a:p>
-          <a:p>
-            <a:pPr lvl="2" marL="1296000" indent="-288000">
-              <a:spcBef>
-                <a:spcPts val="850"/>
-              </a:spcBef>
-              <a:buClr>
-                <a:srgbClr val="000000"/>
-              </a:buClr>
-              <a:buSzPct val="45000"/>
-              <a:buFont typeface="Wingdings" charset="2"/>
-              <a:buChar char=""/>
-            </a:pPr>
-            <a:r>
-              <a:rPr b="0" lang="en-US" sz="1800" spc="-1" strike="noStrike">
-                <a:latin typeface="Arial"/>
-              </a:rPr>
-              <a:t>Third Outline Level</a:t>
-            </a:r>
-            <a:endParaRPr b="0" lang="en-US" sz="1800" spc="-1" strike="noStrike">
-              <a:latin typeface="Arial"/>
-            </a:endParaRPr>
-          </a:p>
-          <a:p>
-            <a:pPr lvl="3" marL="1728000" indent="-216000">
-              <a:spcBef>
-                <a:spcPts val="567"/>
-              </a:spcBef>
-              <a:buClr>
-                <a:srgbClr val="000000"/>
-              </a:buClr>
-              <a:buSzPct val="75000"/>
-              <a:buFont typeface="Symbol" charset="2"/>
-              <a:buChar char=""/>
-            </a:pPr>
-            <a:r>
-              <a:rPr b="0" lang="en-US" sz="1800" spc="-1" strike="noStrike">
-                <a:latin typeface="Arial"/>
-              </a:rPr>
-              <a:t>Fourth Outline Level</a:t>
-            </a:r>
-            <a:endParaRPr b="0" lang="en-US" sz="1800" spc="-1" strike="noStrike">
-              <a:latin typeface="Arial"/>
-            </a:endParaRPr>
-          </a:p>
-          <a:p>
-            <a:pPr lvl="4" marL="2160000" indent="-216000">
-              <a:spcBef>
-                <a:spcPts val="283"/>
-              </a:spcBef>
-              <a:buClr>
-                <a:srgbClr val="000000"/>
-              </a:buClr>
-              <a:buSzPct val="45000"/>
-              <a:buFont typeface="Wingdings" charset="2"/>
-              <a:buChar char=""/>
-            </a:pPr>
-            <a:r>
-              <a:rPr b="0" lang="en-US" sz="1800" spc="-1" strike="noStrike">
-                <a:latin typeface="Arial"/>
-              </a:rPr>
-              <a:t>Fifth Outline Level</a:t>
-            </a:r>
-            <a:endParaRPr b="0" lang="en-US" sz="1800" spc="-1" strike="noStrike">
-              <a:latin typeface="Arial"/>
-            </a:endParaRPr>
-          </a:p>
-          <a:p>
-            <a:pPr lvl="5" marL="2592000" indent="-216000">
-              <a:spcBef>
-                <a:spcPts val="283"/>
-              </a:spcBef>
-              <a:buClr>
-                <a:srgbClr val="000000"/>
-              </a:buClr>
-              <a:buSzPct val="45000"/>
-              <a:buFont typeface="Wingdings" charset="2"/>
-              <a:buChar char=""/>
-            </a:pPr>
-            <a:r>
-              <a:rPr b="0" lang="en-US" sz="1800" spc="-1" strike="noStrike">
-                <a:latin typeface="Arial"/>
-              </a:rPr>
-              <a:t>Sixth Outline Level</a:t>
-            </a:r>
-            <a:endParaRPr b="0" lang="en-US" sz="1800" spc="-1" strike="noStrike">
-              <a:latin typeface="Arial"/>
-            </a:endParaRPr>
-          </a:p>
-          <a:p>
-            <a:pPr lvl="6" marL="3024000" indent="-216000">
-              <a:spcBef>
-                <a:spcPts val="283"/>
-              </a:spcBef>
-              <a:buClr>
-                <a:srgbClr val="000000"/>
-              </a:buClr>
-              <a:buSzPct val="45000"/>
-              <a:buFont typeface="Wingdings" charset="2"/>
-              <a:buChar char=""/>
-            </a:pPr>
-            <a:r>
-              <a:rPr b="0" lang="en-US" sz="1800" spc="-1" strike="noStrike">
-                <a:latin typeface="Arial"/>
-              </a:rPr>
-              <a:t>Seventh Outline Level</a:t>
-            </a:r>
-            <a:endParaRPr b="0" lang="en-US" sz="1800" spc="-1" strike="noStrike">
+            <a:endParaRPr b="0" lang="en-US" sz="2000" spc="-1" strike="noStrike">
               <a:latin typeface="Arial"/>
             </a:endParaRPr>
           </a:p>
@@ -5626,14 +8344,14 @@
       </p:grpSpPr>
       <p:sp>
         <p:nvSpPr>
-          <p:cNvPr id="81" name=""/>
+          <p:cNvPr id="79" name=""/>
           <p:cNvSpPr/>
           <p:nvPr/>
         </p:nvSpPr>
         <p:spPr>
           <a:xfrm>
             <a:off x="0" y="0"/>
-            <a:ext cx="10076400" cy="719640"/>
+            <a:ext cx="10076040" cy="719280"/>
           </a:xfrm>
           <a:prstGeom prst="rect">
             <a:avLst/>
@@ -5667,14 +8385,14 @@
       </p:sp>
       <p:sp>
         <p:nvSpPr>
-          <p:cNvPr id="82" name=""/>
+          <p:cNvPr id="80" name=""/>
           <p:cNvSpPr/>
           <p:nvPr/>
         </p:nvSpPr>
         <p:spPr>
           <a:xfrm>
             <a:off x="3240" y="5040000"/>
-            <a:ext cx="10076400" cy="631080"/>
+            <a:ext cx="10076040" cy="630720"/>
           </a:xfrm>
           <a:prstGeom prst="rect">
             <a:avLst/>
@@ -5708,7 +8426,7 @@
       </p:sp>
       <p:sp>
         <p:nvSpPr>
-          <p:cNvPr id="83" name="PlaceHolder 1"/>
+          <p:cNvPr id="81" name="PlaceHolder 1"/>
           <p:cNvSpPr>
             <a:spLocks noGrp="1"/>
           </p:cNvSpPr>
@@ -5751,7 +8469,7 @@
       </p:sp>
       <p:sp>
         <p:nvSpPr>
-          <p:cNvPr id="84" name="PlaceHolder 2"/>
+          <p:cNvPr id="82" name="PlaceHolder 2"/>
           <p:cNvSpPr>
             <a:spLocks noGrp="1"/>
           </p:cNvSpPr>
@@ -5792,13 +8510,13 @@
               <a:rPr b="0" lang="en-US" sz="3200" spc="-1" strike="noStrike">
                 <a:latin typeface="Arial"/>
               </a:rPr>
-              <a:t>Click to edit the </a:t>
+              <a:t>Click to edit the outline </a:t>
             </a:r>
             <a:r>
               <a:rPr b="0" lang="en-US" sz="3200" spc="-1" strike="noStrike">
                 <a:latin typeface="Arial"/>
               </a:rPr>
-              <a:t>outline text format</a:t>
+              <a:t>text format</a:t>
             </a:r>
             <a:endParaRPr b="0" lang="en-US" sz="3200" spc="-1" strike="noStrike">
               <a:latin typeface="Arial"/>
@@ -5942,13 +8660,7 @@
               <a:rPr b="0" lang="en-US" sz="2000" spc="-1" strike="noStrike">
                 <a:latin typeface="Arial"/>
               </a:rPr>
-              <a:t>Outline </a:t>
-            </a:r>
-            <a:r>
-              <a:rPr b="0" lang="en-US" sz="2000" spc="-1" strike="noStrike">
-                <a:latin typeface="Arial"/>
-              </a:rPr>
-              <a:t>Level</a:t>
+              <a:t>Outline Level</a:t>
             </a:r>
             <a:endParaRPr b="0" lang="en-US" sz="2000" spc="-1" strike="noStrike">
               <a:latin typeface="Arial"/>
@@ -5972,6 +8684,1089 @@
     <p:sldLayoutId id="2147483684" r:id="rId11"/>
     <p:sldLayoutId id="2147483685" r:id="rId12"/>
     <p:sldLayoutId id="2147483686" r:id="rId13"/>
+  </p:sldLayoutIdLst>
+</p:sldMaster>
+</file>
+
+<file path=ppt/slideMasters/slideMaster4.xml><?xml version="1.0" encoding="utf-8"?>
+<p:sldMaster xmlns:a="http://schemas.openxmlformats.org/drawingml/2006/main" xmlns:p="http://schemas.openxmlformats.org/presentationml/2006/main" xmlns:r="http://schemas.openxmlformats.org/officeDocument/2006/relationships" xmlns:p14="http://schemas.microsoft.com/office/powerpoint/2010/main" xmlns:p15="http://schemas.microsoft.com/office/powerpoint/2012/main" xmlns:mc="http://schemas.openxmlformats.org/markup-compatibility/2006">
+  <p:cSld>
+    <p:spTree>
+      <p:nvGrpSpPr>
+        <p:cNvPr id="1" name=""/>
+        <p:cNvGrpSpPr/>
+        <p:nvPr/>
+      </p:nvGrpSpPr>
+      <p:grpSpPr>
+        <a:xfrm>
+          <a:off x="0" y="0"/>
+          <a:ext cx="0" cy="0"/>
+          <a:chOff x="0" y="0"/>
+          <a:chExt cx="0" cy="0"/>
+        </a:xfrm>
+      </p:grpSpPr>
+      <p:sp>
+        <p:nvSpPr>
+          <p:cNvPr id="119" name=""/>
+          <p:cNvSpPr/>
+          <p:nvPr/>
+        </p:nvSpPr>
+        <p:spPr>
+          <a:xfrm>
+            <a:off x="0" y="0"/>
+            <a:ext cx="10076040" cy="719280"/>
+          </a:xfrm>
+          <a:prstGeom prst="rect">
+            <a:avLst/>
+          </a:prstGeom>
+          <a:gradFill rotWithShape="0">
+            <a:gsLst>
+              <a:gs pos="0">
+                <a:srgbClr val="77caee"/>
+              </a:gs>
+              <a:gs pos="100000">
+                <a:srgbClr val="009bdd"/>
+              </a:gs>
+            </a:gsLst>
+            <a:lin ang="10800000"/>
+          </a:gradFill>
+          <a:ln w="18000">
+            <a:noFill/>
+          </a:ln>
+          <a:effectLst>
+            <a:outerShdw blurRad="0" dir="5400000" dist="10800" rotWithShape="0">
+              <a:srgbClr val="009bdd"/>
+            </a:outerShdw>
+          </a:effectLst>
+        </p:spPr>
+        <p:style>
+          <a:lnRef idx="0"/>
+          <a:fillRef idx="0"/>
+          <a:effectRef idx="0"/>
+          <a:fontRef idx="minor"/>
+        </p:style>
+      </p:sp>
+      <p:sp>
+        <p:nvSpPr>
+          <p:cNvPr id="120" name=""/>
+          <p:cNvSpPr/>
+          <p:nvPr/>
+        </p:nvSpPr>
+        <p:spPr>
+          <a:xfrm>
+            <a:off x="3240" y="5040000"/>
+            <a:ext cx="10076040" cy="630720"/>
+          </a:xfrm>
+          <a:prstGeom prst="rect">
+            <a:avLst/>
+          </a:prstGeom>
+          <a:gradFill rotWithShape="0">
+            <a:gsLst>
+              <a:gs pos="0">
+                <a:srgbClr val="77caee"/>
+              </a:gs>
+              <a:gs pos="100000">
+                <a:srgbClr val="009bdd"/>
+              </a:gs>
+            </a:gsLst>
+            <a:lin ang="10800000"/>
+          </a:gradFill>
+          <a:ln w="18000">
+            <a:noFill/>
+          </a:ln>
+          <a:effectLst>
+            <a:outerShdw blurRad="0" dir="5400000" dist="10800" rotWithShape="0">
+              <a:srgbClr val="009bdd"/>
+            </a:outerShdw>
+          </a:effectLst>
+        </p:spPr>
+        <p:style>
+          <a:lnRef idx="0"/>
+          <a:fillRef idx="0"/>
+          <a:effectRef idx="0"/>
+          <a:fontRef idx="minor"/>
+        </p:style>
+      </p:sp>
+      <p:sp>
+        <p:nvSpPr>
+          <p:cNvPr id="121" name="PlaceHolder 1"/>
+          <p:cNvSpPr>
+            <a:spLocks noGrp="1"/>
+          </p:cNvSpPr>
+          <p:nvPr>
+            <p:ph type="title"/>
+          </p:nvPr>
+        </p:nvSpPr>
+        <p:spPr>
+          <a:xfrm>
+            <a:off x="504000" y="226080"/>
+            <a:ext cx="9071640" cy="946080"/>
+          </a:xfrm>
+          <a:prstGeom prst="rect">
+            <a:avLst/>
+          </a:prstGeom>
+          <a:noFill/>
+          <a:ln w="0">
+            <a:noFill/>
+          </a:ln>
+        </p:spPr>
+        <p:txBody>
+          <a:bodyPr lIns="0" rIns="0" tIns="0" bIns="0" anchor="ctr">
+            <a:noAutofit/>
+          </a:bodyPr>
+          <a:p>
+            <a:r>
+              <a:rPr b="0" lang="en-US" sz="1800" spc="-1" strike="noStrike">
+                <a:latin typeface="Arial"/>
+              </a:rPr>
+              <a:t>Click to edit the title text format</a:t>
+            </a:r>
+            <a:endParaRPr b="0" lang="en-US" sz="1800" spc="-1" strike="noStrike">
+              <a:latin typeface="Arial"/>
+            </a:endParaRPr>
+          </a:p>
+        </p:txBody>
+      </p:sp>
+      <p:sp>
+        <p:nvSpPr>
+          <p:cNvPr id="122" name="PlaceHolder 2"/>
+          <p:cNvSpPr>
+            <a:spLocks noGrp="1"/>
+          </p:cNvSpPr>
+          <p:nvPr>
+            <p:ph type="body"/>
+          </p:nvPr>
+        </p:nvSpPr>
+        <p:spPr>
+          <a:xfrm>
+            <a:off x="504000" y="1326600"/>
+            <a:ext cx="4426560" cy="1568160"/>
+          </a:xfrm>
+          <a:prstGeom prst="rect">
+            <a:avLst/>
+          </a:prstGeom>
+          <a:noFill/>
+          <a:ln w="0">
+            <a:noFill/>
+          </a:ln>
+        </p:spPr>
+        <p:txBody>
+          <a:bodyPr lIns="0" rIns="0" tIns="0" bIns="0" anchor="t">
+            <a:normAutofit fontScale="66000"/>
+          </a:bodyPr>
+          <a:p>
+            <a:pPr marL="432000" indent="-324000">
+              <a:spcBef>
+                <a:spcPts val="1417"/>
+              </a:spcBef>
+              <a:buClr>
+                <a:srgbClr val="000000"/>
+              </a:buClr>
+              <a:buSzPct val="45000"/>
+              <a:buFont typeface="Wingdings" charset="2"/>
+              <a:buChar char=""/>
+            </a:pPr>
+            <a:r>
+              <a:rPr b="0" lang="en-US" sz="1800" spc="-1" strike="noStrike">
+                <a:latin typeface="Arial"/>
+              </a:rPr>
+              <a:t>Click to edit the outline text format</a:t>
+            </a:r>
+            <a:endParaRPr b="0" lang="en-US" sz="1800" spc="-1" strike="noStrike">
+              <a:latin typeface="Arial"/>
+            </a:endParaRPr>
+          </a:p>
+          <a:p>
+            <a:pPr lvl="1" marL="864000" indent="-324000">
+              <a:spcBef>
+                <a:spcPts val="1134"/>
+              </a:spcBef>
+              <a:buClr>
+                <a:srgbClr val="000000"/>
+              </a:buClr>
+              <a:buSzPct val="75000"/>
+              <a:buFont typeface="Symbol" charset="2"/>
+              <a:buChar char=""/>
+            </a:pPr>
+            <a:r>
+              <a:rPr b="0" lang="en-US" sz="1800" spc="-1" strike="noStrike">
+                <a:latin typeface="Arial"/>
+              </a:rPr>
+              <a:t>Second Outline Level</a:t>
+            </a:r>
+            <a:endParaRPr b="0" lang="en-US" sz="1800" spc="-1" strike="noStrike">
+              <a:latin typeface="Arial"/>
+            </a:endParaRPr>
+          </a:p>
+          <a:p>
+            <a:pPr lvl="2" marL="1296000" indent="-288000">
+              <a:spcBef>
+                <a:spcPts val="850"/>
+              </a:spcBef>
+              <a:buClr>
+                <a:srgbClr val="000000"/>
+              </a:buClr>
+              <a:buSzPct val="45000"/>
+              <a:buFont typeface="Wingdings" charset="2"/>
+              <a:buChar char=""/>
+            </a:pPr>
+            <a:r>
+              <a:rPr b="0" lang="en-US" sz="1800" spc="-1" strike="noStrike">
+                <a:latin typeface="Arial"/>
+              </a:rPr>
+              <a:t>Third Outline Level</a:t>
+            </a:r>
+            <a:endParaRPr b="0" lang="en-US" sz="1800" spc="-1" strike="noStrike">
+              <a:latin typeface="Arial"/>
+            </a:endParaRPr>
+          </a:p>
+          <a:p>
+            <a:pPr lvl="3" marL="1728000" indent="-216000">
+              <a:spcBef>
+                <a:spcPts val="567"/>
+              </a:spcBef>
+              <a:buClr>
+                <a:srgbClr val="000000"/>
+              </a:buClr>
+              <a:buSzPct val="75000"/>
+              <a:buFont typeface="Symbol" charset="2"/>
+              <a:buChar char=""/>
+            </a:pPr>
+            <a:r>
+              <a:rPr b="0" lang="en-US" sz="1800" spc="-1" strike="noStrike">
+                <a:latin typeface="Arial"/>
+              </a:rPr>
+              <a:t>Fourth Outline Level</a:t>
+            </a:r>
+            <a:endParaRPr b="0" lang="en-US" sz="1800" spc="-1" strike="noStrike">
+              <a:latin typeface="Arial"/>
+            </a:endParaRPr>
+          </a:p>
+          <a:p>
+            <a:pPr lvl="4" marL="2160000" indent="-216000">
+              <a:spcBef>
+                <a:spcPts val="283"/>
+              </a:spcBef>
+              <a:buClr>
+                <a:srgbClr val="000000"/>
+              </a:buClr>
+              <a:buSzPct val="45000"/>
+              <a:buFont typeface="Wingdings" charset="2"/>
+              <a:buChar char=""/>
+            </a:pPr>
+            <a:r>
+              <a:rPr b="0" lang="en-US" sz="1800" spc="-1" strike="noStrike">
+                <a:latin typeface="Arial"/>
+              </a:rPr>
+              <a:t>Fifth Outline Level</a:t>
+            </a:r>
+            <a:endParaRPr b="0" lang="en-US" sz="1800" spc="-1" strike="noStrike">
+              <a:latin typeface="Arial"/>
+            </a:endParaRPr>
+          </a:p>
+          <a:p>
+            <a:pPr lvl="5" marL="2592000" indent="-216000">
+              <a:spcBef>
+                <a:spcPts val="283"/>
+              </a:spcBef>
+              <a:buClr>
+                <a:srgbClr val="000000"/>
+              </a:buClr>
+              <a:buSzPct val="45000"/>
+              <a:buFont typeface="Wingdings" charset="2"/>
+              <a:buChar char=""/>
+            </a:pPr>
+            <a:r>
+              <a:rPr b="0" lang="en-US" sz="1800" spc="-1" strike="noStrike">
+                <a:latin typeface="Arial"/>
+              </a:rPr>
+              <a:t>Sixth Outline Level</a:t>
+            </a:r>
+            <a:endParaRPr b="0" lang="en-US" sz="1800" spc="-1" strike="noStrike">
+              <a:latin typeface="Arial"/>
+            </a:endParaRPr>
+          </a:p>
+          <a:p>
+            <a:pPr lvl="6" marL="3024000" indent="-216000">
+              <a:spcBef>
+                <a:spcPts val="283"/>
+              </a:spcBef>
+              <a:buClr>
+                <a:srgbClr val="000000"/>
+              </a:buClr>
+              <a:buSzPct val="45000"/>
+              <a:buFont typeface="Wingdings" charset="2"/>
+              <a:buChar char=""/>
+            </a:pPr>
+            <a:r>
+              <a:rPr b="0" lang="en-US" sz="1800" spc="-1" strike="noStrike">
+                <a:latin typeface="Arial"/>
+              </a:rPr>
+              <a:t>Seventh Outline Level</a:t>
+            </a:r>
+            <a:endParaRPr b="0" lang="en-US" sz="1800" spc="-1" strike="noStrike">
+              <a:latin typeface="Arial"/>
+            </a:endParaRPr>
+          </a:p>
+        </p:txBody>
+      </p:sp>
+      <p:sp>
+        <p:nvSpPr>
+          <p:cNvPr id="123" name="PlaceHolder 3"/>
+          <p:cNvSpPr>
+            <a:spLocks noGrp="1"/>
+          </p:cNvSpPr>
+          <p:nvPr>
+            <p:ph type="body"/>
+          </p:nvPr>
+        </p:nvSpPr>
+        <p:spPr>
+          <a:xfrm>
+            <a:off x="5152680" y="1326600"/>
+            <a:ext cx="4426560" cy="3288240"/>
+          </a:xfrm>
+          <a:prstGeom prst="rect">
+            <a:avLst/>
+          </a:prstGeom>
+          <a:noFill/>
+          <a:ln w="0">
+            <a:noFill/>
+          </a:ln>
+        </p:spPr>
+        <p:txBody>
+          <a:bodyPr lIns="0" rIns="0" tIns="0" bIns="0" anchor="t">
+            <a:normAutofit/>
+          </a:bodyPr>
+          <a:p>
+            <a:pPr marL="432000" indent="-324000">
+              <a:spcBef>
+                <a:spcPts val="1417"/>
+              </a:spcBef>
+              <a:buClr>
+                <a:srgbClr val="000000"/>
+              </a:buClr>
+              <a:buSzPct val="45000"/>
+              <a:buFont typeface="Wingdings" charset="2"/>
+              <a:buChar char=""/>
+            </a:pPr>
+            <a:r>
+              <a:rPr b="0" lang="en-US" sz="1800" spc="-1" strike="noStrike">
+                <a:latin typeface="Arial"/>
+              </a:rPr>
+              <a:t>Click to edit the outline text format</a:t>
+            </a:r>
+            <a:endParaRPr b="0" lang="en-US" sz="1800" spc="-1" strike="noStrike">
+              <a:latin typeface="Arial"/>
+            </a:endParaRPr>
+          </a:p>
+          <a:p>
+            <a:pPr lvl="1" marL="864000" indent="-324000">
+              <a:spcBef>
+                <a:spcPts val="1134"/>
+              </a:spcBef>
+              <a:buClr>
+                <a:srgbClr val="000000"/>
+              </a:buClr>
+              <a:buSzPct val="75000"/>
+              <a:buFont typeface="Symbol" charset="2"/>
+              <a:buChar char=""/>
+            </a:pPr>
+            <a:r>
+              <a:rPr b="0" lang="en-US" sz="1800" spc="-1" strike="noStrike">
+                <a:latin typeface="Arial"/>
+              </a:rPr>
+              <a:t>Second Outline Level</a:t>
+            </a:r>
+            <a:endParaRPr b="0" lang="en-US" sz="1800" spc="-1" strike="noStrike">
+              <a:latin typeface="Arial"/>
+            </a:endParaRPr>
+          </a:p>
+          <a:p>
+            <a:pPr lvl="2" marL="1296000" indent="-288000">
+              <a:spcBef>
+                <a:spcPts val="850"/>
+              </a:spcBef>
+              <a:buClr>
+                <a:srgbClr val="000000"/>
+              </a:buClr>
+              <a:buSzPct val="45000"/>
+              <a:buFont typeface="Wingdings" charset="2"/>
+              <a:buChar char=""/>
+            </a:pPr>
+            <a:r>
+              <a:rPr b="0" lang="en-US" sz="1800" spc="-1" strike="noStrike">
+                <a:latin typeface="Arial"/>
+              </a:rPr>
+              <a:t>Third Outline Level</a:t>
+            </a:r>
+            <a:endParaRPr b="0" lang="en-US" sz="1800" spc="-1" strike="noStrike">
+              <a:latin typeface="Arial"/>
+            </a:endParaRPr>
+          </a:p>
+          <a:p>
+            <a:pPr lvl="3" marL="1728000" indent="-216000">
+              <a:spcBef>
+                <a:spcPts val="567"/>
+              </a:spcBef>
+              <a:buClr>
+                <a:srgbClr val="000000"/>
+              </a:buClr>
+              <a:buSzPct val="75000"/>
+              <a:buFont typeface="Symbol" charset="2"/>
+              <a:buChar char=""/>
+            </a:pPr>
+            <a:r>
+              <a:rPr b="0" lang="en-US" sz="1800" spc="-1" strike="noStrike">
+                <a:latin typeface="Arial"/>
+              </a:rPr>
+              <a:t>Fourth Outline Level</a:t>
+            </a:r>
+            <a:endParaRPr b="0" lang="en-US" sz="1800" spc="-1" strike="noStrike">
+              <a:latin typeface="Arial"/>
+            </a:endParaRPr>
+          </a:p>
+          <a:p>
+            <a:pPr lvl="4" marL="2160000" indent="-216000">
+              <a:spcBef>
+                <a:spcPts val="283"/>
+              </a:spcBef>
+              <a:buClr>
+                <a:srgbClr val="000000"/>
+              </a:buClr>
+              <a:buSzPct val="45000"/>
+              <a:buFont typeface="Wingdings" charset="2"/>
+              <a:buChar char=""/>
+            </a:pPr>
+            <a:r>
+              <a:rPr b="0" lang="en-US" sz="1800" spc="-1" strike="noStrike">
+                <a:latin typeface="Arial"/>
+              </a:rPr>
+              <a:t>Fifth Outline Level</a:t>
+            </a:r>
+            <a:endParaRPr b="0" lang="en-US" sz="1800" spc="-1" strike="noStrike">
+              <a:latin typeface="Arial"/>
+            </a:endParaRPr>
+          </a:p>
+          <a:p>
+            <a:pPr lvl="5" marL="2592000" indent="-216000">
+              <a:spcBef>
+                <a:spcPts val="283"/>
+              </a:spcBef>
+              <a:buClr>
+                <a:srgbClr val="000000"/>
+              </a:buClr>
+              <a:buSzPct val="45000"/>
+              <a:buFont typeface="Wingdings" charset="2"/>
+              <a:buChar char=""/>
+            </a:pPr>
+            <a:r>
+              <a:rPr b="0" lang="en-US" sz="1800" spc="-1" strike="noStrike">
+                <a:latin typeface="Arial"/>
+              </a:rPr>
+              <a:t>Sixth Outline </a:t>
+            </a:r>
+            <a:r>
+              <a:rPr b="0" lang="en-US" sz="1800" spc="-1" strike="noStrike">
+                <a:latin typeface="Arial"/>
+              </a:rPr>
+              <a:t>Level</a:t>
+            </a:r>
+            <a:endParaRPr b="0" lang="en-US" sz="1800" spc="-1" strike="noStrike">
+              <a:latin typeface="Arial"/>
+            </a:endParaRPr>
+          </a:p>
+          <a:p>
+            <a:pPr lvl="6" marL="3024000" indent="-216000">
+              <a:spcBef>
+                <a:spcPts val="283"/>
+              </a:spcBef>
+              <a:buClr>
+                <a:srgbClr val="000000"/>
+              </a:buClr>
+              <a:buSzPct val="45000"/>
+              <a:buFont typeface="Wingdings" charset="2"/>
+              <a:buChar char=""/>
+            </a:pPr>
+            <a:r>
+              <a:rPr b="0" lang="en-US" sz="1800" spc="-1" strike="noStrike">
+                <a:latin typeface="Arial"/>
+              </a:rPr>
+              <a:t>Seventh </a:t>
+            </a:r>
+            <a:r>
+              <a:rPr b="0" lang="en-US" sz="1800" spc="-1" strike="noStrike">
+                <a:latin typeface="Arial"/>
+              </a:rPr>
+              <a:t>Outline Level</a:t>
+            </a:r>
+            <a:endParaRPr b="0" lang="en-US" sz="1800" spc="-1" strike="noStrike">
+              <a:latin typeface="Arial"/>
+            </a:endParaRPr>
+          </a:p>
+        </p:txBody>
+      </p:sp>
+      <p:sp>
+        <p:nvSpPr>
+          <p:cNvPr id="124" name="PlaceHolder 4"/>
+          <p:cNvSpPr>
+            <a:spLocks noGrp="1"/>
+          </p:cNvSpPr>
+          <p:nvPr>
+            <p:ph type="body"/>
+          </p:nvPr>
+        </p:nvSpPr>
+        <p:spPr>
+          <a:xfrm>
+            <a:off x="504000" y="3044520"/>
+            <a:ext cx="4426560" cy="1568160"/>
+          </a:xfrm>
+          <a:prstGeom prst="rect">
+            <a:avLst/>
+          </a:prstGeom>
+          <a:noFill/>
+          <a:ln w="0">
+            <a:noFill/>
+          </a:ln>
+        </p:spPr>
+        <p:txBody>
+          <a:bodyPr lIns="0" rIns="0" tIns="0" bIns="0" anchor="t">
+            <a:normAutofit fontScale="66000"/>
+          </a:bodyPr>
+          <a:p>
+            <a:pPr marL="432000" indent="-324000">
+              <a:spcBef>
+                <a:spcPts val="1417"/>
+              </a:spcBef>
+              <a:buClr>
+                <a:srgbClr val="000000"/>
+              </a:buClr>
+              <a:buSzPct val="45000"/>
+              <a:buFont typeface="Wingdings" charset="2"/>
+              <a:buChar char=""/>
+            </a:pPr>
+            <a:r>
+              <a:rPr b="0" lang="en-US" sz="1800" spc="-1" strike="noStrike">
+                <a:latin typeface="Arial"/>
+              </a:rPr>
+              <a:t>Click to edit the outline text format</a:t>
+            </a:r>
+            <a:endParaRPr b="0" lang="en-US" sz="1800" spc="-1" strike="noStrike">
+              <a:latin typeface="Arial"/>
+            </a:endParaRPr>
+          </a:p>
+          <a:p>
+            <a:pPr lvl="1" marL="864000" indent="-324000">
+              <a:spcBef>
+                <a:spcPts val="1134"/>
+              </a:spcBef>
+              <a:buClr>
+                <a:srgbClr val="000000"/>
+              </a:buClr>
+              <a:buSzPct val="75000"/>
+              <a:buFont typeface="Symbol" charset="2"/>
+              <a:buChar char=""/>
+            </a:pPr>
+            <a:r>
+              <a:rPr b="0" lang="en-US" sz="1800" spc="-1" strike="noStrike">
+                <a:latin typeface="Arial"/>
+              </a:rPr>
+              <a:t>Second Outline Level</a:t>
+            </a:r>
+            <a:endParaRPr b="0" lang="en-US" sz="1800" spc="-1" strike="noStrike">
+              <a:latin typeface="Arial"/>
+            </a:endParaRPr>
+          </a:p>
+          <a:p>
+            <a:pPr lvl="2" marL="1296000" indent="-288000">
+              <a:spcBef>
+                <a:spcPts val="850"/>
+              </a:spcBef>
+              <a:buClr>
+                <a:srgbClr val="000000"/>
+              </a:buClr>
+              <a:buSzPct val="45000"/>
+              <a:buFont typeface="Wingdings" charset="2"/>
+              <a:buChar char=""/>
+            </a:pPr>
+            <a:r>
+              <a:rPr b="0" lang="en-US" sz="1800" spc="-1" strike="noStrike">
+                <a:latin typeface="Arial"/>
+              </a:rPr>
+              <a:t>Third Outline Level</a:t>
+            </a:r>
+            <a:endParaRPr b="0" lang="en-US" sz="1800" spc="-1" strike="noStrike">
+              <a:latin typeface="Arial"/>
+            </a:endParaRPr>
+          </a:p>
+          <a:p>
+            <a:pPr lvl="3" marL="1728000" indent="-216000">
+              <a:spcBef>
+                <a:spcPts val="567"/>
+              </a:spcBef>
+              <a:buClr>
+                <a:srgbClr val="000000"/>
+              </a:buClr>
+              <a:buSzPct val="75000"/>
+              <a:buFont typeface="Symbol" charset="2"/>
+              <a:buChar char=""/>
+            </a:pPr>
+            <a:r>
+              <a:rPr b="0" lang="en-US" sz="1800" spc="-1" strike="noStrike">
+                <a:latin typeface="Arial"/>
+              </a:rPr>
+              <a:t>Fourth Outline Level</a:t>
+            </a:r>
+            <a:endParaRPr b="0" lang="en-US" sz="1800" spc="-1" strike="noStrike">
+              <a:latin typeface="Arial"/>
+            </a:endParaRPr>
+          </a:p>
+          <a:p>
+            <a:pPr lvl="4" marL="2160000" indent="-216000">
+              <a:spcBef>
+                <a:spcPts val="283"/>
+              </a:spcBef>
+              <a:buClr>
+                <a:srgbClr val="000000"/>
+              </a:buClr>
+              <a:buSzPct val="45000"/>
+              <a:buFont typeface="Wingdings" charset="2"/>
+              <a:buChar char=""/>
+            </a:pPr>
+            <a:r>
+              <a:rPr b="0" lang="en-US" sz="1800" spc="-1" strike="noStrike">
+                <a:latin typeface="Arial"/>
+              </a:rPr>
+              <a:t>Fifth Outline Level</a:t>
+            </a:r>
+            <a:endParaRPr b="0" lang="en-US" sz="1800" spc="-1" strike="noStrike">
+              <a:latin typeface="Arial"/>
+            </a:endParaRPr>
+          </a:p>
+          <a:p>
+            <a:pPr lvl="5" marL="2592000" indent="-216000">
+              <a:spcBef>
+                <a:spcPts val="283"/>
+              </a:spcBef>
+              <a:buClr>
+                <a:srgbClr val="000000"/>
+              </a:buClr>
+              <a:buSzPct val="45000"/>
+              <a:buFont typeface="Wingdings" charset="2"/>
+              <a:buChar char=""/>
+            </a:pPr>
+            <a:r>
+              <a:rPr b="0" lang="en-US" sz="1800" spc="-1" strike="noStrike">
+                <a:latin typeface="Arial"/>
+              </a:rPr>
+              <a:t>Sixth Outline Level</a:t>
+            </a:r>
+            <a:endParaRPr b="0" lang="en-US" sz="1800" spc="-1" strike="noStrike">
+              <a:latin typeface="Arial"/>
+            </a:endParaRPr>
+          </a:p>
+          <a:p>
+            <a:pPr lvl="6" marL="3024000" indent="-216000">
+              <a:spcBef>
+                <a:spcPts val="283"/>
+              </a:spcBef>
+              <a:buClr>
+                <a:srgbClr val="000000"/>
+              </a:buClr>
+              <a:buSzPct val="45000"/>
+              <a:buFont typeface="Wingdings" charset="2"/>
+              <a:buChar char=""/>
+            </a:pPr>
+            <a:r>
+              <a:rPr b="0" lang="en-US" sz="1800" spc="-1" strike="noStrike">
+                <a:latin typeface="Arial"/>
+              </a:rPr>
+              <a:t>Seventh Outline Level</a:t>
+            </a:r>
+            <a:endParaRPr b="0" lang="en-US" sz="1800" spc="-1" strike="noStrike">
+              <a:latin typeface="Arial"/>
+            </a:endParaRPr>
+          </a:p>
+        </p:txBody>
+      </p:sp>
+    </p:spTree>
+  </p:cSld>
+  <p:clrMap bg1="lt1" bg2="lt2" tx1="dk1" tx2="dk2" accent1="accent1" accent2="accent2" accent3="accent3" accent4="accent4" accent5="accent5" accent6="accent6" hlink="hlink" folHlink="folHlink"/>
+  <p:sldLayoutIdLst>
+    <p:sldLayoutId id="2147483688" r:id="rId2"/>
+    <p:sldLayoutId id="2147483689" r:id="rId3"/>
+    <p:sldLayoutId id="2147483690" r:id="rId4"/>
+    <p:sldLayoutId id="2147483691" r:id="rId5"/>
+    <p:sldLayoutId id="2147483692" r:id="rId6"/>
+    <p:sldLayoutId id="2147483693" r:id="rId7"/>
+    <p:sldLayoutId id="2147483694" r:id="rId8"/>
+    <p:sldLayoutId id="2147483695" r:id="rId9"/>
+    <p:sldLayoutId id="2147483696" r:id="rId10"/>
+    <p:sldLayoutId id="2147483697" r:id="rId11"/>
+    <p:sldLayoutId id="2147483698" r:id="rId12"/>
+    <p:sldLayoutId id="2147483699" r:id="rId13"/>
+  </p:sldLayoutIdLst>
+</p:sldMaster>
+</file>
+
+<file path=ppt/slideMasters/slideMaster5.xml><?xml version="1.0" encoding="utf-8"?>
+<p:sldMaster xmlns:a="http://schemas.openxmlformats.org/drawingml/2006/main" xmlns:p="http://schemas.openxmlformats.org/presentationml/2006/main" xmlns:r="http://schemas.openxmlformats.org/officeDocument/2006/relationships" xmlns:p14="http://schemas.microsoft.com/office/powerpoint/2010/main" xmlns:p15="http://schemas.microsoft.com/office/powerpoint/2012/main" xmlns:mc="http://schemas.openxmlformats.org/markup-compatibility/2006">
+  <p:cSld>
+    <p:spTree>
+      <p:nvGrpSpPr>
+        <p:cNvPr id="1" name=""/>
+        <p:cNvGrpSpPr/>
+        <p:nvPr/>
+      </p:nvGrpSpPr>
+      <p:grpSpPr>
+        <a:xfrm>
+          <a:off x="0" y="0"/>
+          <a:ext cx="0" cy="0"/>
+          <a:chOff x="0" y="0"/>
+          <a:chExt cx="0" cy="0"/>
+        </a:xfrm>
+      </p:grpSpPr>
+      <p:sp>
+        <p:nvSpPr>
+          <p:cNvPr id="161" name=""/>
+          <p:cNvSpPr/>
+          <p:nvPr/>
+        </p:nvSpPr>
+        <p:spPr>
+          <a:xfrm>
+            <a:off x="0" y="0"/>
+            <a:ext cx="10076040" cy="719280"/>
+          </a:xfrm>
+          <a:prstGeom prst="rect">
+            <a:avLst/>
+          </a:prstGeom>
+          <a:gradFill rotWithShape="0">
+            <a:gsLst>
+              <a:gs pos="0">
+                <a:srgbClr val="77caee"/>
+              </a:gs>
+              <a:gs pos="100000">
+                <a:srgbClr val="009bdd"/>
+              </a:gs>
+            </a:gsLst>
+            <a:lin ang="10800000"/>
+          </a:gradFill>
+          <a:ln w="18000">
+            <a:noFill/>
+          </a:ln>
+          <a:effectLst>
+            <a:outerShdw blurRad="0" dir="5400000" dist="10800" rotWithShape="0">
+              <a:srgbClr val="009bdd"/>
+            </a:outerShdw>
+          </a:effectLst>
+        </p:spPr>
+        <p:style>
+          <a:lnRef idx="0"/>
+          <a:fillRef idx="0"/>
+          <a:effectRef idx="0"/>
+          <a:fontRef idx="minor"/>
+        </p:style>
+      </p:sp>
+      <p:sp>
+        <p:nvSpPr>
+          <p:cNvPr id="162" name=""/>
+          <p:cNvSpPr/>
+          <p:nvPr/>
+        </p:nvSpPr>
+        <p:spPr>
+          <a:xfrm>
+            <a:off x="3240" y="5040000"/>
+            <a:ext cx="10076040" cy="630720"/>
+          </a:xfrm>
+          <a:prstGeom prst="rect">
+            <a:avLst/>
+          </a:prstGeom>
+          <a:gradFill rotWithShape="0">
+            <a:gsLst>
+              <a:gs pos="0">
+                <a:srgbClr val="77caee"/>
+              </a:gs>
+              <a:gs pos="100000">
+                <a:srgbClr val="009bdd"/>
+              </a:gs>
+            </a:gsLst>
+            <a:lin ang="10800000"/>
+          </a:gradFill>
+          <a:ln w="18000">
+            <a:noFill/>
+          </a:ln>
+          <a:effectLst>
+            <a:outerShdw blurRad="0" dir="5400000" dist="10800" rotWithShape="0">
+              <a:srgbClr val="009bdd"/>
+            </a:outerShdw>
+          </a:effectLst>
+        </p:spPr>
+        <p:style>
+          <a:lnRef idx="0"/>
+          <a:fillRef idx="0"/>
+          <a:effectRef idx="0"/>
+          <a:fontRef idx="minor"/>
+        </p:style>
+      </p:sp>
+      <p:sp>
+        <p:nvSpPr>
+          <p:cNvPr id="163" name="PlaceHolder 1"/>
+          <p:cNvSpPr>
+            <a:spLocks noGrp="1"/>
+          </p:cNvSpPr>
+          <p:nvPr>
+            <p:ph type="title"/>
+          </p:nvPr>
+        </p:nvSpPr>
+        <p:spPr>
+          <a:xfrm>
+            <a:off x="504000" y="226080"/>
+            <a:ext cx="9072000" cy="946440"/>
+          </a:xfrm>
+          <a:prstGeom prst="rect">
+            <a:avLst/>
+          </a:prstGeom>
+          <a:noFill/>
+          <a:ln w="0">
+            <a:noFill/>
+          </a:ln>
+        </p:spPr>
+        <p:txBody>
+          <a:bodyPr lIns="0" rIns="0" tIns="0" bIns="0" anchor="ctr">
+            <a:noAutofit/>
+          </a:bodyPr>
+          <a:p>
+            <a:pPr algn="ctr">
+              <a:buNone/>
+            </a:pPr>
+            <a:r>
+              <a:rPr b="0" lang="en-US" sz="4400" spc="-1" strike="noStrike">
+                <a:latin typeface="Arial"/>
+              </a:rPr>
+              <a:t>Click to edit the title text format</a:t>
+            </a:r>
+            <a:endParaRPr b="0" lang="en-US" sz="4400" spc="-1" strike="noStrike">
+              <a:latin typeface="Arial"/>
+            </a:endParaRPr>
+          </a:p>
+        </p:txBody>
+      </p:sp>
+      <p:sp>
+        <p:nvSpPr>
+          <p:cNvPr id="164" name="PlaceHolder 2"/>
+          <p:cNvSpPr>
+            <a:spLocks noGrp="1"/>
+          </p:cNvSpPr>
+          <p:nvPr>
+            <p:ph type="body"/>
+          </p:nvPr>
+        </p:nvSpPr>
+        <p:spPr>
+          <a:xfrm>
+            <a:off x="504000" y="1326600"/>
+            <a:ext cx="9072000" cy="3288600"/>
+          </a:xfrm>
+          <a:prstGeom prst="rect">
+            <a:avLst/>
+          </a:prstGeom>
+          <a:noFill/>
+          <a:ln w="0">
+            <a:noFill/>
+          </a:ln>
+        </p:spPr>
+        <p:txBody>
+          <a:bodyPr lIns="0" rIns="0" tIns="0" bIns="0" anchor="t">
+            <a:normAutofit/>
+          </a:bodyPr>
+          <a:p>
+            <a:pPr marL="432000" indent="-324000">
+              <a:spcBef>
+                <a:spcPts val="1417"/>
+              </a:spcBef>
+              <a:buClr>
+                <a:srgbClr val="000000"/>
+              </a:buClr>
+              <a:buSzPct val="45000"/>
+              <a:buFont typeface="Wingdings" charset="2"/>
+              <a:buChar char=""/>
+            </a:pPr>
+            <a:r>
+              <a:rPr b="0" lang="en-US" sz="3200" spc="-1" strike="noStrike">
+                <a:latin typeface="Arial"/>
+              </a:rPr>
+              <a:t>Click to edit the outline </a:t>
+            </a:r>
+            <a:r>
+              <a:rPr b="0" lang="en-US" sz="3200" spc="-1" strike="noStrike">
+                <a:latin typeface="Arial"/>
+              </a:rPr>
+              <a:t>text format</a:t>
+            </a:r>
+            <a:endParaRPr b="0" lang="en-US" sz="3200" spc="-1" strike="noStrike">
+              <a:latin typeface="Arial"/>
+            </a:endParaRPr>
+          </a:p>
+          <a:p>
+            <a:pPr lvl="1" marL="864000" indent="-324000">
+              <a:spcBef>
+                <a:spcPts val="1134"/>
+              </a:spcBef>
+              <a:buClr>
+                <a:srgbClr val="000000"/>
+              </a:buClr>
+              <a:buSzPct val="75000"/>
+              <a:buFont typeface="Symbol" charset="2"/>
+              <a:buChar char=""/>
+            </a:pPr>
+            <a:r>
+              <a:rPr b="0" lang="en-US" sz="2800" spc="-1" strike="noStrike">
+                <a:latin typeface="Arial"/>
+              </a:rPr>
+              <a:t>Second Outline Level</a:t>
+            </a:r>
+            <a:endParaRPr b="0" lang="en-US" sz="2800" spc="-1" strike="noStrike">
+              <a:latin typeface="Arial"/>
+            </a:endParaRPr>
+          </a:p>
+          <a:p>
+            <a:pPr lvl="2" marL="1296000" indent="-288000">
+              <a:spcBef>
+                <a:spcPts val="850"/>
+              </a:spcBef>
+              <a:buClr>
+                <a:srgbClr val="000000"/>
+              </a:buClr>
+              <a:buSzPct val="45000"/>
+              <a:buFont typeface="Wingdings" charset="2"/>
+              <a:buChar char=""/>
+            </a:pPr>
+            <a:r>
+              <a:rPr b="0" lang="en-US" sz="2400" spc="-1" strike="noStrike">
+                <a:latin typeface="Arial"/>
+              </a:rPr>
+              <a:t>Third Outline Level</a:t>
+            </a:r>
+            <a:endParaRPr b="0" lang="en-US" sz="2400" spc="-1" strike="noStrike">
+              <a:latin typeface="Arial"/>
+            </a:endParaRPr>
+          </a:p>
+          <a:p>
+            <a:pPr lvl="3" marL="1728000" indent="-216000">
+              <a:spcBef>
+                <a:spcPts val="567"/>
+              </a:spcBef>
+              <a:buClr>
+                <a:srgbClr val="000000"/>
+              </a:buClr>
+              <a:buSzPct val="75000"/>
+              <a:buFont typeface="Symbol" charset="2"/>
+              <a:buChar char=""/>
+            </a:pPr>
+            <a:r>
+              <a:rPr b="0" lang="en-US" sz="2000" spc="-1" strike="noStrike">
+                <a:latin typeface="Arial"/>
+              </a:rPr>
+              <a:t>Fourth Outline Level</a:t>
+            </a:r>
+            <a:endParaRPr b="0" lang="en-US" sz="2000" spc="-1" strike="noStrike">
+              <a:latin typeface="Arial"/>
+            </a:endParaRPr>
+          </a:p>
+          <a:p>
+            <a:pPr lvl="4" marL="2160000" indent="-216000">
+              <a:spcBef>
+                <a:spcPts val="283"/>
+              </a:spcBef>
+              <a:buClr>
+                <a:srgbClr val="000000"/>
+              </a:buClr>
+              <a:buSzPct val="45000"/>
+              <a:buFont typeface="Wingdings" charset="2"/>
+              <a:buChar char=""/>
+            </a:pPr>
+            <a:r>
+              <a:rPr b="0" lang="en-US" sz="2000" spc="-1" strike="noStrike">
+                <a:latin typeface="Arial"/>
+              </a:rPr>
+              <a:t>Fifth Outline Level</a:t>
+            </a:r>
+            <a:endParaRPr b="0" lang="en-US" sz="2000" spc="-1" strike="noStrike">
+              <a:latin typeface="Arial"/>
+            </a:endParaRPr>
+          </a:p>
+          <a:p>
+            <a:pPr lvl="5" marL="2592000" indent="-216000">
+              <a:spcBef>
+                <a:spcPts val="283"/>
+              </a:spcBef>
+              <a:buClr>
+                <a:srgbClr val="000000"/>
+              </a:buClr>
+              <a:buSzPct val="45000"/>
+              <a:buFont typeface="Wingdings" charset="2"/>
+              <a:buChar char=""/>
+            </a:pPr>
+            <a:r>
+              <a:rPr b="0" lang="en-US" sz="2000" spc="-1" strike="noStrike">
+                <a:latin typeface="Arial"/>
+              </a:rPr>
+              <a:t>Sixth Outline </a:t>
+            </a:r>
+            <a:r>
+              <a:rPr b="0" lang="en-US" sz="2000" spc="-1" strike="noStrike">
+                <a:latin typeface="Arial"/>
+              </a:rPr>
+              <a:t>Level</a:t>
+            </a:r>
+            <a:endParaRPr b="0" lang="en-US" sz="2000" spc="-1" strike="noStrike">
+              <a:latin typeface="Arial"/>
+            </a:endParaRPr>
+          </a:p>
+          <a:p>
+            <a:pPr lvl="6" marL="3024000" indent="-216000">
+              <a:spcBef>
+                <a:spcPts val="283"/>
+              </a:spcBef>
+              <a:buClr>
+                <a:srgbClr val="000000"/>
+              </a:buClr>
+              <a:buSzPct val="45000"/>
+              <a:buFont typeface="Wingdings" charset="2"/>
+              <a:buChar char=""/>
+            </a:pPr>
+            <a:r>
+              <a:rPr b="0" lang="en-US" sz="2000" spc="-1" strike="noStrike">
+                <a:latin typeface="Arial"/>
+              </a:rPr>
+              <a:t>Seventh </a:t>
+            </a:r>
+            <a:r>
+              <a:rPr b="0" lang="en-US" sz="2000" spc="-1" strike="noStrike">
+                <a:latin typeface="Arial"/>
+              </a:rPr>
+              <a:t>Outline Level</a:t>
+            </a:r>
+            <a:endParaRPr b="0" lang="en-US" sz="2000" spc="-1" strike="noStrike">
+              <a:latin typeface="Arial"/>
+            </a:endParaRPr>
+          </a:p>
+        </p:txBody>
+      </p:sp>
+    </p:spTree>
+  </p:cSld>
+  <p:clrMap bg1="lt1" bg2="lt2" tx1="dk1" tx2="dk2" accent1="accent1" accent2="accent2" accent3="accent3" accent4="accent4" accent5="accent5" accent6="accent6" hlink="hlink" folHlink="folHlink"/>
+  <p:sldLayoutIdLst>
+    <p:sldLayoutId id="2147483701" r:id="rId2"/>
+    <p:sldLayoutId id="2147483702" r:id="rId3"/>
+    <p:sldLayoutId id="2147483703" r:id="rId4"/>
+    <p:sldLayoutId id="2147483704" r:id="rId5"/>
+    <p:sldLayoutId id="2147483705" r:id="rId6"/>
+    <p:sldLayoutId id="2147483706" r:id="rId7"/>
+    <p:sldLayoutId id="2147483707" r:id="rId8"/>
+    <p:sldLayoutId id="2147483708" r:id="rId9"/>
+    <p:sldLayoutId id="2147483709" r:id="rId10"/>
+    <p:sldLayoutId id="2147483710" r:id="rId11"/>
+    <p:sldLayoutId id="2147483711" r:id="rId12"/>
+    <p:sldLayoutId id="2147483712" r:id="rId13"/>
   </p:sldLayoutIdLst>
 </p:sldMaster>
 </file>
@@ -5995,7 +9790,7 @@
       </p:grpSpPr>
       <p:sp>
         <p:nvSpPr>
-          <p:cNvPr id="121" name="PlaceHolder 1"/>
+          <p:cNvPr id="201" name="PlaceHolder 1"/>
           <p:cNvSpPr>
             <a:spLocks noGrp="1"/>
           </p:cNvSpPr>
@@ -6006,7 +9801,7 @@
         <p:spPr>
           <a:xfrm>
             <a:off x="0" y="1620000"/>
-            <a:ext cx="8999640" cy="1079640"/>
+            <a:ext cx="8999280" cy="1079280"/>
           </a:xfrm>
           <a:prstGeom prst="rect">
             <a:avLst/>
@@ -6074,7 +9869,7 @@
       </p:grpSpPr>
       <p:sp>
         <p:nvSpPr>
-          <p:cNvPr id="122" name="PlaceHolder 1"/>
+          <p:cNvPr id="202" name="PlaceHolder 1"/>
           <p:cNvSpPr>
             <a:spLocks noGrp="1"/>
           </p:cNvSpPr>
@@ -6085,7 +9880,7 @@
         <p:spPr>
           <a:xfrm>
             <a:off x="360000" y="180000"/>
-            <a:ext cx="9359640" cy="477720"/>
+            <a:ext cx="9359280" cy="477360"/>
           </a:xfrm>
           <a:prstGeom prst="rect">
             <a:avLst/>
@@ -6111,7 +9906,7 @@
       </p:sp>
       <p:sp>
         <p:nvSpPr>
-          <p:cNvPr id="123" name="PlaceHolder 2"/>
+          <p:cNvPr id="203" name="PlaceHolder 2"/>
           <p:cNvSpPr>
             <a:spLocks noGrp="1"/>
           </p:cNvSpPr>
@@ -6122,7 +9917,7 @@
         <p:spPr>
           <a:xfrm>
             <a:off x="360000" y="1080000"/>
-            <a:ext cx="4566960" cy="1716480"/>
+            <a:ext cx="4566600" cy="1716120"/>
           </a:xfrm>
           <a:prstGeom prst="rect">
             <a:avLst/>
@@ -6163,7 +9958,7 @@
       </p:sp>
       <p:sp>
         <p:nvSpPr>
-          <p:cNvPr id="124" name="PlaceHolder 3"/>
+          <p:cNvPr id="204" name="PlaceHolder 3"/>
           <p:cNvSpPr>
             <a:spLocks noGrp="1"/>
           </p:cNvSpPr>
@@ -6174,7 +9969,7 @@
         <p:spPr>
           <a:xfrm>
             <a:off x="285120" y="2423160"/>
-            <a:ext cx="4566960" cy="1382760"/>
+            <a:ext cx="4566600" cy="1382400"/>
           </a:xfrm>
           <a:prstGeom prst="rect">
             <a:avLst/>
@@ -6205,7 +10000,34 @@
                 </a:solidFill>
                 <a:latin typeface="Arial"/>
               </a:rPr>
-              <a:t>Вселенная, в которой все знания и общение представлены для человека на его родном языке.</a:t>
+              <a:t>Вселенная, в которой все </a:t>
+            </a:r>
+            <a:r>
+              <a:rPr b="0" i="1" lang="ru" sz="2400" spc="-1" strike="noStrike">
+                <a:solidFill>
+                  <a:srgbClr val="000000"/>
+                </a:solidFill>
+                <a:latin typeface="Arial"/>
+              </a:rPr>
+              <a:t>знания и общение </a:t>
+            </a:r>
+            <a:r>
+              <a:rPr b="0" i="1" lang="ru" sz="2400" spc="-1" strike="noStrike">
+                <a:solidFill>
+                  <a:srgbClr val="000000"/>
+                </a:solidFill>
+                <a:latin typeface="Arial"/>
+              </a:rPr>
+              <a:t>представлены для человека </a:t>
+            </a:r>
+            <a:r>
+              <a:rPr b="0" i="1" lang="ru" sz="2400" spc="-1" strike="noStrike">
+                <a:solidFill>
+                  <a:srgbClr val="000000"/>
+                </a:solidFill>
+                <a:latin typeface="Arial"/>
+              </a:rPr>
+              <a:t>на его родном языке.</a:t>
             </a:r>
             <a:endParaRPr b="0" lang="en-US" sz="2400" spc="-1" strike="noStrike">
               <a:latin typeface="Arial"/>
@@ -6215,7 +10037,7 @@
       </p:sp>
       <p:pic>
         <p:nvPicPr>
-          <p:cNvPr id="125" name="" descr=""/>
+          <p:cNvPr id="205" name="" descr=""/>
           <p:cNvPicPr/>
           <p:nvPr/>
         </p:nvPicPr>
@@ -6226,7 +10048,7 @@
         <p:spPr>
           <a:xfrm>
             <a:off x="5027400" y="1283760"/>
-            <a:ext cx="4914720" cy="3274920"/>
+            <a:ext cx="4914360" cy="3274560"/>
           </a:xfrm>
           <a:prstGeom prst="rect">
             <a:avLst/>
@@ -6238,14 +10060,14 @@
       </p:pic>
       <p:sp>
         <p:nvSpPr>
-          <p:cNvPr id="126" name=""/>
+          <p:cNvPr id="206" name=""/>
           <p:cNvSpPr/>
           <p:nvPr/>
         </p:nvSpPr>
         <p:spPr>
           <a:xfrm>
             <a:off x="228600" y="4103280"/>
-            <a:ext cx="4566960" cy="468360"/>
+            <a:ext cx="4566600" cy="468000"/>
           </a:xfrm>
           <a:prstGeom prst="rect">
             <a:avLst/>
@@ -6281,6 +10103,7 @@
                   <a:srgbClr val="000000"/>
                 </a:solidFill>
                 <a:latin typeface="Arial"/>
+                <a:ea typeface="DejaVu Sans"/>
               </a:rPr>
               <a:t>(Вам не нужно учить лингва-франка.)</a:t>
             </a:r>
@@ -6322,7 +10145,7 @@
       </p:grpSpPr>
       <p:sp>
         <p:nvSpPr>
-          <p:cNvPr id="127" name="PlaceHolder 1"/>
+          <p:cNvPr id="207" name="PlaceHolder 1"/>
           <p:cNvSpPr>
             <a:spLocks noGrp="1"/>
           </p:cNvSpPr>
@@ -6333,7 +10156,7 @@
         <p:spPr>
           <a:xfrm>
             <a:off x="360000" y="180000"/>
-            <a:ext cx="9359640" cy="477720"/>
+            <a:ext cx="9359280" cy="477360"/>
           </a:xfrm>
           <a:prstGeom prst="rect">
             <a:avLst/>
@@ -6359,7 +10182,7 @@
       </p:sp>
       <p:sp>
         <p:nvSpPr>
-          <p:cNvPr id="128" name="PlaceHolder 2"/>
+          <p:cNvPr id="208" name="PlaceHolder 2"/>
           <p:cNvSpPr>
             <a:spLocks noGrp="1"/>
           </p:cNvSpPr>
@@ -6370,7 +10193,7 @@
         <p:spPr>
           <a:xfrm>
             <a:off x="360000" y="1080000"/>
-            <a:ext cx="4566960" cy="1716480"/>
+            <a:ext cx="4566600" cy="1716120"/>
           </a:xfrm>
           <a:prstGeom prst="rect">
             <a:avLst/>
@@ -6411,7 +10234,7 @@
       </p:sp>
       <p:sp>
         <p:nvSpPr>
-          <p:cNvPr id="129" name="PlaceHolder 3"/>
+          <p:cNvPr id="209" name="PlaceHolder 3"/>
           <p:cNvSpPr>
             <a:spLocks noGrp="1"/>
           </p:cNvSpPr>
@@ -6422,7 +10245,7 @@
         <p:spPr>
           <a:xfrm>
             <a:off x="360000" y="2960280"/>
-            <a:ext cx="4566960" cy="1716480"/>
+            <a:ext cx="4566600" cy="1716120"/>
           </a:xfrm>
           <a:prstGeom prst="rect">
             <a:avLst/>
@@ -6453,7 +10276,16 @@
                 </a:solidFill>
                 <a:latin typeface="Arial"/>
               </a:rPr>
-              <a:t>Все знания представлены в Метавселенной.</a:t>
+              <a:t>Все знания представлены в </a:t>
+            </a:r>
+            <a:r>
+              <a:rPr b="0" i="1" lang="ru" sz="2400" spc="-1" strike="noStrike">
+                <a:solidFill>
+                  <a:srgbClr val="000000"/>
+                </a:solidFill>
+                <a:latin typeface="Arial"/>
+              </a:rPr>
+              <a:t>Метавселенной.</a:t>
             </a:r>
             <a:endParaRPr b="0" lang="en-US" sz="2400" spc="-1" strike="noStrike">
               <a:latin typeface="Arial"/>
@@ -6463,7 +10295,7 @@
       </p:sp>
       <p:pic>
         <p:nvPicPr>
-          <p:cNvPr id="130" name="" descr=""/>
+          <p:cNvPr id="210" name="" descr=""/>
           <p:cNvPicPr/>
           <p:nvPr/>
         </p:nvPicPr>
@@ -6475,7 +10307,7 @@
         <p:spPr>
           <a:xfrm>
             <a:off x="5029200" y="685800"/>
-            <a:ext cx="5050440" cy="4343040"/>
+            <a:ext cx="5050080" cy="4342680"/>
           </a:xfrm>
           <a:prstGeom prst="rect">
             <a:avLst/>
@@ -6517,7 +10349,7 @@
       </p:grpSpPr>
       <p:sp>
         <p:nvSpPr>
-          <p:cNvPr id="131" name="PlaceHolder 1"/>
+          <p:cNvPr id="211" name="PlaceHolder 1"/>
           <p:cNvSpPr>
             <a:spLocks noGrp="1"/>
           </p:cNvSpPr>
@@ -6528,7 +10360,7 @@
         <p:spPr>
           <a:xfrm>
             <a:off x="360000" y="180000"/>
-            <a:ext cx="9359640" cy="477720"/>
+            <a:ext cx="9359280" cy="477360"/>
           </a:xfrm>
           <a:prstGeom prst="rect">
             <a:avLst/>
@@ -6554,7 +10386,7 @@
       </p:sp>
       <p:sp>
         <p:nvSpPr>
-          <p:cNvPr id="132" name="PlaceHolder 2"/>
+          <p:cNvPr id="212" name="PlaceHolder 2"/>
           <p:cNvSpPr>
             <a:spLocks noGrp="1"/>
           </p:cNvSpPr>
@@ -6565,7 +10397,7 @@
         <p:spPr>
           <a:xfrm>
             <a:off x="360000" y="1080000"/>
-            <a:ext cx="4566960" cy="1716480"/>
+            <a:ext cx="4566600" cy="1716120"/>
           </a:xfrm>
           <a:prstGeom prst="rect">
             <a:avLst/>
@@ -6606,7 +10438,7 @@
       </p:sp>
       <p:pic>
         <p:nvPicPr>
-          <p:cNvPr id="133" name="" descr=""/>
+          <p:cNvPr id="213" name="" descr=""/>
           <p:cNvPicPr/>
           <p:nvPr/>
         </p:nvPicPr>
@@ -6617,7 +10449,7 @@
         <p:spPr>
           <a:xfrm>
             <a:off x="4749840" y="1540080"/>
-            <a:ext cx="5079600" cy="2849040"/>
+            <a:ext cx="5079240" cy="2848680"/>
           </a:xfrm>
           <a:prstGeom prst="rect">
             <a:avLst/>
@@ -6629,7 +10461,7 @@
       </p:pic>
       <p:sp>
         <p:nvSpPr>
-          <p:cNvPr id="134" name="PlaceHolder 3"/>
+          <p:cNvPr id="214" name="PlaceHolder 3"/>
           <p:cNvSpPr>
             <a:spLocks noGrp="1"/>
           </p:cNvSpPr>
@@ -6640,7 +10472,7 @@
         <p:spPr>
           <a:xfrm>
             <a:off x="360000" y="2960280"/>
-            <a:ext cx="4389480" cy="1716480"/>
+            <a:ext cx="4389120" cy="1716120"/>
           </a:xfrm>
           <a:prstGeom prst="rect">
             <a:avLst/>
@@ -6711,29 +10543,37 @@
       </p:grpSpPr>
       <p:sp>
         <p:nvSpPr>
-          <p:cNvPr id="135" name="PlaceHolder 1"/>
-          <p:cNvSpPr>
-            <a:spLocks noGrp="1"/>
-          </p:cNvSpPr>
-          <p:nvPr>
-            <p:ph type="subTitle"/>
-          </p:nvPr>
-        </p:nvSpPr>
-        <p:spPr>
-          <a:xfrm>
-            <a:off x="457200" y="1941480"/>
-            <a:ext cx="9144000" cy="2215800"/>
-          </a:xfrm>
-          <a:prstGeom prst="rect">
-            <a:avLst/>
-          </a:prstGeom>
-          <a:noFill/>
-          <a:ln w="0">
-            <a:noFill/>
-          </a:ln>
-        </p:spPr>
-        <p:txBody>
-          <a:bodyPr lIns="0" rIns="0" tIns="0" bIns="0" anchor="ctr">
+          <p:cNvPr id="215" name=""/>
+          <p:cNvSpPr/>
+          <p:nvPr/>
+        </p:nvSpPr>
+        <p:spPr>
+          <a:xfrm>
+            <a:off x="1396440" y="905760"/>
+            <a:ext cx="7315200" cy="1371600"/>
+          </a:xfrm>
+          <a:prstGeom prst="ellipse">
+            <a:avLst/>
+          </a:prstGeom>
+          <a:solidFill>
+            <a:srgbClr val="ec9ba4">
+              <a:alpha val="58000"/>
+            </a:srgbClr>
+          </a:solidFill>
+          <a:ln w="0">
+            <a:solidFill>
+              <a:srgbClr val="3465a4"/>
+            </a:solidFill>
+          </a:ln>
+        </p:spPr>
+        <p:style>
+          <a:lnRef idx="0"/>
+          <a:fillRef idx="0"/>
+          <a:effectRef idx="0"/>
+          <a:fontRef idx="minor"/>
+        </p:style>
+        <p:txBody>
+          <a:bodyPr lIns="90000" rIns="90000" tIns="45000" bIns="45000" anchor="ctr">
             <a:noAutofit/>
           </a:bodyPr>
           <a:p>
@@ -6741,12 +10581,168 @@
               <a:buNone/>
             </a:pPr>
             <a:r>
-              <a:rPr b="0" lang="en-US" sz="3200" spc="-1" strike="noStrike">
+              <a:rPr b="1" lang="en-US" sz="3200" spc="-1" strike="noStrike">
                 <a:latin typeface="Arial"/>
               </a:rPr>
-              <a:t>ДАННЫЕ</a:t>
+              <a:t>Метавселенная</a:t>
             </a:r>
-            <a:endParaRPr b="0" lang="en-US" sz="3200" spc="-1" strike="noStrike">
+            <a:endParaRPr b="1" lang="en-US" sz="3200" spc="-1" strike="noStrike">
+              <a:latin typeface="Arial"/>
+            </a:endParaRPr>
+          </a:p>
+        </p:txBody>
+      </p:sp>
+      <p:sp>
+        <p:nvSpPr>
+          <p:cNvPr id="216" name=""/>
+          <p:cNvSpPr/>
+          <p:nvPr/>
+        </p:nvSpPr>
+        <p:spPr>
+          <a:xfrm>
+            <a:off x="2502000" y="2286000"/>
+            <a:ext cx="5029200" cy="1143000"/>
+          </a:xfrm>
+          <a:prstGeom prst="ellipse">
+            <a:avLst/>
+          </a:prstGeom>
+          <a:solidFill>
+            <a:srgbClr val="5eb91e"/>
+          </a:solidFill>
+          <a:ln w="0">
+            <a:solidFill>
+              <a:srgbClr val="3465a4"/>
+            </a:solidFill>
+          </a:ln>
+        </p:spPr>
+        <p:style>
+          <a:lnRef idx="0"/>
+          <a:fillRef idx="0"/>
+          <a:effectRef idx="0"/>
+          <a:fontRef idx="minor"/>
+        </p:style>
+        <p:txBody>
+          <a:bodyPr lIns="90000" rIns="90000" tIns="45000" bIns="45000" anchor="ctr">
+            <a:noAutofit/>
+          </a:bodyPr>
+          <a:p>
+            <a:pPr algn="ctr">
+              <a:lnSpc>
+                <a:spcPct val="100000"/>
+              </a:lnSpc>
+              <a:spcBef>
+                <a:spcPts val="1060"/>
+              </a:spcBef>
+              <a:buNone/>
+            </a:pPr>
+            <a:r>
+              <a:rPr b="1" lang="ru" sz="2800" spc="-1" strike="noStrike">
+                <a:solidFill>
+                  <a:srgbClr val="000000"/>
+                </a:solidFill>
+                <a:latin typeface="Arial"/>
+              </a:rPr>
+              <a:t>Матрица</a:t>
+            </a:r>
+            <a:endParaRPr b="0" lang="en-US" sz="2800" spc="-1" strike="noStrike">
+              <a:latin typeface="Arial"/>
+            </a:endParaRPr>
+          </a:p>
+        </p:txBody>
+      </p:sp>
+      <p:sp>
+        <p:nvSpPr>
+          <p:cNvPr id="217" name=""/>
+          <p:cNvSpPr/>
+          <p:nvPr/>
+        </p:nvSpPr>
+        <p:spPr>
+          <a:xfrm>
+            <a:off x="3200400" y="3429000"/>
+            <a:ext cx="3657600" cy="914400"/>
+          </a:xfrm>
+          <a:prstGeom prst="ellipse">
+            <a:avLst/>
+          </a:prstGeom>
+          <a:solidFill>
+            <a:srgbClr val="729fcf"/>
+          </a:solidFill>
+          <a:ln w="0">
+            <a:solidFill>
+              <a:srgbClr val="3465a4"/>
+            </a:solidFill>
+          </a:ln>
+        </p:spPr>
+        <p:style>
+          <a:lnRef idx="0"/>
+          <a:fillRef idx="0"/>
+          <a:effectRef idx="0"/>
+          <a:fontRef idx="minor"/>
+        </p:style>
+        <p:txBody>
+          <a:bodyPr lIns="90000" rIns="90000" tIns="45000" bIns="45000" anchor="ctr">
+            <a:noAutofit/>
+          </a:bodyPr>
+          <a:p>
+            <a:pPr algn="ctr">
+              <a:buNone/>
+            </a:pPr>
+            <a:r>
+              <a:rPr b="1" lang="en-US" sz="2200" spc="-1" strike="noStrike">
+                <a:latin typeface="Arial"/>
+              </a:rPr>
+              <a:t>Метатехнология</a:t>
+            </a:r>
+            <a:endParaRPr b="0" lang="en-US" sz="2200" spc="-1" strike="noStrike">
+              <a:latin typeface="Arial"/>
+            </a:endParaRPr>
+          </a:p>
+        </p:txBody>
+      </p:sp>
+      <p:sp>
+        <p:nvSpPr>
+          <p:cNvPr id="218" name=""/>
+          <p:cNvSpPr/>
+          <p:nvPr/>
+        </p:nvSpPr>
+        <p:spPr>
+          <a:xfrm>
+            <a:off x="4114800" y="4343400"/>
+            <a:ext cx="1828800" cy="685800"/>
+          </a:xfrm>
+          <a:prstGeom prst="ellipse">
+            <a:avLst/>
+          </a:prstGeom>
+          <a:solidFill>
+            <a:srgbClr val="ff972f"/>
+          </a:solidFill>
+          <a:ln w="0">
+            <a:solidFill>
+              <a:srgbClr val="3465a4"/>
+            </a:solidFill>
+          </a:ln>
+        </p:spPr>
+        <p:style>
+          <a:lnRef idx="0"/>
+          <a:fillRef idx="0"/>
+          <a:effectRef idx="0"/>
+          <a:fontRef idx="minor"/>
+        </p:style>
+        <p:txBody>
+          <a:bodyPr lIns="90000" rIns="90000" tIns="45000" bIns="45000" anchor="ctr">
+            <a:noAutofit/>
+          </a:bodyPr>
+          <a:p>
+            <a:pPr algn="ctr">
+              <a:buNone/>
+            </a:pPr>
+            <a:r>
+              <a:rPr b="1" lang="en-US" sz="1800" spc="-1" strike="noStrike">
+                <a:latin typeface="Arial"/>
+              </a:rPr>
+              <a:t>Данные</a:t>
+            </a:r>
+            <a:endParaRPr b="0" lang="en-US" sz="1800" spc="-1" strike="noStrike">
               <a:latin typeface="Arial"/>
             </a:endParaRPr>
           </a:p>
@@ -6784,18 +10780,18 @@
       </p:grpSpPr>
       <p:sp>
         <p:nvSpPr>
-          <p:cNvPr id="136" name="PlaceHolder 1"/>
-          <p:cNvSpPr>
-            <a:spLocks noGrp="1"/>
-          </p:cNvSpPr>
-          <p:nvPr>
-            <p:ph/>
-          </p:nvPr>
-        </p:nvSpPr>
-        <p:spPr>
-          <a:xfrm>
-            <a:off x="504000" y="1326600"/>
-            <a:ext cx="4426920" cy="1568520"/>
+          <p:cNvPr id="219" name="PlaceHolder 1"/>
+          <p:cNvSpPr>
+            <a:spLocks noGrp="1"/>
+          </p:cNvSpPr>
+          <p:nvPr>
+            <p:ph type="subTitle"/>
+          </p:nvPr>
+        </p:nvSpPr>
+        <p:spPr>
+          <a:xfrm>
+            <a:off x="457200" y="1941480"/>
+            <a:ext cx="9143640" cy="2215440"/>
           </a:xfrm>
           <a:prstGeom prst="rect">
             <a:avLst/>
@@ -6807,7 +10803,7 @@
         </p:spPr>
         <p:txBody>
           <a:bodyPr lIns="0" rIns="0" tIns="0" bIns="0" anchor="ctr">
-            <a:normAutofit/>
+            <a:noAutofit/>
           </a:bodyPr>
           <a:p>
             <a:pPr algn="ctr">
@@ -6817,13 +10813,10 @@
               <a:buNone/>
             </a:pPr>
             <a:r>
-              <a:rPr b="1" lang="ru" sz="3200" spc="-1" strike="noStrike">
-                <a:highlight>
-                  <a:srgbClr val="ffffff"/>
-                </a:highlight>
+              <a:rPr b="0" lang="en-US" sz="3200" spc="-1" strike="noStrike">
                 <a:latin typeface="Arial"/>
               </a:rPr>
-              <a:t>Данные</a:t>
+              <a:t>ДАННЫЕ</a:t>
             </a:r>
             <a:endParaRPr b="0" lang="en-US" sz="3200" spc="-1" strike="noStrike">
               <a:latin typeface="Arial"/>
@@ -6831,76 +10824,6 @@
           </a:p>
         </p:txBody>
       </p:sp>
-      <p:sp>
-        <p:nvSpPr>
-          <p:cNvPr id="137" name="PlaceHolder 2"/>
-          <p:cNvSpPr>
-            <a:spLocks noGrp="1"/>
-          </p:cNvSpPr>
-          <p:nvPr>
-            <p:ph/>
-          </p:nvPr>
-        </p:nvSpPr>
-        <p:spPr>
-          <a:xfrm>
-            <a:off x="504000" y="3044520"/>
-            <a:ext cx="4426920" cy="1568520"/>
-          </a:xfrm>
-          <a:prstGeom prst="rect">
-            <a:avLst/>
-          </a:prstGeom>
-          <a:noFill/>
-          <a:ln w="0">
-            <a:noFill/>
-          </a:ln>
-        </p:spPr>
-        <p:txBody>
-          <a:bodyPr lIns="0" rIns="0" tIns="0" bIns="0" anchor="t">
-            <a:normAutofit fontScale="92000"/>
-          </a:bodyPr>
-          <a:p>
-            <a:pPr algn="ctr">
-              <a:spcBef>
-                <a:spcPts val="1417"/>
-              </a:spcBef>
-              <a:buNone/>
-            </a:pPr>
-            <a:r>
-              <a:rPr b="0" i="1" lang="en-US" sz="2600" spc="-1" strike="noStrike">
-                <a:latin typeface="Arial"/>
-              </a:rPr>
-              <a:t>Данные должны быть под лицензией Creative Commons, которая разрешает коммерческое использование.</a:t>
-            </a:r>
-            <a:endParaRPr b="0" lang="en-US" sz="2600" spc="-1" strike="noStrike">
-              <a:latin typeface="Arial"/>
-            </a:endParaRPr>
-          </a:p>
-        </p:txBody>
-      </p:sp>
-      <p:pic>
-        <p:nvPicPr>
-          <p:cNvPr id="138" name="" descr=""/>
-          <p:cNvPicPr/>
-          <p:nvPr/>
-        </p:nvPicPr>
-        <p:blipFill>
-          <a:blip r:embed="rId1"/>
-          <a:srcRect l="0" t="0" r="10" b="0"/>
-          <a:stretch/>
-        </p:blipFill>
-        <p:spPr>
-          <a:xfrm>
-            <a:off x="5900400" y="807480"/>
-            <a:ext cx="2557800" cy="4221720"/>
-          </a:xfrm>
-          <a:prstGeom prst="rect">
-            <a:avLst/>
-          </a:prstGeom>
-          <a:ln w="0">
-            <a:noFill/>
-          </a:ln>
-        </p:spPr>
-      </p:pic>
     </p:spTree>
   </p:cSld>
   <mc:AlternateContent>
@@ -6933,18 +10856,18 @@
       </p:grpSpPr>
       <p:sp>
         <p:nvSpPr>
-          <p:cNvPr id="139" name="PlaceHolder 1"/>
-          <p:cNvSpPr>
-            <a:spLocks noGrp="1"/>
-          </p:cNvSpPr>
-          <p:nvPr>
-            <p:ph type="subTitle"/>
-          </p:nvPr>
-        </p:nvSpPr>
-        <p:spPr>
-          <a:xfrm>
-            <a:off x="241200" y="685800"/>
-            <a:ext cx="9359640" cy="796680"/>
+          <p:cNvPr id="220" name="PlaceHolder 1"/>
+          <p:cNvSpPr>
+            <a:spLocks noGrp="1"/>
+          </p:cNvSpPr>
+          <p:nvPr>
+            <p:ph/>
+          </p:nvPr>
+        </p:nvSpPr>
+        <p:spPr>
+          <a:xfrm>
+            <a:off x="504000" y="1326600"/>
+            <a:ext cx="4426560" cy="1568160"/>
           </a:xfrm>
           <a:prstGeom prst="rect">
             <a:avLst/>
@@ -6956,7 +10879,7 @@
         </p:spPr>
         <p:txBody>
           <a:bodyPr lIns="0" rIns="0" tIns="0" bIns="0" anchor="ctr">
-            <a:noAutofit/>
+            <a:normAutofit/>
           </a:bodyPr>
           <a:p>
             <a:pPr algn="ctr">
@@ -6982,14 +10905,300 @@
       </p:sp>
       <p:sp>
         <p:nvSpPr>
-          <p:cNvPr id="140" name=""/>
+          <p:cNvPr id="221" name="PlaceHolder 2"/>
+          <p:cNvSpPr>
+            <a:spLocks noGrp="1"/>
+          </p:cNvSpPr>
+          <p:nvPr>
+            <p:ph/>
+          </p:nvPr>
+        </p:nvSpPr>
+        <p:spPr>
+          <a:xfrm>
+            <a:off x="504000" y="3044520"/>
+            <a:ext cx="4426560" cy="1568160"/>
+          </a:xfrm>
+          <a:prstGeom prst="rect">
+            <a:avLst/>
+          </a:prstGeom>
+          <a:noFill/>
+          <a:ln w="0">
+            <a:noFill/>
+          </a:ln>
+        </p:spPr>
+        <p:txBody>
+          <a:bodyPr lIns="0" rIns="0" tIns="0" bIns="0" anchor="t">
+            <a:normAutofit fontScale="93000"/>
+          </a:bodyPr>
+          <a:p>
+            <a:pPr algn="ctr">
+              <a:lnSpc>
+                <a:spcPct val="100000"/>
+              </a:lnSpc>
+              <a:spcBef>
+                <a:spcPts val="1417"/>
+              </a:spcBef>
+              <a:buNone/>
+            </a:pPr>
+            <a:r>
+              <a:rPr b="0" i="1" lang="en-US" sz="2600" spc="-1" strike="noStrike">
+                <a:latin typeface="Arial"/>
+              </a:rPr>
+              <a:t>Данные должны быть под лицензией Creative Commons, которая разрешает коммерческое использование.</a:t>
+            </a:r>
+            <a:endParaRPr b="0" lang="en-US" sz="2600" spc="-1" strike="noStrike">
+              <a:latin typeface="Arial"/>
+            </a:endParaRPr>
+          </a:p>
+        </p:txBody>
+      </p:sp>
+      <p:pic>
+        <p:nvPicPr>
+          <p:cNvPr id="222" name="" descr=""/>
+          <p:cNvPicPr/>
+          <p:nvPr/>
+        </p:nvPicPr>
+        <p:blipFill>
+          <a:blip r:embed="rId1"/>
+          <a:srcRect l="0" t="0" r="10" b="0"/>
+          <a:stretch/>
+        </p:blipFill>
+        <p:spPr>
+          <a:xfrm>
+            <a:off x="5900400" y="807480"/>
+            <a:ext cx="2557440" cy="4221360"/>
+          </a:xfrm>
+          <a:prstGeom prst="rect">
+            <a:avLst/>
+          </a:prstGeom>
+          <a:ln w="0">
+            <a:noFill/>
+          </a:ln>
+        </p:spPr>
+      </p:pic>
+      <p:pic>
+        <p:nvPicPr>
+          <p:cNvPr id="223" name="" descr=""/>
+          <p:cNvPicPr/>
+          <p:nvPr/>
+        </p:nvPicPr>
+        <p:blipFill>
+          <a:blip r:embed="rId2"/>
+          <a:stretch/>
+        </p:blipFill>
+        <p:spPr>
+          <a:xfrm>
+            <a:off x="8390520" y="914400"/>
+            <a:ext cx="1439280" cy="1371600"/>
+          </a:xfrm>
+          <a:prstGeom prst="rect">
+            <a:avLst/>
+          </a:prstGeom>
+          <a:ln w="0">
+            <a:noFill/>
+          </a:ln>
+        </p:spPr>
+      </p:pic>
+      <p:pic>
+        <p:nvPicPr>
+          <p:cNvPr id="224" name="" descr=""/>
+          <p:cNvPicPr/>
+          <p:nvPr/>
+        </p:nvPicPr>
+        <p:blipFill>
+          <a:blip r:embed="rId3"/>
+          <a:stretch/>
+        </p:blipFill>
+        <p:spPr>
+          <a:xfrm>
+            <a:off x="8915400" y="2638080"/>
+            <a:ext cx="685800" cy="685800"/>
+          </a:xfrm>
+          <a:prstGeom prst="rect">
+            <a:avLst/>
+          </a:prstGeom>
+          <a:ln w="0">
+            <a:noFill/>
+          </a:ln>
+        </p:spPr>
+      </p:pic>
+      <p:pic>
+        <p:nvPicPr>
+          <p:cNvPr id="225" name="" descr=""/>
+          <p:cNvPicPr/>
+          <p:nvPr/>
+        </p:nvPicPr>
+        <p:blipFill>
+          <a:blip r:embed="rId4"/>
+          <a:stretch/>
+        </p:blipFill>
+        <p:spPr>
+          <a:xfrm>
+            <a:off x="8915400" y="3560400"/>
+            <a:ext cx="685800" cy="685800"/>
+          </a:xfrm>
+          <a:prstGeom prst="rect">
+            <a:avLst/>
+          </a:prstGeom>
+          <a:ln w="0">
+            <a:noFill/>
+          </a:ln>
+        </p:spPr>
+      </p:pic>
+      <p:pic>
+        <p:nvPicPr>
+          <p:cNvPr id="226" name="" descr=""/>
+          <p:cNvPicPr/>
+          <p:nvPr/>
+        </p:nvPicPr>
+        <p:blipFill>
+          <a:blip r:embed="rId5"/>
+          <a:stretch/>
+        </p:blipFill>
+        <p:spPr>
+          <a:xfrm>
+            <a:off x="8915400" y="4343400"/>
+            <a:ext cx="685800" cy="685800"/>
+          </a:xfrm>
+          <a:prstGeom prst="rect">
+            <a:avLst/>
+          </a:prstGeom>
+          <a:ln w="0">
+            <a:noFill/>
+          </a:ln>
+        </p:spPr>
+      </p:pic>
+      <p:sp>
+        <p:nvSpPr>
+          <p:cNvPr id="227" name=""/>
+          <p:cNvSpPr txBox="1"/>
+          <p:nvPr/>
+        </p:nvSpPr>
+        <p:spPr>
+          <a:xfrm>
+            <a:off x="5715000" y="5072040"/>
+            <a:ext cx="4343400" cy="598680"/>
+          </a:xfrm>
+          <a:prstGeom prst="rect">
+            <a:avLst/>
+          </a:prstGeom>
+          <a:noFill/>
+          <a:ln w="0">
+            <a:noFill/>
+          </a:ln>
+        </p:spPr>
+        <p:txBody>
+          <a:bodyPr lIns="90000" rIns="90000" tIns="45000" bIns="45000" anchor="ctr">
+            <a:noAutofit/>
+          </a:bodyPr>
+          <a:p>
+            <a:r>
+              <a:rPr b="0" lang="en-US" sz="1200" spc="-1" strike="noStrike">
+                <a:solidFill>
+                  <a:srgbClr val="ffffff"/>
+                </a:solidFill>
+                <a:latin typeface="Arial"/>
+              </a:rPr>
+              <a:t>Source: original CC license symbols by Creative Commons, Wikipedia</a:t>
+            </a:r>
+            <a:endParaRPr b="0" lang="en-US" sz="1200" spc="-1" strike="noStrike">
+              <a:solidFill>
+                <a:srgbClr val="ffffff"/>
+              </a:solidFill>
+              <a:latin typeface="Arial"/>
+            </a:endParaRPr>
+          </a:p>
+        </p:txBody>
+      </p:sp>
+    </p:spTree>
+  </p:cSld>
+  <mc:AlternateContent>
+    <mc:Choice Requires="p14">
+      <p:transition spd="slow" p14:dur="2000"/>
+    </mc:Choice>
+    <mc:Fallback>
+      <p:transition spd="slow"/>
+    </mc:Fallback>
+  </mc:AlternateContent>
+</p:sld>
+</file>
+
+<file path=ppt/slides/slide8.xml><?xml version="1.0" encoding="utf-8"?>
+<p:sld xmlns:a="http://schemas.openxmlformats.org/drawingml/2006/main" xmlns:p="http://schemas.openxmlformats.org/presentationml/2006/main" xmlns:r="http://schemas.openxmlformats.org/officeDocument/2006/relationships" xmlns:p14="http://schemas.microsoft.com/office/powerpoint/2010/main" xmlns:p15="http://schemas.microsoft.com/office/powerpoint/2012/main" xmlns:mc="http://schemas.openxmlformats.org/markup-compatibility/2006">
+  <p:cSld>
+    <p:spTree>
+      <p:nvGrpSpPr>
+        <p:cNvPr id="1" name=""/>
+        <p:cNvGrpSpPr/>
+        <p:nvPr/>
+      </p:nvGrpSpPr>
+      <p:grpSpPr>
+        <a:xfrm>
+          <a:off x="0" y="0"/>
+          <a:ext cx="0" cy="0"/>
+          <a:chOff x="0" y="0"/>
+          <a:chExt cx="0" cy="0"/>
+        </a:xfrm>
+      </p:grpSpPr>
+      <p:sp>
+        <p:nvSpPr>
+          <p:cNvPr id="228" name="PlaceHolder 1"/>
+          <p:cNvSpPr>
+            <a:spLocks noGrp="1"/>
+          </p:cNvSpPr>
+          <p:nvPr>
+            <p:ph type="subTitle"/>
+          </p:nvPr>
+        </p:nvSpPr>
+        <p:spPr>
+          <a:xfrm>
+            <a:off x="241200" y="685800"/>
+            <a:ext cx="9359280" cy="796320"/>
+          </a:xfrm>
+          <a:prstGeom prst="rect">
+            <a:avLst/>
+          </a:prstGeom>
+          <a:noFill/>
+          <a:ln w="0">
+            <a:noFill/>
+          </a:ln>
+        </p:spPr>
+        <p:txBody>
+          <a:bodyPr lIns="0" rIns="0" tIns="0" bIns="0" anchor="ctr">
+            <a:noAutofit/>
+          </a:bodyPr>
+          <a:p>
+            <a:pPr algn="ctr">
+              <a:lnSpc>
+                <a:spcPct val="100000"/>
+              </a:lnSpc>
+              <a:buNone/>
+            </a:pPr>
+            <a:r>
+              <a:rPr b="1" lang="ru" sz="3200" spc="-1" strike="noStrike">
+                <a:highlight>
+                  <a:srgbClr val="ffffff"/>
+                </a:highlight>
+                <a:latin typeface="Arial"/>
+              </a:rPr>
+              <a:t>Данные</a:t>
+            </a:r>
+            <a:endParaRPr b="0" lang="en-US" sz="3200" spc="-1" strike="noStrike">
+              <a:latin typeface="Arial"/>
+            </a:endParaRPr>
+          </a:p>
+        </p:txBody>
+      </p:sp>
+      <p:sp>
+        <p:nvSpPr>
+          <p:cNvPr id="229" name=""/>
           <p:cNvSpPr/>
           <p:nvPr/>
         </p:nvSpPr>
         <p:spPr>
           <a:xfrm>
             <a:off x="457200" y="1600200"/>
-            <a:ext cx="9359640" cy="573840"/>
+            <a:ext cx="9359280" cy="573480"/>
           </a:xfrm>
           <a:prstGeom prst="rect">
             <a:avLst/>
@@ -7018,12 +11227,16 @@
             </a:pPr>
             <a:r>
               <a:rPr b="0" i="1" lang="ru" sz="2400" spc="-1" strike="noStrike">
+                <a:solidFill>
+                  <a:srgbClr val="000000"/>
+                </a:solidFill>
                 <a:highlight>
                   <a:srgbClr val="ffffff"/>
                 </a:highlight>
                 <a:latin typeface="Arial"/>
+                <a:ea typeface="DejaVu Sans"/>
               </a:rPr>
-              <a:t>Минимальный объем данных для запуска такой службы.</a:t>
+              <a:t>Минимальный объем данных для запуска службы.</a:t>
             </a:r>
             <a:endParaRPr b="0" lang="en-US" sz="2400" spc="-1" strike="noStrike">
               <a:latin typeface="Arial"/>
@@ -7033,14 +11246,14 @@
       </p:sp>
       <p:sp>
         <p:nvSpPr>
-          <p:cNvPr id="141" name=""/>
+          <p:cNvPr id="230" name=""/>
           <p:cNvSpPr/>
           <p:nvPr/>
         </p:nvSpPr>
         <p:spPr>
           <a:xfrm>
             <a:off x="360000" y="2514960"/>
-            <a:ext cx="9359640" cy="2165040"/>
+            <a:ext cx="9359280" cy="2164680"/>
           </a:xfrm>
           <a:prstGeom prst="rect">
             <a:avLst/>
@@ -7080,10 +11293,14 @@
             </a:pPr>
             <a:r>
               <a:rPr b="0" lang="ru" sz="2800" spc="-1" strike="noStrike">
+                <a:solidFill>
+                  <a:srgbClr val="000000"/>
+                </a:solidFill>
                 <a:highlight>
                   <a:srgbClr val="ffffff"/>
                 </a:highlight>
                 <a:latin typeface="Arial"/>
+                <a:ea typeface="DejaVu Sans"/>
               </a:rPr>
               <a:t>Голосовые корпуса (адыгейский, абхазский)</a:t>
             </a:r>
@@ -7100,6 +11317,9 @@
             </a:pPr>
             <a:r>
               <a:rPr b="0" lang="ru" sz="2800" spc="-1" strike="noStrike">
+                <a:solidFill>
+                  <a:srgbClr val="000000"/>
+                </a:solidFill>
                 <a:highlight>
                   <a:srgbClr val="ffffff"/>
                 </a:highlight>
@@ -7110,10 +11330,14 @@
             </a:r>
             <a:r>
               <a:rPr b="0" lang="ru" sz="2800" spc="-1" strike="noStrike">
+                <a:solidFill>
+                  <a:srgbClr val="000000"/>
+                </a:solidFill>
                 <a:highlight>
                   <a:srgbClr val="ffffff"/>
                 </a:highlight>
                 <a:latin typeface="Arial"/>
+                <a:ea typeface="DejaVu Sans"/>
               </a:rPr>
               <a:t>)</a:t>
             </a:r>
@@ -7130,6 +11354,9 @@
             </a:pPr>
             <a:r>
               <a:rPr b="0" lang="ru" sz="2800" spc="-1" strike="noStrike">
+                <a:solidFill>
+                  <a:srgbClr val="000000"/>
+                </a:solidFill>
                 <a:highlight>
                   <a:srgbClr val="ffffff"/>
                 </a:highlight>
@@ -7140,10 +11367,14 @@
             </a:r>
             <a:r>
               <a:rPr b="0" lang="ru" sz="2800" spc="-1" strike="noStrike">
+                <a:solidFill>
+                  <a:srgbClr val="000000"/>
+                </a:solidFill>
                 <a:highlight>
                   <a:srgbClr val="ffffff"/>
                 </a:highlight>
                 <a:latin typeface="Arial"/>
+                <a:ea typeface="DejaVu Sans"/>
               </a:rPr>
               <a:t>адыгско-абхазско-русский)</a:t>
             </a:r>
@@ -7842,4 +12073,456 @@
     </a:fmtScheme>
   </a:themeElements>
 </a:theme>
+</file>
+
+<file path=ppt/theme/theme4.xml><?xml version="1.0" encoding="utf-8"?>
+<a:theme xmlns:a="http://schemas.openxmlformats.org/drawingml/2006/main" name="Office Theme">
+  <a:themeElements>
+    <a:clrScheme name="Office">
+      <a:dk1>
+        <a:sysClr val="windowText" lastClr="000000"/>
+      </a:dk1>
+      <a:lt1>
+        <a:sysClr val="window" lastClr="FFFFFF"/>
+      </a:lt1>
+      <a:dk2>
+        <a:srgbClr val="1f497d"/>
+      </a:dk2>
+      <a:lt2>
+        <a:srgbClr val="eeece1"/>
+      </a:lt2>
+      <a:accent1>
+        <a:srgbClr val="4f81bd"/>
+      </a:accent1>
+      <a:accent2>
+        <a:srgbClr val="c0504d"/>
+      </a:accent2>
+      <a:accent3>
+        <a:srgbClr val="9bbb59"/>
+      </a:accent3>
+      <a:accent4>
+        <a:srgbClr val="8064a2"/>
+      </a:accent4>
+      <a:accent5>
+        <a:srgbClr val="4bacc6"/>
+      </a:accent5>
+      <a:accent6>
+        <a:srgbClr val="f79646"/>
+      </a:accent6>
+      <a:hlink>
+        <a:srgbClr val="0000ff"/>
+      </a:hlink>
+      <a:folHlink>
+        <a:srgbClr val="800080"/>
+      </a:folHlink>
+    </a:clrScheme>
+    <a:fontScheme name="Office">
+      <a:majorFont>
+        <a:latin typeface="Arial"/>
+        <a:ea typeface="DejaVu Sans"/>
+        <a:cs typeface="DejaVu Sans"/>
+      </a:majorFont>
+      <a:minorFont>
+        <a:latin typeface="Arial"/>
+        <a:ea typeface="DejaVu Sans"/>
+        <a:cs typeface="DejaVu Sans"/>
+      </a:minorFont>
+    </a:fontScheme>
+    <a:fmtScheme name="Office">
+      <a:fillStyleLst>
+        <a:solidFill>
+          <a:schemeClr val="phClr"/>
+        </a:solidFill>
+        <a:gradFill rotWithShape="1">
+          <a:gsLst>
+            <a:gs pos="0">
+              <a:schemeClr val="phClr">
+                <a:tint val="50000"/>
+                <a:satMod val="300000"/>
+              </a:schemeClr>
+            </a:gs>
+            <a:gs pos="35000">
+              <a:schemeClr val="phClr">
+                <a:tint val="37000"/>
+                <a:satMod val="300000"/>
+              </a:schemeClr>
+            </a:gs>
+            <a:gs pos="100000">
+              <a:schemeClr val="phClr">
+                <a:tint val="15000"/>
+                <a:satMod val="350000"/>
+              </a:schemeClr>
+            </a:gs>
+          </a:gsLst>
+          <a:lin ang="16200000" scaled="1"/>
+        </a:gradFill>
+        <a:gradFill rotWithShape="1">
+          <a:gsLst>
+            <a:gs pos="0">
+              <a:schemeClr val="phClr">
+                <a:shade val="51000"/>
+                <a:satMod val="130000"/>
+              </a:schemeClr>
+            </a:gs>
+            <a:gs pos="80000">
+              <a:schemeClr val="phClr">
+                <a:shade val="93000"/>
+                <a:satMod val="130000"/>
+              </a:schemeClr>
+            </a:gs>
+            <a:gs pos="100000">
+              <a:schemeClr val="phClr">
+                <a:shade val="94000"/>
+                <a:satMod val="135000"/>
+              </a:schemeClr>
+            </a:gs>
+          </a:gsLst>
+          <a:lin ang="16200000" scaled="0"/>
+        </a:gradFill>
+      </a:fillStyleLst>
+      <a:lnStyleLst>
+        <a:ln w="9525" cap="flat" cmpd="sng" algn="ctr">
+          <a:solidFill>
+            <a:schemeClr val="phClr">
+              <a:shade val="95000"/>
+              <a:satMod val="105000"/>
+            </a:schemeClr>
+          </a:solidFill>
+          <a:prstDash val="solid"/>
+          <a:miter/>
+        </a:ln>
+        <a:ln w="25400" cap="flat" cmpd="sng" algn="ctr">
+          <a:solidFill>
+            <a:schemeClr val="phClr"/>
+          </a:solidFill>
+          <a:prstDash val="solid"/>
+          <a:miter/>
+        </a:ln>
+        <a:ln w="38100" cap="flat" cmpd="sng" algn="ctr">
+          <a:solidFill>
+            <a:schemeClr val="phClr"/>
+          </a:solidFill>
+          <a:prstDash val="solid"/>
+          <a:miter/>
+        </a:ln>
+      </a:lnStyleLst>
+      <a:effectStyleLst>
+        <a:effectStyle>
+          <a:effectLst>
+            <a:outerShdw blurRad="40000" dist="20000" dir="5400000" rotWithShape="0">
+              <a:srgbClr val="000000">
+                <a:alpha val="38000"/>
+              </a:srgbClr>
+            </a:outerShdw>
+          </a:effectLst>
+        </a:effectStyle>
+        <a:effectStyle>
+          <a:effectLst>
+            <a:outerShdw blurRad="40000" dist="23000" dir="5400000" rotWithShape="0">
+              <a:srgbClr val="000000">
+                <a:alpha val="35000"/>
+              </a:srgbClr>
+            </a:outerShdw>
+          </a:effectLst>
+        </a:effectStyle>
+        <a:effectStyle>
+          <a:effectLst>
+            <a:outerShdw blurRad="40000" dist="23000" dir="5400000" rotWithShape="0">
+              <a:srgbClr val="000000">
+                <a:alpha val="35000"/>
+              </a:srgbClr>
+            </a:outerShdw>
+          </a:effectLst>
+          <a:scene3d>
+            <a:camera prst="orthographicFront">
+              <a:rot lat="0" lon="0" rev="0"/>
+            </a:camera>
+            <a:lightRig rig="threePt" dir="t">
+              <a:rot lat="0" lon="0" rev="1200000"/>
+            </a:lightRig>
+          </a:scene3d>
+          <a:sp3d>
+            <a:bevelT w="63500" h="25400"/>
+          </a:sp3d>
+        </a:effectStyle>
+      </a:effectStyleLst>
+      <a:bgFillStyleLst>
+        <a:solidFill>
+          <a:schemeClr val="phClr"/>
+        </a:solidFill>
+        <a:gradFill rotWithShape="1">
+          <a:gsLst>
+            <a:gs pos="0">
+              <a:schemeClr val="phClr">
+                <a:tint val="40000"/>
+                <a:satMod val="350000"/>
+              </a:schemeClr>
+            </a:gs>
+            <a:gs pos="40000">
+              <a:schemeClr val="phClr">
+                <a:tint val="45000"/>
+                <a:shade val="99000"/>
+                <a:satMod val="350000"/>
+              </a:schemeClr>
+            </a:gs>
+            <a:gs pos="100000">
+              <a:schemeClr val="phClr">
+                <a:shade val="20000"/>
+                <a:satMod val="255000"/>
+              </a:schemeClr>
+            </a:gs>
+          </a:gsLst>
+          <a:path path="circle">
+            <a:fillToRect l="50000" t="-80000" r="50000" b="180000"/>
+          </a:path>
+        </a:gradFill>
+        <a:gradFill rotWithShape="1">
+          <a:gsLst>
+            <a:gs pos="0">
+              <a:schemeClr val="phClr">
+                <a:tint val="80000"/>
+                <a:satMod val="300000"/>
+              </a:schemeClr>
+            </a:gs>
+            <a:gs pos="100000">
+              <a:schemeClr val="phClr">
+                <a:shade val="30000"/>
+                <a:satMod val="200000"/>
+              </a:schemeClr>
+            </a:gs>
+          </a:gsLst>
+          <a:path path="circle">
+            <a:fillToRect l="50000" t="50000" r="50000" b="50000"/>
+          </a:path>
+        </a:gradFill>
+      </a:bgFillStyleLst>
+    </a:fmtScheme>
+  </a:themeElements>
+</a:theme>
+</file>
+
+<file path=ppt/theme/theme5.xml><?xml version="1.0" encoding="utf-8"?>
+<a:theme xmlns:a="http://schemas.openxmlformats.org/drawingml/2006/main" name="Office Theme">
+  <a:themeElements>
+    <a:clrScheme name="Office">
+      <a:dk1>
+        <a:sysClr val="windowText" lastClr="000000"/>
+      </a:dk1>
+      <a:lt1>
+        <a:sysClr val="window" lastClr="FFFFFF"/>
+      </a:lt1>
+      <a:dk2>
+        <a:srgbClr val="1f497d"/>
+      </a:dk2>
+      <a:lt2>
+        <a:srgbClr val="eeece1"/>
+      </a:lt2>
+      <a:accent1>
+        <a:srgbClr val="4f81bd"/>
+      </a:accent1>
+      <a:accent2>
+        <a:srgbClr val="c0504d"/>
+      </a:accent2>
+      <a:accent3>
+        <a:srgbClr val="9bbb59"/>
+      </a:accent3>
+      <a:accent4>
+        <a:srgbClr val="8064a2"/>
+      </a:accent4>
+      <a:accent5>
+        <a:srgbClr val="4bacc6"/>
+      </a:accent5>
+      <a:accent6>
+        <a:srgbClr val="f79646"/>
+      </a:accent6>
+      <a:hlink>
+        <a:srgbClr val="0000ff"/>
+      </a:hlink>
+      <a:folHlink>
+        <a:srgbClr val="800080"/>
+      </a:folHlink>
+    </a:clrScheme>
+    <a:fontScheme name="Office">
+      <a:majorFont>
+        <a:latin typeface="Arial"/>
+        <a:ea typeface="DejaVu Sans"/>
+        <a:cs typeface="DejaVu Sans"/>
+      </a:majorFont>
+      <a:minorFont>
+        <a:latin typeface="Arial"/>
+        <a:ea typeface="DejaVu Sans"/>
+        <a:cs typeface="DejaVu Sans"/>
+      </a:minorFont>
+    </a:fontScheme>
+    <a:fmtScheme name="Office">
+      <a:fillStyleLst>
+        <a:solidFill>
+          <a:schemeClr val="phClr"/>
+        </a:solidFill>
+        <a:gradFill rotWithShape="1">
+          <a:gsLst>
+            <a:gs pos="0">
+              <a:schemeClr val="phClr">
+                <a:tint val="50000"/>
+                <a:satMod val="300000"/>
+              </a:schemeClr>
+            </a:gs>
+            <a:gs pos="35000">
+              <a:schemeClr val="phClr">
+                <a:tint val="37000"/>
+                <a:satMod val="300000"/>
+              </a:schemeClr>
+            </a:gs>
+            <a:gs pos="100000">
+              <a:schemeClr val="phClr">
+                <a:tint val="15000"/>
+                <a:satMod val="350000"/>
+              </a:schemeClr>
+            </a:gs>
+          </a:gsLst>
+          <a:lin ang="16200000" scaled="1"/>
+        </a:gradFill>
+        <a:gradFill rotWithShape="1">
+          <a:gsLst>
+            <a:gs pos="0">
+              <a:schemeClr val="phClr">
+                <a:shade val="51000"/>
+                <a:satMod val="130000"/>
+              </a:schemeClr>
+            </a:gs>
+            <a:gs pos="80000">
+              <a:schemeClr val="phClr">
+                <a:shade val="93000"/>
+                <a:satMod val="130000"/>
+              </a:schemeClr>
+            </a:gs>
+            <a:gs pos="100000">
+              <a:schemeClr val="phClr">
+                <a:shade val="94000"/>
+                <a:satMod val="135000"/>
+              </a:schemeClr>
+            </a:gs>
+          </a:gsLst>
+          <a:lin ang="16200000" scaled="0"/>
+        </a:gradFill>
+      </a:fillStyleLst>
+      <a:lnStyleLst>
+        <a:ln w="9525" cap="flat" cmpd="sng" algn="ctr">
+          <a:solidFill>
+            <a:schemeClr val="phClr">
+              <a:shade val="95000"/>
+              <a:satMod val="105000"/>
+            </a:schemeClr>
+          </a:solidFill>
+          <a:prstDash val="solid"/>
+          <a:miter/>
+        </a:ln>
+        <a:ln w="25400" cap="flat" cmpd="sng" algn="ctr">
+          <a:solidFill>
+            <a:schemeClr val="phClr"/>
+          </a:solidFill>
+          <a:prstDash val="solid"/>
+          <a:miter/>
+        </a:ln>
+        <a:ln w="38100" cap="flat" cmpd="sng" algn="ctr">
+          <a:solidFill>
+            <a:schemeClr val="phClr"/>
+          </a:solidFill>
+          <a:prstDash val="solid"/>
+          <a:miter/>
+        </a:ln>
+      </a:lnStyleLst>
+      <a:effectStyleLst>
+        <a:effectStyle>
+          <a:effectLst>
+            <a:outerShdw blurRad="40000" dist="20000" dir="5400000" rotWithShape="0">
+              <a:srgbClr val="000000">
+                <a:alpha val="38000"/>
+              </a:srgbClr>
+            </a:outerShdw>
+          </a:effectLst>
+        </a:effectStyle>
+        <a:effectStyle>
+          <a:effectLst>
+            <a:outerShdw blurRad="40000" dist="23000" dir="5400000" rotWithShape="0">
+              <a:srgbClr val="000000">
+                <a:alpha val="35000"/>
+              </a:srgbClr>
+            </a:outerShdw>
+          </a:effectLst>
+        </a:effectStyle>
+        <a:effectStyle>
+          <a:effectLst>
+            <a:outerShdw blurRad="40000" dist="23000" dir="5400000" rotWithShape="0">
+              <a:srgbClr val="000000">
+                <a:alpha val="35000"/>
+              </a:srgbClr>
+            </a:outerShdw>
+          </a:effectLst>
+          <a:scene3d>
+            <a:camera prst="orthographicFront">
+              <a:rot lat="0" lon="0" rev="0"/>
+            </a:camera>
+            <a:lightRig rig="threePt" dir="t">
+              <a:rot lat="0" lon="0" rev="1200000"/>
+            </a:lightRig>
+          </a:scene3d>
+          <a:sp3d>
+            <a:bevelT w="63500" h="25400"/>
+          </a:sp3d>
+        </a:effectStyle>
+      </a:effectStyleLst>
+      <a:bgFillStyleLst>
+        <a:solidFill>
+          <a:schemeClr val="phClr"/>
+        </a:solidFill>
+        <a:gradFill rotWithShape="1">
+          <a:gsLst>
+            <a:gs pos="0">
+              <a:schemeClr val="phClr">
+                <a:tint val="40000"/>
+                <a:satMod val="350000"/>
+              </a:schemeClr>
+            </a:gs>
+            <a:gs pos="40000">
+              <a:schemeClr val="phClr">
+                <a:tint val="45000"/>
+                <a:shade val="99000"/>
+                <a:satMod val="350000"/>
+              </a:schemeClr>
+            </a:gs>
+            <a:gs pos="100000">
+              <a:schemeClr val="phClr">
+                <a:shade val="20000"/>
+                <a:satMod val="255000"/>
+              </a:schemeClr>
+            </a:gs>
+          </a:gsLst>
+          <a:path path="circle">
+            <a:fillToRect l="50000" t="-80000" r="50000" b="180000"/>
+          </a:path>
+        </a:gradFill>
+        <a:gradFill rotWithShape="1">
+          <a:gsLst>
+            <a:gs pos="0">
+              <a:schemeClr val="phClr">
+                <a:tint val="80000"/>
+                <a:satMod val="300000"/>
+              </a:schemeClr>
+            </a:gs>
+            <a:gs pos="100000">
+              <a:schemeClr val="phClr">
+                <a:shade val="30000"/>
+                <a:satMod val="200000"/>
+              </a:schemeClr>
+            </a:gs>
+          </a:gsLst>
+          <a:path path="circle">
+            <a:fillToRect l="50000" t="50000" r="50000" b="50000"/>
+          </a:path>
+        </a:gradFill>
+      </a:bgFillStyleLst>
+    </a:fmtScheme>
+  </a:themeElements>
+</a:theme>
 </file>
--- a/docs/metaverse.pptx
+++ b/docs/metaverse.pptx
@@ -17,6 +17,8 @@
     <p:sldId id="261" r:id="rId12"/>
     <p:sldId id="262" r:id="rId13"/>
     <p:sldId id="263" r:id="rId14"/>
+    <p:sldId id="264" r:id="rId15"/>
+    <p:sldId id="265" r:id="rId16"/>
   </p:sldIdLst>
   <p:sldSz cx="10080625" cy="5670550"/>
   <p:notesSz cx="7559675" cy="10691813"/>
@@ -3908,7 +3910,7 @@
       </p:grpSpPr>
       <p:sp>
         <p:nvSpPr>
-          <p:cNvPr id="125" name="PlaceHolder 1"/>
+          <p:cNvPr id="123" name="PlaceHolder 1"/>
           <p:cNvSpPr>
             <a:spLocks noGrp="1"/>
           </p:cNvSpPr>
@@ -3945,7 +3947,7 @@
       </p:sp>
       <p:sp>
         <p:nvSpPr>
-          <p:cNvPr id="126" name="PlaceHolder 2"/>
+          <p:cNvPr id="124" name="PlaceHolder 2"/>
           <p:cNvSpPr>
             <a:spLocks noGrp="1"/>
           </p:cNvSpPr>
@@ -4004,7 +4006,7 @@
       </p:grpSpPr>
       <p:sp>
         <p:nvSpPr>
-          <p:cNvPr id="127" name="PlaceHolder 1"/>
+          <p:cNvPr id="125" name="PlaceHolder 1"/>
           <p:cNvSpPr>
             <a:spLocks noGrp="1"/>
           </p:cNvSpPr>
@@ -4041,7 +4043,7 @@
       </p:sp>
       <p:sp>
         <p:nvSpPr>
-          <p:cNvPr id="128" name="PlaceHolder 2"/>
+          <p:cNvPr id="126" name="PlaceHolder 2"/>
           <p:cNvSpPr>
             <a:spLocks noGrp="1"/>
           </p:cNvSpPr>
@@ -4224,7 +4226,7 @@
       </p:grpSpPr>
       <p:sp>
         <p:nvSpPr>
-          <p:cNvPr id="129" name="PlaceHolder 1"/>
+          <p:cNvPr id="127" name="PlaceHolder 1"/>
           <p:cNvSpPr>
             <a:spLocks noGrp="1"/>
           </p:cNvSpPr>
@@ -4261,7 +4263,7 @@
       </p:sp>
       <p:sp>
         <p:nvSpPr>
-          <p:cNvPr id="130" name="PlaceHolder 2"/>
+          <p:cNvPr id="128" name="PlaceHolder 2"/>
           <p:cNvSpPr>
             <a:spLocks noGrp="1"/>
           </p:cNvSpPr>
@@ -4295,7 +4297,7 @@
       </p:sp>
       <p:sp>
         <p:nvSpPr>
-          <p:cNvPr id="131" name="PlaceHolder 3"/>
+          <p:cNvPr id="129" name="PlaceHolder 3"/>
           <p:cNvSpPr>
             <a:spLocks noGrp="1"/>
           </p:cNvSpPr>
@@ -4351,7 +4353,7 @@
       </p:grpSpPr>
       <p:sp>
         <p:nvSpPr>
-          <p:cNvPr id="132" name="PlaceHolder 1"/>
+          <p:cNvPr id="130" name="PlaceHolder 1"/>
           <p:cNvSpPr>
             <a:spLocks noGrp="1"/>
           </p:cNvSpPr>
@@ -4410,7 +4412,7 @@
       </p:grpSpPr>
       <p:sp>
         <p:nvSpPr>
-          <p:cNvPr id="133" name="PlaceHolder 1"/>
+          <p:cNvPr id="131" name="PlaceHolder 1"/>
           <p:cNvSpPr>
             <a:spLocks noGrp="1"/>
           </p:cNvSpPr>
@@ -4469,7 +4471,7 @@
       </p:grpSpPr>
       <p:sp>
         <p:nvSpPr>
-          <p:cNvPr id="134" name="PlaceHolder 1"/>
+          <p:cNvPr id="132" name="PlaceHolder 1"/>
           <p:cNvSpPr>
             <a:spLocks noGrp="1"/>
           </p:cNvSpPr>
@@ -4506,7 +4508,7 @@
       </p:sp>
       <p:sp>
         <p:nvSpPr>
-          <p:cNvPr id="135" name="PlaceHolder 2"/>
+          <p:cNvPr id="133" name="PlaceHolder 2"/>
           <p:cNvSpPr>
             <a:spLocks noGrp="1"/>
           </p:cNvSpPr>
@@ -4540,7 +4542,7 @@
       </p:sp>
       <p:sp>
         <p:nvSpPr>
-          <p:cNvPr id="136" name="PlaceHolder 3"/>
+          <p:cNvPr id="134" name="PlaceHolder 3"/>
           <p:cNvSpPr>
             <a:spLocks noGrp="1"/>
           </p:cNvSpPr>
@@ -4574,7 +4576,7 @@
       </p:sp>
       <p:sp>
         <p:nvSpPr>
-          <p:cNvPr id="137" name="PlaceHolder 4"/>
+          <p:cNvPr id="135" name="PlaceHolder 4"/>
           <p:cNvSpPr>
             <a:spLocks noGrp="1"/>
           </p:cNvSpPr>
@@ -4630,7 +4632,7 @@
       </p:grpSpPr>
       <p:sp>
         <p:nvSpPr>
-          <p:cNvPr id="138" name="PlaceHolder 1"/>
+          <p:cNvPr id="136" name="PlaceHolder 1"/>
           <p:cNvSpPr>
             <a:spLocks noGrp="1"/>
           </p:cNvSpPr>
@@ -4667,7 +4669,7 @@
       </p:sp>
       <p:sp>
         <p:nvSpPr>
-          <p:cNvPr id="139" name="PlaceHolder 2"/>
+          <p:cNvPr id="137" name="PlaceHolder 2"/>
           <p:cNvSpPr>
             <a:spLocks noGrp="1"/>
           </p:cNvSpPr>
@@ -4701,7 +4703,7 @@
       </p:sp>
       <p:sp>
         <p:nvSpPr>
-          <p:cNvPr id="140" name="PlaceHolder 3"/>
+          <p:cNvPr id="138" name="PlaceHolder 3"/>
           <p:cNvSpPr>
             <a:spLocks noGrp="1"/>
           </p:cNvSpPr>
@@ -4735,7 +4737,7 @@
       </p:sp>
       <p:sp>
         <p:nvSpPr>
-          <p:cNvPr id="141" name="PlaceHolder 4"/>
+          <p:cNvPr id="139" name="PlaceHolder 4"/>
           <p:cNvSpPr>
             <a:spLocks noGrp="1"/>
           </p:cNvSpPr>
@@ -4791,7 +4793,7 @@
       </p:grpSpPr>
       <p:sp>
         <p:nvSpPr>
-          <p:cNvPr id="142" name="PlaceHolder 1"/>
+          <p:cNvPr id="140" name="PlaceHolder 1"/>
           <p:cNvSpPr>
             <a:spLocks noGrp="1"/>
           </p:cNvSpPr>
@@ -4828,7 +4830,7 @@
       </p:sp>
       <p:sp>
         <p:nvSpPr>
-          <p:cNvPr id="143" name="PlaceHolder 2"/>
+          <p:cNvPr id="141" name="PlaceHolder 2"/>
           <p:cNvSpPr>
             <a:spLocks noGrp="1"/>
           </p:cNvSpPr>
@@ -4862,7 +4864,7 @@
       </p:sp>
       <p:sp>
         <p:nvSpPr>
-          <p:cNvPr id="144" name="PlaceHolder 3"/>
+          <p:cNvPr id="142" name="PlaceHolder 3"/>
           <p:cNvSpPr>
             <a:spLocks noGrp="1"/>
           </p:cNvSpPr>
@@ -4896,7 +4898,7 @@
       </p:sp>
       <p:sp>
         <p:nvSpPr>
-          <p:cNvPr id="145" name="PlaceHolder 4"/>
+          <p:cNvPr id="143" name="PlaceHolder 4"/>
           <p:cNvSpPr>
             <a:spLocks noGrp="1"/>
           </p:cNvSpPr>
@@ -4952,7 +4954,7 @@
       </p:grpSpPr>
       <p:sp>
         <p:nvSpPr>
-          <p:cNvPr id="146" name="PlaceHolder 1"/>
+          <p:cNvPr id="144" name="PlaceHolder 1"/>
           <p:cNvSpPr>
             <a:spLocks noGrp="1"/>
           </p:cNvSpPr>
@@ -4989,7 +4991,7 @@
       </p:sp>
       <p:sp>
         <p:nvSpPr>
-          <p:cNvPr id="147" name="PlaceHolder 2"/>
+          <p:cNvPr id="145" name="PlaceHolder 2"/>
           <p:cNvSpPr>
             <a:spLocks noGrp="1"/>
           </p:cNvSpPr>
@@ -5023,7 +5025,7 @@
       </p:sp>
       <p:sp>
         <p:nvSpPr>
-          <p:cNvPr id="148" name="PlaceHolder 3"/>
+          <p:cNvPr id="146" name="PlaceHolder 3"/>
           <p:cNvSpPr>
             <a:spLocks noGrp="1"/>
           </p:cNvSpPr>
@@ -5079,7 +5081,7 @@
       </p:grpSpPr>
       <p:sp>
         <p:nvSpPr>
-          <p:cNvPr id="149" name="PlaceHolder 1"/>
+          <p:cNvPr id="147" name="PlaceHolder 1"/>
           <p:cNvSpPr>
             <a:spLocks noGrp="1"/>
           </p:cNvSpPr>
@@ -5116,7 +5118,7 @@
       </p:sp>
       <p:sp>
         <p:nvSpPr>
-          <p:cNvPr id="150" name="PlaceHolder 2"/>
+          <p:cNvPr id="148" name="PlaceHolder 2"/>
           <p:cNvSpPr>
             <a:spLocks noGrp="1"/>
           </p:cNvSpPr>
@@ -5150,7 +5152,7 @@
       </p:sp>
       <p:sp>
         <p:nvSpPr>
-          <p:cNvPr id="151" name="PlaceHolder 3"/>
+          <p:cNvPr id="149" name="PlaceHolder 3"/>
           <p:cNvSpPr>
             <a:spLocks noGrp="1"/>
           </p:cNvSpPr>
@@ -5184,7 +5186,7 @@
       </p:sp>
       <p:sp>
         <p:nvSpPr>
-          <p:cNvPr id="152" name="PlaceHolder 4"/>
+          <p:cNvPr id="150" name="PlaceHolder 4"/>
           <p:cNvSpPr>
             <a:spLocks noGrp="1"/>
           </p:cNvSpPr>
@@ -5218,7 +5220,7 @@
       </p:sp>
       <p:sp>
         <p:nvSpPr>
-          <p:cNvPr id="153" name="PlaceHolder 5"/>
+          <p:cNvPr id="151" name="PlaceHolder 5"/>
           <p:cNvSpPr>
             <a:spLocks noGrp="1"/>
           </p:cNvSpPr>
@@ -5274,7 +5276,7 @@
       </p:grpSpPr>
       <p:sp>
         <p:nvSpPr>
-          <p:cNvPr id="154" name="PlaceHolder 1"/>
+          <p:cNvPr id="152" name="PlaceHolder 1"/>
           <p:cNvSpPr>
             <a:spLocks noGrp="1"/>
           </p:cNvSpPr>
@@ -5311,7 +5313,7 @@
       </p:sp>
       <p:sp>
         <p:nvSpPr>
-          <p:cNvPr id="155" name="PlaceHolder 2"/>
+          <p:cNvPr id="153" name="PlaceHolder 2"/>
           <p:cNvSpPr>
             <a:spLocks noGrp="1"/>
           </p:cNvSpPr>
@@ -5345,7 +5347,7 @@
       </p:sp>
       <p:sp>
         <p:nvSpPr>
-          <p:cNvPr id="156" name="PlaceHolder 3"/>
+          <p:cNvPr id="154" name="PlaceHolder 3"/>
           <p:cNvSpPr>
             <a:spLocks noGrp="1"/>
           </p:cNvSpPr>
@@ -5379,7 +5381,7 @@
       </p:sp>
       <p:sp>
         <p:nvSpPr>
-          <p:cNvPr id="157" name="PlaceHolder 4"/>
+          <p:cNvPr id="155" name="PlaceHolder 4"/>
           <p:cNvSpPr>
             <a:spLocks noGrp="1"/>
           </p:cNvSpPr>
@@ -5413,7 +5415,7 @@
       </p:sp>
       <p:sp>
         <p:nvSpPr>
-          <p:cNvPr id="158" name="PlaceHolder 5"/>
+          <p:cNvPr id="156" name="PlaceHolder 5"/>
           <p:cNvSpPr>
             <a:spLocks noGrp="1"/>
           </p:cNvSpPr>
@@ -5447,7 +5449,7 @@
       </p:sp>
       <p:sp>
         <p:nvSpPr>
-          <p:cNvPr id="159" name="PlaceHolder 6"/>
+          <p:cNvPr id="157" name="PlaceHolder 6"/>
           <p:cNvSpPr>
             <a:spLocks noGrp="1"/>
           </p:cNvSpPr>
@@ -5481,7 +5483,7 @@
       </p:sp>
       <p:sp>
         <p:nvSpPr>
-          <p:cNvPr id="160" name="PlaceHolder 7"/>
+          <p:cNvPr id="158" name="PlaceHolder 7"/>
           <p:cNvSpPr>
             <a:spLocks noGrp="1"/>
           </p:cNvSpPr>
@@ -5618,7 +5620,7 @@
       </p:grpSpPr>
       <p:sp>
         <p:nvSpPr>
-          <p:cNvPr id="165" name="PlaceHolder 1"/>
+          <p:cNvPr id="163" name="PlaceHolder 1"/>
           <p:cNvSpPr>
             <a:spLocks noGrp="1"/>
           </p:cNvSpPr>
@@ -5655,7 +5657,7 @@
       </p:sp>
       <p:sp>
         <p:nvSpPr>
-          <p:cNvPr id="166" name="PlaceHolder 2"/>
+          <p:cNvPr id="164" name="PlaceHolder 2"/>
           <p:cNvSpPr>
             <a:spLocks noGrp="1"/>
           </p:cNvSpPr>
@@ -5714,7 +5716,7 @@
       </p:grpSpPr>
       <p:sp>
         <p:nvSpPr>
-          <p:cNvPr id="167" name="PlaceHolder 1"/>
+          <p:cNvPr id="165" name="PlaceHolder 1"/>
           <p:cNvSpPr>
             <a:spLocks noGrp="1"/>
           </p:cNvSpPr>
@@ -5751,7 +5753,7 @@
       </p:sp>
       <p:sp>
         <p:nvSpPr>
-          <p:cNvPr id="168" name="PlaceHolder 2"/>
+          <p:cNvPr id="166" name="PlaceHolder 2"/>
           <p:cNvSpPr>
             <a:spLocks noGrp="1"/>
           </p:cNvSpPr>
@@ -5807,7 +5809,7 @@
       </p:grpSpPr>
       <p:sp>
         <p:nvSpPr>
-          <p:cNvPr id="169" name="PlaceHolder 1"/>
+          <p:cNvPr id="167" name="PlaceHolder 1"/>
           <p:cNvSpPr>
             <a:spLocks noGrp="1"/>
           </p:cNvSpPr>
@@ -5844,7 +5846,7 @@
       </p:sp>
       <p:sp>
         <p:nvSpPr>
-          <p:cNvPr id="170" name="PlaceHolder 2"/>
+          <p:cNvPr id="168" name="PlaceHolder 2"/>
           <p:cNvSpPr>
             <a:spLocks noGrp="1"/>
           </p:cNvSpPr>
@@ -5878,7 +5880,7 @@
       </p:sp>
       <p:sp>
         <p:nvSpPr>
-          <p:cNvPr id="171" name="PlaceHolder 3"/>
+          <p:cNvPr id="169" name="PlaceHolder 3"/>
           <p:cNvSpPr>
             <a:spLocks noGrp="1"/>
           </p:cNvSpPr>
@@ -5934,7 +5936,7 @@
       </p:grpSpPr>
       <p:sp>
         <p:nvSpPr>
-          <p:cNvPr id="172" name="PlaceHolder 1"/>
+          <p:cNvPr id="170" name="PlaceHolder 1"/>
           <p:cNvSpPr>
             <a:spLocks noGrp="1"/>
           </p:cNvSpPr>
@@ -5993,7 +5995,7 @@
       </p:grpSpPr>
       <p:sp>
         <p:nvSpPr>
-          <p:cNvPr id="173" name="PlaceHolder 1"/>
+          <p:cNvPr id="171" name="PlaceHolder 1"/>
           <p:cNvSpPr>
             <a:spLocks noGrp="1"/>
           </p:cNvSpPr>
@@ -6052,7 +6054,7 @@
       </p:grpSpPr>
       <p:sp>
         <p:nvSpPr>
-          <p:cNvPr id="174" name="PlaceHolder 1"/>
+          <p:cNvPr id="172" name="PlaceHolder 1"/>
           <p:cNvSpPr>
             <a:spLocks noGrp="1"/>
           </p:cNvSpPr>
@@ -6089,7 +6091,7 @@
       </p:sp>
       <p:sp>
         <p:nvSpPr>
-          <p:cNvPr id="175" name="PlaceHolder 2"/>
+          <p:cNvPr id="173" name="PlaceHolder 2"/>
           <p:cNvSpPr>
             <a:spLocks noGrp="1"/>
           </p:cNvSpPr>
@@ -6123,7 +6125,7 @@
       </p:sp>
       <p:sp>
         <p:nvSpPr>
-          <p:cNvPr id="176" name="PlaceHolder 3"/>
+          <p:cNvPr id="174" name="PlaceHolder 3"/>
           <p:cNvSpPr>
             <a:spLocks noGrp="1"/>
           </p:cNvSpPr>
@@ -6157,7 +6159,7 @@
       </p:sp>
       <p:sp>
         <p:nvSpPr>
-          <p:cNvPr id="177" name="PlaceHolder 4"/>
+          <p:cNvPr id="175" name="PlaceHolder 4"/>
           <p:cNvSpPr>
             <a:spLocks noGrp="1"/>
           </p:cNvSpPr>
@@ -6213,7 +6215,7 @@
       </p:grpSpPr>
       <p:sp>
         <p:nvSpPr>
-          <p:cNvPr id="178" name="PlaceHolder 1"/>
+          <p:cNvPr id="176" name="PlaceHolder 1"/>
           <p:cNvSpPr>
             <a:spLocks noGrp="1"/>
           </p:cNvSpPr>
@@ -6250,7 +6252,7 @@
       </p:sp>
       <p:sp>
         <p:nvSpPr>
-          <p:cNvPr id="179" name="PlaceHolder 2"/>
+          <p:cNvPr id="177" name="PlaceHolder 2"/>
           <p:cNvSpPr>
             <a:spLocks noGrp="1"/>
           </p:cNvSpPr>
@@ -6284,7 +6286,7 @@
       </p:sp>
       <p:sp>
         <p:nvSpPr>
-          <p:cNvPr id="180" name="PlaceHolder 3"/>
+          <p:cNvPr id="178" name="PlaceHolder 3"/>
           <p:cNvSpPr>
             <a:spLocks noGrp="1"/>
           </p:cNvSpPr>
@@ -6318,7 +6320,7 @@
       </p:sp>
       <p:sp>
         <p:nvSpPr>
-          <p:cNvPr id="181" name="PlaceHolder 4"/>
+          <p:cNvPr id="179" name="PlaceHolder 4"/>
           <p:cNvSpPr>
             <a:spLocks noGrp="1"/>
           </p:cNvSpPr>
@@ -6374,7 +6376,7 @@
       </p:grpSpPr>
       <p:sp>
         <p:nvSpPr>
-          <p:cNvPr id="182" name="PlaceHolder 1"/>
+          <p:cNvPr id="180" name="PlaceHolder 1"/>
           <p:cNvSpPr>
             <a:spLocks noGrp="1"/>
           </p:cNvSpPr>
@@ -6411,7 +6413,7 @@
       </p:sp>
       <p:sp>
         <p:nvSpPr>
-          <p:cNvPr id="183" name="PlaceHolder 2"/>
+          <p:cNvPr id="181" name="PlaceHolder 2"/>
           <p:cNvSpPr>
             <a:spLocks noGrp="1"/>
           </p:cNvSpPr>
@@ -6445,7 +6447,7 @@
       </p:sp>
       <p:sp>
         <p:nvSpPr>
-          <p:cNvPr id="184" name="PlaceHolder 3"/>
+          <p:cNvPr id="182" name="PlaceHolder 3"/>
           <p:cNvSpPr>
             <a:spLocks noGrp="1"/>
           </p:cNvSpPr>
@@ -6479,7 +6481,7 @@
       </p:sp>
       <p:sp>
         <p:nvSpPr>
-          <p:cNvPr id="185" name="PlaceHolder 4"/>
+          <p:cNvPr id="183" name="PlaceHolder 4"/>
           <p:cNvSpPr>
             <a:spLocks noGrp="1"/>
           </p:cNvSpPr>
@@ -6535,7 +6537,7 @@
       </p:grpSpPr>
       <p:sp>
         <p:nvSpPr>
-          <p:cNvPr id="186" name="PlaceHolder 1"/>
+          <p:cNvPr id="184" name="PlaceHolder 1"/>
           <p:cNvSpPr>
             <a:spLocks noGrp="1"/>
           </p:cNvSpPr>
@@ -6572,7 +6574,7 @@
       </p:sp>
       <p:sp>
         <p:nvSpPr>
-          <p:cNvPr id="187" name="PlaceHolder 2"/>
+          <p:cNvPr id="185" name="PlaceHolder 2"/>
           <p:cNvSpPr>
             <a:spLocks noGrp="1"/>
           </p:cNvSpPr>
@@ -6606,7 +6608,7 @@
       </p:sp>
       <p:sp>
         <p:nvSpPr>
-          <p:cNvPr id="188" name="PlaceHolder 3"/>
+          <p:cNvPr id="186" name="PlaceHolder 3"/>
           <p:cNvSpPr>
             <a:spLocks noGrp="1"/>
           </p:cNvSpPr>
@@ -6662,7 +6664,7 @@
       </p:grpSpPr>
       <p:sp>
         <p:nvSpPr>
-          <p:cNvPr id="189" name="PlaceHolder 1"/>
+          <p:cNvPr id="187" name="PlaceHolder 1"/>
           <p:cNvSpPr>
             <a:spLocks noGrp="1"/>
           </p:cNvSpPr>
@@ -6699,7 +6701,7 @@
       </p:sp>
       <p:sp>
         <p:nvSpPr>
-          <p:cNvPr id="190" name="PlaceHolder 2"/>
+          <p:cNvPr id="188" name="PlaceHolder 2"/>
           <p:cNvSpPr>
             <a:spLocks noGrp="1"/>
           </p:cNvSpPr>
@@ -6733,7 +6735,7 @@
       </p:sp>
       <p:sp>
         <p:nvSpPr>
-          <p:cNvPr id="191" name="PlaceHolder 3"/>
+          <p:cNvPr id="189" name="PlaceHolder 3"/>
           <p:cNvSpPr>
             <a:spLocks noGrp="1"/>
           </p:cNvSpPr>
@@ -6767,7 +6769,7 @@
       </p:sp>
       <p:sp>
         <p:nvSpPr>
-          <p:cNvPr id="192" name="PlaceHolder 4"/>
+          <p:cNvPr id="190" name="PlaceHolder 4"/>
           <p:cNvSpPr>
             <a:spLocks noGrp="1"/>
           </p:cNvSpPr>
@@ -6801,7 +6803,7 @@
       </p:sp>
       <p:sp>
         <p:nvSpPr>
-          <p:cNvPr id="193" name="PlaceHolder 5"/>
+          <p:cNvPr id="191" name="PlaceHolder 5"/>
           <p:cNvSpPr>
             <a:spLocks noGrp="1"/>
           </p:cNvSpPr>
@@ -6916,7 +6918,7 @@
       </p:grpSpPr>
       <p:sp>
         <p:nvSpPr>
-          <p:cNvPr id="194" name="PlaceHolder 1"/>
+          <p:cNvPr id="192" name="PlaceHolder 1"/>
           <p:cNvSpPr>
             <a:spLocks noGrp="1"/>
           </p:cNvSpPr>
@@ -6953,7 +6955,7 @@
       </p:sp>
       <p:sp>
         <p:nvSpPr>
-          <p:cNvPr id="195" name="PlaceHolder 2"/>
+          <p:cNvPr id="193" name="PlaceHolder 2"/>
           <p:cNvSpPr>
             <a:spLocks noGrp="1"/>
           </p:cNvSpPr>
@@ -6987,7 +6989,7 @@
       </p:sp>
       <p:sp>
         <p:nvSpPr>
-          <p:cNvPr id="196" name="PlaceHolder 3"/>
+          <p:cNvPr id="194" name="PlaceHolder 3"/>
           <p:cNvSpPr>
             <a:spLocks noGrp="1"/>
           </p:cNvSpPr>
@@ -7021,7 +7023,7 @@
       </p:sp>
       <p:sp>
         <p:nvSpPr>
-          <p:cNvPr id="197" name="PlaceHolder 4"/>
+          <p:cNvPr id="195" name="PlaceHolder 4"/>
           <p:cNvSpPr>
             <a:spLocks noGrp="1"/>
           </p:cNvSpPr>
@@ -7055,7 +7057,7 @@
       </p:sp>
       <p:sp>
         <p:nvSpPr>
-          <p:cNvPr id="198" name="PlaceHolder 5"/>
+          <p:cNvPr id="196" name="PlaceHolder 5"/>
           <p:cNvSpPr>
             <a:spLocks noGrp="1"/>
           </p:cNvSpPr>
@@ -7089,7 +7091,7 @@
       </p:sp>
       <p:sp>
         <p:nvSpPr>
-          <p:cNvPr id="199" name="PlaceHolder 6"/>
+          <p:cNvPr id="197" name="PlaceHolder 6"/>
           <p:cNvSpPr>
             <a:spLocks noGrp="1"/>
           </p:cNvSpPr>
@@ -7123,7 +7125,7 @@
       </p:sp>
       <p:sp>
         <p:nvSpPr>
-          <p:cNvPr id="200" name="PlaceHolder 7"/>
+          <p:cNvPr id="198" name="PlaceHolder 7"/>
           <p:cNvSpPr>
             <a:spLocks noGrp="1"/>
           </p:cNvSpPr>
@@ -7668,8 +7670,8 @@
         </p:nvSpPr>
         <p:spPr>
           <a:xfrm flipH="1" flipV="1">
-            <a:off x="-720" y="4499280"/>
-            <a:ext cx="10079280" cy="1169280"/>
+            <a:off x="-1440" y="4498560"/>
+            <a:ext cx="10078920" cy="1168920"/>
           </a:xfrm>
           <a:prstGeom prst="flowChartDocument">
             <a:avLst/>
@@ -7683,7 +7685,7 @@
                 <a:srgbClr val="009bdd"/>
               </a:gs>
             </a:gsLst>
-            <a:lin ang="10800000"/>
+            <a:lin ang="0"/>
           </a:gradFill>
           <a:ln w="18000">
             <a:noFill/>
@@ -7784,13 +7786,13 @@
               <a:rPr b="0" lang="en-US" sz="3200" spc="-1" strike="noStrike">
                 <a:latin typeface="Arial"/>
               </a:rPr>
-              <a:t>Click to edit the outline </a:t>
+              <a:t>Click to edit the </a:t>
             </a:r>
             <a:r>
               <a:rPr b="0" lang="en-US" sz="3200" spc="-1" strike="noStrike">
                 <a:latin typeface="Arial"/>
               </a:rPr>
-              <a:t>text format</a:t>
+              <a:t>outline text format</a:t>
             </a:r>
             <a:endParaRPr b="0" lang="en-US" sz="3200" spc="-1" strike="noStrike">
               <a:latin typeface="Arial"/>
@@ -7900,7 +7902,13 @@
               <a:rPr b="0" lang="en-US" sz="2000" spc="-1" strike="noStrike">
                 <a:latin typeface="Arial"/>
               </a:rPr>
-              <a:t>Sixth Outline Level</a:t>
+              <a:t>Sixth Outline </a:t>
+            </a:r>
+            <a:r>
+              <a:rPr b="0" lang="en-US" sz="2000" spc="-1" strike="noStrike">
+                <a:latin typeface="Arial"/>
+              </a:rPr>
+              <a:t>Level</a:t>
             </a:r>
             <a:endParaRPr b="0" lang="en-US" sz="2000" spc="-1" strike="noStrike">
               <a:latin typeface="Arial"/>
@@ -7928,7 +7936,13 @@
               <a:rPr b="0" lang="en-US" sz="2000" spc="-1" strike="noStrike">
                 <a:latin typeface="Arial"/>
               </a:rPr>
-              <a:t>Outline Level</a:t>
+              <a:t>Outline </a:t>
+            </a:r>
+            <a:r>
+              <a:rPr b="0" lang="en-US" sz="2000" spc="-1" strike="noStrike">
+                <a:latin typeface="Arial"/>
+              </a:rPr>
+              <a:t>Level</a:t>
             </a:r>
             <a:endParaRPr b="0" lang="en-US" sz="2000" spc="-1" strike="noStrike">
               <a:latin typeface="Arial"/>
@@ -7982,7 +7996,7 @@
         <p:spPr>
           <a:xfrm>
             <a:off x="0" y="0"/>
-            <a:ext cx="10076040" cy="719280"/>
+            <a:ext cx="10075680" cy="718920"/>
           </a:xfrm>
           <a:prstGeom prst="rect">
             <a:avLst/>
@@ -8023,7 +8037,7 @@
         <p:spPr>
           <a:xfrm>
             <a:off x="3240" y="5040000"/>
-            <a:ext cx="10076040" cy="630720"/>
+            <a:ext cx="10075680" cy="630360"/>
           </a:xfrm>
           <a:prstGeom prst="rect">
             <a:avLst/>
@@ -8351,7 +8365,7 @@
         <p:spPr>
           <a:xfrm>
             <a:off x="0" y="0"/>
-            <a:ext cx="10076040" cy="719280"/>
+            <a:ext cx="10075680" cy="718920"/>
           </a:xfrm>
           <a:prstGeom prst="rect">
             <a:avLst/>
@@ -8392,7 +8406,7 @@
         <p:spPr>
           <a:xfrm>
             <a:off x="3240" y="5040000"/>
-            <a:ext cx="10076040" cy="630720"/>
+            <a:ext cx="10075680" cy="630360"/>
           </a:xfrm>
           <a:prstGeom prst="rect">
             <a:avLst/>
@@ -8510,13 +8524,13 @@
               <a:rPr b="0" lang="en-US" sz="3200" spc="-1" strike="noStrike">
                 <a:latin typeface="Arial"/>
               </a:rPr>
-              <a:t>Click to edit the outline </a:t>
+              <a:t>Click to edit the </a:t>
             </a:r>
             <a:r>
               <a:rPr b="0" lang="en-US" sz="3200" spc="-1" strike="noStrike">
                 <a:latin typeface="Arial"/>
               </a:rPr>
-              <a:t>text format</a:t>
+              <a:t>outline text format</a:t>
             </a:r>
             <a:endParaRPr b="0" lang="en-US" sz="3200" spc="-1" strike="noStrike">
               <a:latin typeface="Arial"/>
@@ -8660,7 +8674,13 @@
               <a:rPr b="0" lang="en-US" sz="2000" spc="-1" strike="noStrike">
                 <a:latin typeface="Arial"/>
               </a:rPr>
-              <a:t>Outline Level</a:t>
+              <a:t>Outline </a:t>
+            </a:r>
+            <a:r>
+              <a:rPr b="0" lang="en-US" sz="2000" spc="-1" strike="noStrike">
+                <a:latin typeface="Arial"/>
+              </a:rPr>
+              <a:t>Level</a:t>
             </a:r>
             <a:endParaRPr b="0" lang="en-US" sz="2000" spc="-1" strike="noStrike">
               <a:latin typeface="Arial"/>
@@ -8714,7 +8734,7 @@
         <p:spPr>
           <a:xfrm>
             <a:off x="0" y="0"/>
-            <a:ext cx="10076040" cy="719280"/>
+            <a:ext cx="10075680" cy="718920"/>
           </a:xfrm>
           <a:prstGeom prst="rect">
             <a:avLst/>
@@ -8755,7 +8775,7 @@
         <p:spPr>
           <a:xfrm>
             <a:off x="3240" y="5040000"/>
-            <a:ext cx="10076040" cy="630720"/>
+            <a:ext cx="10075680" cy="630360"/>
           </a:xfrm>
           <a:prstGeom prst="rect">
             <a:avLst/>
@@ -8800,7 +8820,7 @@
         <p:spPr>
           <a:xfrm>
             <a:off x="504000" y="226080"/>
-            <a:ext cx="9071640" cy="946080"/>
+            <a:ext cx="9072000" cy="946440"/>
           </a:xfrm>
           <a:prstGeom prst="rect">
             <a:avLst/>
@@ -8815,13 +8835,16 @@
             <a:noAutofit/>
           </a:bodyPr>
           <a:p>
+            <a:pPr algn="ctr">
+              <a:buNone/>
+            </a:pPr>
             <a:r>
-              <a:rPr b="0" lang="en-US" sz="1800" spc="-1" strike="noStrike">
+              <a:rPr b="0" lang="en-US" sz="4400" spc="-1" strike="noStrike">
                 <a:latin typeface="Arial"/>
               </a:rPr>
               <a:t>Click to edit the title text format</a:t>
             </a:r>
-            <a:endParaRPr b="0" lang="en-US" sz="1800" spc="-1" strike="noStrike">
+            <a:endParaRPr b="0" lang="en-US" sz="4400" spc="-1" strike="noStrike">
               <a:latin typeface="Arial"/>
             </a:endParaRPr>
           </a:p>
@@ -8840,19 +8863,19 @@
         <p:spPr>
           <a:xfrm>
             <a:off x="504000" y="1326600"/>
-            <a:ext cx="4426560" cy="1568160"/>
-          </a:xfrm>
-          <a:prstGeom prst="rect">
-            <a:avLst/>
-          </a:prstGeom>
-          <a:noFill/>
-          <a:ln w="0">
-            <a:noFill/>
-          </a:ln>
-        </p:spPr>
-        <p:txBody>
-          <a:bodyPr lIns="0" rIns="0" tIns="0" bIns="0" anchor="t">
-            <a:normAutofit fontScale="66000"/>
+            <a:ext cx="9072000" cy="3288600"/>
+          </a:xfrm>
+          <a:prstGeom prst="rect">
+            <a:avLst/>
+          </a:prstGeom>
+          <a:noFill/>
+          <a:ln w="0">
+            <a:noFill/>
+          </a:ln>
+        </p:spPr>
+        <p:txBody>
+          <a:bodyPr lIns="0" rIns="0" tIns="0" bIns="0" anchor="t">
+            <a:normAutofit/>
           </a:bodyPr>
           <a:p>
             <a:pPr marL="432000" indent="-324000">
@@ -8867,12 +8890,18 @@
               <a:buChar char=""/>
             </a:pPr>
             <a:r>
-              <a:rPr b="0" lang="en-US" sz="1800" spc="-1" strike="noStrike">
+              <a:rPr b="0" lang="en-US" sz="3200" spc="-1" strike="noStrike">
                 <a:latin typeface="Arial"/>
               </a:rPr>
-              <a:t>Click to edit the outline text format</a:t>
+              <a:t>Click to edit the </a:t>
             </a:r>
-            <a:endParaRPr b="0" lang="en-US" sz="1800" spc="-1" strike="noStrike">
+            <a:r>
+              <a:rPr b="0" lang="en-US" sz="3200" spc="-1" strike="noStrike">
+                <a:latin typeface="Arial"/>
+              </a:rPr>
+              <a:t>outline text format</a:t>
+            </a:r>
+            <a:endParaRPr b="0" lang="en-US" sz="3200" spc="-1" strike="noStrike">
               <a:latin typeface="Arial"/>
             </a:endParaRPr>
           </a:p>
@@ -8889,12 +8918,12 @@
               <a:buChar char=""/>
             </a:pPr>
             <a:r>
-              <a:rPr b="0" lang="en-US" sz="1800" spc="-1" strike="noStrike">
+              <a:rPr b="0" lang="en-US" sz="2800" spc="-1" strike="noStrike">
                 <a:latin typeface="Arial"/>
               </a:rPr>
               <a:t>Second Outline Level</a:t>
             </a:r>
-            <a:endParaRPr b="0" lang="en-US" sz="1800" spc="-1" strike="noStrike">
+            <a:endParaRPr b="0" lang="en-US" sz="2800" spc="-1" strike="noStrike">
               <a:latin typeface="Arial"/>
             </a:endParaRPr>
           </a:p>
@@ -8911,12 +8940,12 @@
               <a:buChar char=""/>
             </a:pPr>
             <a:r>
-              <a:rPr b="0" lang="en-US" sz="1800" spc="-1" strike="noStrike">
+              <a:rPr b="0" lang="en-US" sz="2400" spc="-1" strike="noStrike">
                 <a:latin typeface="Arial"/>
               </a:rPr>
               <a:t>Third Outline Level</a:t>
             </a:r>
-            <a:endParaRPr b="0" lang="en-US" sz="1800" spc="-1" strike="noStrike">
+            <a:endParaRPr b="0" lang="en-US" sz="2400" spc="-1" strike="noStrike">
               <a:latin typeface="Arial"/>
             </a:endParaRPr>
           </a:p>
@@ -8933,12 +8962,12 @@
               <a:buChar char=""/>
             </a:pPr>
             <a:r>
-              <a:rPr b="0" lang="en-US" sz="1800" spc="-1" strike="noStrike">
+              <a:rPr b="0" lang="en-US" sz="2000" spc="-1" strike="noStrike">
                 <a:latin typeface="Arial"/>
               </a:rPr>
               <a:t>Fourth Outline Level</a:t>
             </a:r>
-            <a:endParaRPr b="0" lang="en-US" sz="1800" spc="-1" strike="noStrike">
+            <a:endParaRPr b="0" lang="en-US" sz="2000" spc="-1" strike="noStrike">
               <a:latin typeface="Arial"/>
             </a:endParaRPr>
           </a:p>
@@ -8955,12 +8984,12 @@
               <a:buChar char=""/>
             </a:pPr>
             <a:r>
-              <a:rPr b="0" lang="en-US" sz="1800" spc="-1" strike="noStrike">
+              <a:rPr b="0" lang="en-US" sz="2000" spc="-1" strike="noStrike">
                 <a:latin typeface="Arial"/>
               </a:rPr>
               <a:t>Fifth Outline Level</a:t>
             </a:r>
-            <a:endParaRPr b="0" lang="en-US" sz="1800" spc="-1" strike="noStrike">
+            <a:endParaRPr b="0" lang="en-US" sz="2000" spc="-1" strike="noStrike">
               <a:latin typeface="Arial"/>
             </a:endParaRPr>
           </a:p>
@@ -8977,12 +9006,18 @@
               <a:buChar char=""/>
             </a:pPr>
             <a:r>
-              <a:rPr b="0" lang="en-US" sz="1800" spc="-1" strike="noStrike">
+              <a:rPr b="0" lang="en-US" sz="2000" spc="-1" strike="noStrike">
                 <a:latin typeface="Arial"/>
               </a:rPr>
-              <a:t>Sixth Outline Level</a:t>
+              <a:t>Sixth Outline </a:t>
             </a:r>
-            <a:endParaRPr b="0" lang="en-US" sz="1800" spc="-1" strike="noStrike">
+            <a:r>
+              <a:rPr b="0" lang="en-US" sz="2000" spc="-1" strike="noStrike">
+                <a:latin typeface="Arial"/>
+              </a:rPr>
+              <a:t>Level</a:t>
+            </a:r>
+            <a:endParaRPr b="0" lang="en-US" sz="2000" spc="-1" strike="noStrike">
               <a:latin typeface="Arial"/>
             </a:endParaRPr>
           </a:p>
@@ -8999,390 +9034,24 @@
               <a:buChar char=""/>
             </a:pPr>
             <a:r>
-              <a:rPr b="0" lang="en-US" sz="1800" spc="-1" strike="noStrike">
-                <a:latin typeface="Arial"/>
-              </a:rPr>
-              <a:t>Seventh Outline Level</a:t>
-            </a:r>
-            <a:endParaRPr b="0" lang="en-US" sz="1800" spc="-1" strike="noStrike">
-              <a:latin typeface="Arial"/>
-            </a:endParaRPr>
-          </a:p>
-        </p:txBody>
-      </p:sp>
-      <p:sp>
-        <p:nvSpPr>
-          <p:cNvPr id="123" name="PlaceHolder 3"/>
-          <p:cNvSpPr>
-            <a:spLocks noGrp="1"/>
-          </p:cNvSpPr>
-          <p:nvPr>
-            <p:ph type="body"/>
-          </p:nvPr>
-        </p:nvSpPr>
-        <p:spPr>
-          <a:xfrm>
-            <a:off x="5152680" y="1326600"/>
-            <a:ext cx="4426560" cy="3288240"/>
-          </a:xfrm>
-          <a:prstGeom prst="rect">
-            <a:avLst/>
-          </a:prstGeom>
-          <a:noFill/>
-          <a:ln w="0">
-            <a:noFill/>
-          </a:ln>
-        </p:spPr>
-        <p:txBody>
-          <a:bodyPr lIns="0" rIns="0" tIns="0" bIns="0" anchor="t">
-            <a:normAutofit/>
-          </a:bodyPr>
-          <a:p>
-            <a:pPr marL="432000" indent="-324000">
-              <a:spcBef>
-                <a:spcPts val="1417"/>
-              </a:spcBef>
-              <a:buClr>
-                <a:srgbClr val="000000"/>
-              </a:buClr>
-              <a:buSzPct val="45000"/>
-              <a:buFont typeface="Wingdings" charset="2"/>
-              <a:buChar char=""/>
-            </a:pPr>
-            <a:r>
-              <a:rPr b="0" lang="en-US" sz="1800" spc="-1" strike="noStrike">
-                <a:latin typeface="Arial"/>
-              </a:rPr>
-              <a:t>Click to edit the outline text format</a:t>
-            </a:r>
-            <a:endParaRPr b="0" lang="en-US" sz="1800" spc="-1" strike="noStrike">
-              <a:latin typeface="Arial"/>
-            </a:endParaRPr>
-          </a:p>
-          <a:p>
-            <a:pPr lvl="1" marL="864000" indent="-324000">
-              <a:spcBef>
-                <a:spcPts val="1134"/>
-              </a:spcBef>
-              <a:buClr>
-                <a:srgbClr val="000000"/>
-              </a:buClr>
-              <a:buSzPct val="75000"/>
-              <a:buFont typeface="Symbol" charset="2"/>
-              <a:buChar char=""/>
-            </a:pPr>
-            <a:r>
-              <a:rPr b="0" lang="en-US" sz="1800" spc="-1" strike="noStrike">
-                <a:latin typeface="Arial"/>
-              </a:rPr>
-              <a:t>Second Outline Level</a:t>
-            </a:r>
-            <a:endParaRPr b="0" lang="en-US" sz="1800" spc="-1" strike="noStrike">
-              <a:latin typeface="Arial"/>
-            </a:endParaRPr>
-          </a:p>
-          <a:p>
-            <a:pPr lvl="2" marL="1296000" indent="-288000">
-              <a:spcBef>
-                <a:spcPts val="850"/>
-              </a:spcBef>
-              <a:buClr>
-                <a:srgbClr val="000000"/>
-              </a:buClr>
-              <a:buSzPct val="45000"/>
-              <a:buFont typeface="Wingdings" charset="2"/>
-              <a:buChar char=""/>
-            </a:pPr>
-            <a:r>
-              <a:rPr b="0" lang="en-US" sz="1800" spc="-1" strike="noStrike">
-                <a:latin typeface="Arial"/>
-              </a:rPr>
-              <a:t>Third Outline Level</a:t>
-            </a:r>
-            <a:endParaRPr b="0" lang="en-US" sz="1800" spc="-1" strike="noStrike">
-              <a:latin typeface="Arial"/>
-            </a:endParaRPr>
-          </a:p>
-          <a:p>
-            <a:pPr lvl="3" marL="1728000" indent="-216000">
-              <a:spcBef>
-                <a:spcPts val="567"/>
-              </a:spcBef>
-              <a:buClr>
-                <a:srgbClr val="000000"/>
-              </a:buClr>
-              <a:buSzPct val="75000"/>
-              <a:buFont typeface="Symbol" charset="2"/>
-              <a:buChar char=""/>
-            </a:pPr>
-            <a:r>
-              <a:rPr b="0" lang="en-US" sz="1800" spc="-1" strike="noStrike">
-                <a:latin typeface="Arial"/>
-              </a:rPr>
-              <a:t>Fourth Outline Level</a:t>
-            </a:r>
-            <a:endParaRPr b="0" lang="en-US" sz="1800" spc="-1" strike="noStrike">
-              <a:latin typeface="Arial"/>
-            </a:endParaRPr>
-          </a:p>
-          <a:p>
-            <a:pPr lvl="4" marL="2160000" indent="-216000">
-              <a:spcBef>
-                <a:spcPts val="283"/>
-              </a:spcBef>
-              <a:buClr>
-                <a:srgbClr val="000000"/>
-              </a:buClr>
-              <a:buSzPct val="45000"/>
-              <a:buFont typeface="Wingdings" charset="2"/>
-              <a:buChar char=""/>
-            </a:pPr>
-            <a:r>
-              <a:rPr b="0" lang="en-US" sz="1800" spc="-1" strike="noStrike">
-                <a:latin typeface="Arial"/>
-              </a:rPr>
-              <a:t>Fifth Outline Level</a:t>
-            </a:r>
-            <a:endParaRPr b="0" lang="en-US" sz="1800" spc="-1" strike="noStrike">
-              <a:latin typeface="Arial"/>
-            </a:endParaRPr>
-          </a:p>
-          <a:p>
-            <a:pPr lvl="5" marL="2592000" indent="-216000">
-              <a:spcBef>
-                <a:spcPts val="283"/>
-              </a:spcBef>
-              <a:buClr>
-                <a:srgbClr val="000000"/>
-              </a:buClr>
-              <a:buSzPct val="45000"/>
-              <a:buFont typeface="Wingdings" charset="2"/>
-              <a:buChar char=""/>
-            </a:pPr>
-            <a:r>
-              <a:rPr b="0" lang="en-US" sz="1800" spc="-1" strike="noStrike">
-                <a:latin typeface="Arial"/>
-              </a:rPr>
-              <a:t>Sixth Outline </a:t>
-            </a:r>
-            <a:r>
-              <a:rPr b="0" lang="en-US" sz="1800" spc="-1" strike="noStrike">
-                <a:latin typeface="Arial"/>
-              </a:rPr>
-              <a:t>Level</a:t>
-            </a:r>
-            <a:endParaRPr b="0" lang="en-US" sz="1800" spc="-1" strike="noStrike">
-              <a:latin typeface="Arial"/>
-            </a:endParaRPr>
-          </a:p>
-          <a:p>
-            <a:pPr lvl="6" marL="3024000" indent="-216000">
-              <a:spcBef>
-                <a:spcPts val="283"/>
-              </a:spcBef>
-              <a:buClr>
-                <a:srgbClr val="000000"/>
-              </a:buClr>
-              <a:buSzPct val="45000"/>
-              <a:buFont typeface="Wingdings" charset="2"/>
-              <a:buChar char=""/>
-            </a:pPr>
-            <a:r>
-              <a:rPr b="0" lang="en-US" sz="1800" spc="-1" strike="noStrike">
+              <a:rPr b="0" lang="en-US" sz="2000" spc="-1" strike="noStrike">
                 <a:latin typeface="Arial"/>
               </a:rPr>
               <a:t>Seventh </a:t>
             </a:r>
             <a:r>
-              <a:rPr b="0" lang="en-US" sz="1800" spc="-1" strike="noStrike">
+              <a:rPr b="0" lang="en-US" sz="2000" spc="-1" strike="noStrike">
                 <a:latin typeface="Arial"/>
               </a:rPr>
-              <a:t>Outline Level</a:t>
+              <a:t>Outline </a:t>
             </a:r>
-            <a:endParaRPr b="0" lang="en-US" sz="1800" spc="-1" strike="noStrike">
-              <a:latin typeface="Arial"/>
-            </a:endParaRPr>
-          </a:p>
-        </p:txBody>
-      </p:sp>
-      <p:sp>
-        <p:nvSpPr>
-          <p:cNvPr id="124" name="PlaceHolder 4"/>
-          <p:cNvSpPr>
-            <a:spLocks noGrp="1"/>
-          </p:cNvSpPr>
-          <p:nvPr>
-            <p:ph type="body"/>
-          </p:nvPr>
-        </p:nvSpPr>
-        <p:spPr>
-          <a:xfrm>
-            <a:off x="504000" y="3044520"/>
-            <a:ext cx="4426560" cy="1568160"/>
-          </a:xfrm>
-          <a:prstGeom prst="rect">
-            <a:avLst/>
-          </a:prstGeom>
-          <a:noFill/>
-          <a:ln w="0">
-            <a:noFill/>
-          </a:ln>
-        </p:spPr>
-        <p:txBody>
-          <a:bodyPr lIns="0" rIns="0" tIns="0" bIns="0" anchor="t">
-            <a:normAutofit fontScale="66000"/>
-          </a:bodyPr>
-          <a:p>
-            <a:pPr marL="432000" indent="-324000">
-              <a:spcBef>
-                <a:spcPts val="1417"/>
-              </a:spcBef>
-              <a:buClr>
-                <a:srgbClr val="000000"/>
-              </a:buClr>
-              <a:buSzPct val="45000"/>
-              <a:buFont typeface="Wingdings" charset="2"/>
-              <a:buChar char=""/>
-            </a:pPr>
             <a:r>
-              <a:rPr b="0" lang="en-US" sz="1800" spc="-1" strike="noStrike">
+              <a:rPr b="0" lang="en-US" sz="2000" spc="-1" strike="noStrike">
                 <a:latin typeface="Arial"/>
               </a:rPr>
-              <a:t>Click to edit the outline text format</a:t>
+              <a:t>Level</a:t>
             </a:r>
-            <a:endParaRPr b="0" lang="en-US" sz="1800" spc="-1" strike="noStrike">
-              <a:latin typeface="Arial"/>
-            </a:endParaRPr>
-          </a:p>
-          <a:p>
-            <a:pPr lvl="1" marL="864000" indent="-324000">
-              <a:spcBef>
-                <a:spcPts val="1134"/>
-              </a:spcBef>
-              <a:buClr>
-                <a:srgbClr val="000000"/>
-              </a:buClr>
-              <a:buSzPct val="75000"/>
-              <a:buFont typeface="Symbol" charset="2"/>
-              <a:buChar char=""/>
-            </a:pPr>
-            <a:r>
-              <a:rPr b="0" lang="en-US" sz="1800" spc="-1" strike="noStrike">
-                <a:latin typeface="Arial"/>
-              </a:rPr>
-              <a:t>Second Outline Level</a:t>
-            </a:r>
-            <a:endParaRPr b="0" lang="en-US" sz="1800" spc="-1" strike="noStrike">
-              <a:latin typeface="Arial"/>
-            </a:endParaRPr>
-          </a:p>
-          <a:p>
-            <a:pPr lvl="2" marL="1296000" indent="-288000">
-              <a:spcBef>
-                <a:spcPts val="850"/>
-              </a:spcBef>
-              <a:buClr>
-                <a:srgbClr val="000000"/>
-              </a:buClr>
-              <a:buSzPct val="45000"/>
-              <a:buFont typeface="Wingdings" charset="2"/>
-              <a:buChar char=""/>
-            </a:pPr>
-            <a:r>
-              <a:rPr b="0" lang="en-US" sz="1800" spc="-1" strike="noStrike">
-                <a:latin typeface="Arial"/>
-              </a:rPr>
-              <a:t>Third Outline Level</a:t>
-            </a:r>
-            <a:endParaRPr b="0" lang="en-US" sz="1800" spc="-1" strike="noStrike">
-              <a:latin typeface="Arial"/>
-            </a:endParaRPr>
-          </a:p>
-          <a:p>
-            <a:pPr lvl="3" marL="1728000" indent="-216000">
-              <a:spcBef>
-                <a:spcPts val="567"/>
-              </a:spcBef>
-              <a:buClr>
-                <a:srgbClr val="000000"/>
-              </a:buClr>
-              <a:buSzPct val="75000"/>
-              <a:buFont typeface="Symbol" charset="2"/>
-              <a:buChar char=""/>
-            </a:pPr>
-            <a:r>
-              <a:rPr b="0" lang="en-US" sz="1800" spc="-1" strike="noStrike">
-                <a:latin typeface="Arial"/>
-              </a:rPr>
-              <a:t>Fourth Outline Level</a:t>
-            </a:r>
-            <a:endParaRPr b="0" lang="en-US" sz="1800" spc="-1" strike="noStrike">
-              <a:latin typeface="Arial"/>
-            </a:endParaRPr>
-          </a:p>
-          <a:p>
-            <a:pPr lvl="4" marL="2160000" indent="-216000">
-              <a:spcBef>
-                <a:spcPts val="283"/>
-              </a:spcBef>
-              <a:buClr>
-                <a:srgbClr val="000000"/>
-              </a:buClr>
-              <a:buSzPct val="45000"/>
-              <a:buFont typeface="Wingdings" charset="2"/>
-              <a:buChar char=""/>
-            </a:pPr>
-            <a:r>
-              <a:rPr b="0" lang="en-US" sz="1800" spc="-1" strike="noStrike">
-                <a:latin typeface="Arial"/>
-              </a:rPr>
-              <a:t>Fifth Outline Level</a:t>
-            </a:r>
-            <a:endParaRPr b="0" lang="en-US" sz="1800" spc="-1" strike="noStrike">
-              <a:latin typeface="Arial"/>
-            </a:endParaRPr>
-          </a:p>
-          <a:p>
-            <a:pPr lvl="5" marL="2592000" indent="-216000">
-              <a:spcBef>
-                <a:spcPts val="283"/>
-              </a:spcBef>
-              <a:buClr>
-                <a:srgbClr val="000000"/>
-              </a:buClr>
-              <a:buSzPct val="45000"/>
-              <a:buFont typeface="Wingdings" charset="2"/>
-              <a:buChar char=""/>
-            </a:pPr>
-            <a:r>
-              <a:rPr b="0" lang="en-US" sz="1800" spc="-1" strike="noStrike">
-                <a:latin typeface="Arial"/>
-              </a:rPr>
-              <a:t>Sixth Outline Level</a:t>
-            </a:r>
-            <a:endParaRPr b="0" lang="en-US" sz="1800" spc="-1" strike="noStrike">
-              <a:latin typeface="Arial"/>
-            </a:endParaRPr>
-          </a:p>
-          <a:p>
-            <a:pPr lvl="6" marL="3024000" indent="-216000">
-              <a:spcBef>
-                <a:spcPts val="283"/>
-              </a:spcBef>
-              <a:buClr>
-                <a:srgbClr val="000000"/>
-              </a:buClr>
-              <a:buSzPct val="45000"/>
-              <a:buFont typeface="Wingdings" charset="2"/>
-              <a:buChar char=""/>
-            </a:pPr>
-            <a:r>
-              <a:rPr b="0" lang="en-US" sz="1800" spc="-1" strike="noStrike">
-                <a:latin typeface="Arial"/>
-              </a:rPr>
-              <a:t>Seventh Outline Level</a:t>
-            </a:r>
-            <a:endParaRPr b="0" lang="en-US" sz="1800" spc="-1" strike="noStrike">
+            <a:endParaRPr b="0" lang="en-US" sz="2000" spc="-1" strike="noStrike">
               <a:latin typeface="Arial"/>
             </a:endParaRPr>
           </a:p>
@@ -9427,14 +9096,14 @@
       </p:grpSpPr>
       <p:sp>
         <p:nvSpPr>
-          <p:cNvPr id="161" name=""/>
+          <p:cNvPr id="159" name=""/>
           <p:cNvSpPr/>
           <p:nvPr/>
         </p:nvSpPr>
         <p:spPr>
           <a:xfrm>
             <a:off x="0" y="0"/>
-            <a:ext cx="10076040" cy="719280"/>
+            <a:ext cx="10075680" cy="718920"/>
           </a:xfrm>
           <a:prstGeom prst="rect">
             <a:avLst/>
@@ -9468,14 +9137,14 @@
       </p:sp>
       <p:sp>
         <p:nvSpPr>
-          <p:cNvPr id="162" name=""/>
+          <p:cNvPr id="160" name=""/>
           <p:cNvSpPr/>
           <p:nvPr/>
         </p:nvSpPr>
         <p:spPr>
           <a:xfrm>
             <a:off x="3240" y="5040000"/>
-            <a:ext cx="10076040" cy="630720"/>
+            <a:ext cx="10075680" cy="630360"/>
           </a:xfrm>
           <a:prstGeom prst="rect">
             <a:avLst/>
@@ -9509,7 +9178,7 @@
       </p:sp>
       <p:sp>
         <p:nvSpPr>
-          <p:cNvPr id="163" name="PlaceHolder 1"/>
+          <p:cNvPr id="161" name="PlaceHolder 1"/>
           <p:cNvSpPr>
             <a:spLocks noGrp="1"/>
           </p:cNvSpPr>
@@ -9552,7 +9221,7 @@
       </p:sp>
       <p:sp>
         <p:nvSpPr>
-          <p:cNvPr id="164" name="PlaceHolder 2"/>
+          <p:cNvPr id="162" name="PlaceHolder 2"/>
           <p:cNvSpPr>
             <a:spLocks noGrp="1"/>
           </p:cNvSpPr>
@@ -9593,13 +9262,13 @@
               <a:rPr b="0" lang="en-US" sz="3200" spc="-1" strike="noStrike">
                 <a:latin typeface="Arial"/>
               </a:rPr>
-              <a:t>Click to edit the outline </a:t>
+              <a:t>Click to edit the </a:t>
             </a:r>
             <a:r>
               <a:rPr b="0" lang="en-US" sz="3200" spc="-1" strike="noStrike">
                 <a:latin typeface="Arial"/>
               </a:rPr>
-              <a:t>text format</a:t>
+              <a:t>outline text format</a:t>
             </a:r>
             <a:endParaRPr b="0" lang="en-US" sz="3200" spc="-1" strike="noStrike">
               <a:latin typeface="Arial"/>
@@ -9743,7 +9412,13 @@
               <a:rPr b="0" lang="en-US" sz="2000" spc="-1" strike="noStrike">
                 <a:latin typeface="Arial"/>
               </a:rPr>
-              <a:t>Outline Level</a:t>
+              <a:t>Outline </a:t>
+            </a:r>
+            <a:r>
+              <a:rPr b="0" lang="en-US" sz="2000" spc="-1" strike="noStrike">
+                <a:latin typeface="Arial"/>
+              </a:rPr>
+              <a:t>Level</a:t>
             </a:r>
             <a:endParaRPr b="0" lang="en-US" sz="2000" spc="-1" strike="noStrike">
               <a:latin typeface="Arial"/>
@@ -9790,7 +9465,7 @@
       </p:grpSpPr>
       <p:sp>
         <p:nvSpPr>
-          <p:cNvPr id="201" name="PlaceHolder 1"/>
+          <p:cNvPr id="199" name="PlaceHolder 1"/>
           <p:cNvSpPr>
             <a:spLocks noGrp="1"/>
           </p:cNvSpPr>
@@ -9801,7 +9476,7 @@
         <p:spPr>
           <a:xfrm>
             <a:off x="0" y="1620000"/>
-            <a:ext cx="8999280" cy="1079280"/>
+            <a:ext cx="8998920" cy="1078920"/>
           </a:xfrm>
           <a:prstGeom prst="rect">
             <a:avLst/>
@@ -9832,6 +9507,280 @@
               <a:t>Проект Метавселенная Кавказ</a:t>
             </a:r>
             <a:endParaRPr b="0" lang="en-US" sz="3300" spc="-1" strike="noStrike">
+              <a:latin typeface="Arial"/>
+            </a:endParaRPr>
+          </a:p>
+        </p:txBody>
+      </p:sp>
+    </p:spTree>
+  </p:cSld>
+  <mc:AlternateContent>
+    <mc:Choice Requires="p14">
+      <p:transition spd="slow" p14:dur="2000"/>
+    </mc:Choice>
+    <mc:Fallback>
+      <p:transition spd="slow"/>
+    </mc:Fallback>
+  </mc:AlternateContent>
+</p:sld>
+</file>
+
+<file path=ppt/slides/slide10.xml><?xml version="1.0" encoding="utf-8"?>
+<p:sld xmlns:a="http://schemas.openxmlformats.org/drawingml/2006/main" xmlns:p="http://schemas.openxmlformats.org/presentationml/2006/main" xmlns:r="http://schemas.openxmlformats.org/officeDocument/2006/relationships" xmlns:p14="http://schemas.microsoft.com/office/powerpoint/2010/main" xmlns:p15="http://schemas.microsoft.com/office/powerpoint/2012/main" xmlns:mc="http://schemas.openxmlformats.org/markup-compatibility/2006">
+  <p:cSld>
+    <p:spTree>
+      <p:nvGrpSpPr>
+        <p:cNvPr id="1" name=""/>
+        <p:cNvGrpSpPr/>
+        <p:nvPr/>
+      </p:nvGrpSpPr>
+      <p:grpSpPr>
+        <a:xfrm>
+          <a:off x="0" y="0"/>
+          <a:ext cx="0" cy="0"/>
+          <a:chOff x="0" y="0"/>
+          <a:chExt cx="0" cy="0"/>
+        </a:xfrm>
+      </p:grpSpPr>
+      <p:sp>
+        <p:nvSpPr>
+          <p:cNvPr id="235" name="PlaceHolder 1"/>
+          <p:cNvSpPr>
+            <a:spLocks noGrp="1"/>
+          </p:cNvSpPr>
+          <p:nvPr>
+            <p:ph type="subTitle"/>
+          </p:nvPr>
+        </p:nvSpPr>
+        <p:spPr>
+          <a:xfrm>
+            <a:off x="241200" y="685800"/>
+            <a:ext cx="9358920" cy="795960"/>
+          </a:xfrm>
+          <a:prstGeom prst="rect">
+            <a:avLst/>
+          </a:prstGeom>
+          <a:noFill/>
+          <a:ln w="0">
+            <a:noFill/>
+          </a:ln>
+        </p:spPr>
+        <p:txBody>
+          <a:bodyPr lIns="0" rIns="0" tIns="0" bIns="0" anchor="ctr">
+            <a:noAutofit/>
+          </a:bodyPr>
+          <a:p>
+            <a:pPr algn="ctr">
+              <a:lnSpc>
+                <a:spcPct val="100000"/>
+              </a:lnSpc>
+              <a:buNone/>
+            </a:pPr>
+            <a:r>
+              <a:rPr b="1" lang="ru" sz="3200" spc="-1" strike="noStrike">
+                <a:highlight>
+                  <a:srgbClr val="ffffff"/>
+                </a:highlight>
+                <a:latin typeface="Arial"/>
+              </a:rPr>
+              <a:t>Данные</a:t>
+            </a:r>
+            <a:endParaRPr b="0" lang="en-US" sz="3200" spc="-1" strike="noStrike">
+              <a:latin typeface="Arial"/>
+            </a:endParaRPr>
+          </a:p>
+        </p:txBody>
+      </p:sp>
+      <p:sp>
+        <p:nvSpPr>
+          <p:cNvPr id="236" name=""/>
+          <p:cNvSpPr/>
+          <p:nvPr/>
+        </p:nvSpPr>
+        <p:spPr>
+          <a:xfrm>
+            <a:off x="457200" y="1600200"/>
+            <a:ext cx="9358920" cy="573120"/>
+          </a:xfrm>
+          <a:prstGeom prst="rect">
+            <a:avLst/>
+          </a:prstGeom>
+          <a:noFill/>
+          <a:ln w="0">
+            <a:noFill/>
+          </a:ln>
+        </p:spPr>
+        <p:style>
+          <a:lnRef idx="0"/>
+          <a:fillRef idx="0"/>
+          <a:effectRef idx="0"/>
+          <a:fontRef idx="minor"/>
+        </p:style>
+        <p:txBody>
+          <a:bodyPr lIns="0" rIns="0" tIns="0" bIns="0" anchor="ctr">
+            <a:noAutofit/>
+          </a:bodyPr>
+          <a:p>
+            <a:pPr algn="ctr">
+              <a:lnSpc>
+                <a:spcPct val="100000"/>
+              </a:lnSpc>
+              <a:buNone/>
+            </a:pPr>
+            <a:r>
+              <a:rPr b="0" i="1" lang="ru" sz="2400" spc="-1" strike="noStrike">
+                <a:solidFill>
+                  <a:srgbClr val="000000"/>
+                </a:solidFill>
+                <a:highlight>
+                  <a:srgbClr val="ffffff"/>
+                </a:highlight>
+                <a:latin typeface="Arial"/>
+                <a:ea typeface="DejaVu Sans"/>
+              </a:rPr>
+              <a:t>Минимальный объем данных для запуска службы.</a:t>
+            </a:r>
+            <a:endParaRPr b="0" lang="en-US" sz="2400" spc="-1" strike="noStrike">
+              <a:latin typeface="Arial"/>
+            </a:endParaRPr>
+          </a:p>
+        </p:txBody>
+      </p:sp>
+      <p:sp>
+        <p:nvSpPr>
+          <p:cNvPr id="237" name=""/>
+          <p:cNvSpPr/>
+          <p:nvPr/>
+        </p:nvSpPr>
+        <p:spPr>
+          <a:xfrm>
+            <a:off x="360000" y="2514960"/>
+            <a:ext cx="9358920" cy="2164320"/>
+          </a:xfrm>
+          <a:prstGeom prst="rect">
+            <a:avLst/>
+          </a:prstGeom>
+          <a:noFill/>
+          <a:ln w="0">
+            <a:noFill/>
+          </a:ln>
+        </p:spPr>
+        <p:style>
+          <a:lnRef idx="0"/>
+          <a:fillRef idx="0"/>
+          <a:effectRef idx="0"/>
+          <a:fontRef idx="minor"/>
+        </p:style>
+        <p:txBody>
+          <a:bodyPr lIns="0" rIns="0" tIns="0" bIns="0" anchor="t">
+            <a:noAutofit/>
+          </a:bodyPr>
+          <a:p>
+            <a:pPr algn="ctr">
+              <a:lnSpc>
+                <a:spcPct val="100000"/>
+              </a:lnSpc>
+              <a:buNone/>
+            </a:pPr>
+            <a:endParaRPr b="0" lang="en-US" sz="1800" spc="-1" strike="noStrike">
+              <a:latin typeface="Arial"/>
+            </a:endParaRPr>
+          </a:p>
+          <a:p>
+            <a:pPr algn="ctr">
+              <a:lnSpc>
+                <a:spcPct val="100000"/>
+              </a:lnSpc>
+              <a:buNone/>
+            </a:pPr>
+            <a:r>
+              <a:rPr b="0" lang="ru" sz="2800" spc="-1" strike="noStrike">
+                <a:solidFill>
+                  <a:srgbClr val="000000"/>
+                </a:solidFill>
+                <a:highlight>
+                  <a:srgbClr val="ffffff"/>
+                </a:highlight>
+                <a:latin typeface="Arial"/>
+                <a:ea typeface="DejaVu Sans"/>
+              </a:rPr>
+              <a:t>Голосовые корпуса (адыгский, абхазский)</a:t>
+            </a:r>
+            <a:endParaRPr b="0" lang="en-US" sz="2800" spc="-1" strike="noStrike">
+              <a:latin typeface="Arial"/>
+            </a:endParaRPr>
+          </a:p>
+          <a:p>
+            <a:pPr algn="ctr">
+              <a:lnSpc>
+                <a:spcPct val="100000"/>
+              </a:lnSpc>
+              <a:buNone/>
+            </a:pPr>
+            <a:r>
+              <a:rPr b="0" lang="ru" sz="2800" spc="-1" strike="noStrike">
+                <a:solidFill>
+                  <a:srgbClr val="000000"/>
+                </a:solidFill>
+                <a:highlight>
+                  <a:srgbClr val="ffffff"/>
+                </a:highlight>
+                <a:latin typeface="Arial"/>
+                <a:ea typeface="Noto Sans CJK SC"/>
+              </a:rPr>
+              <a:t>Одноязычные корпуса (адыгский, абхазский</a:t>
+            </a:r>
+            <a:r>
+              <a:rPr b="0" lang="ru" sz="2800" spc="-1" strike="noStrike">
+                <a:solidFill>
+                  <a:srgbClr val="000000"/>
+                </a:solidFill>
+                <a:highlight>
+                  <a:srgbClr val="ffffff"/>
+                </a:highlight>
+                <a:latin typeface="Arial"/>
+                <a:ea typeface="DejaVu Sans"/>
+              </a:rPr>
+              <a:t>)</a:t>
+            </a:r>
+            <a:endParaRPr b="0" lang="en-US" sz="2800" spc="-1" strike="noStrike">
+              <a:latin typeface="Arial"/>
+            </a:endParaRPr>
+          </a:p>
+          <a:p>
+            <a:pPr algn="ctr">
+              <a:lnSpc>
+                <a:spcPct val="100000"/>
+              </a:lnSpc>
+              <a:buNone/>
+            </a:pPr>
+            <a:r>
+              <a:rPr b="0" lang="ru" sz="2800" spc="-1" strike="noStrike">
+                <a:solidFill>
+                  <a:srgbClr val="000000"/>
+                </a:solidFill>
+                <a:highlight>
+                  <a:srgbClr val="ffffff"/>
+                </a:highlight>
+                <a:latin typeface="Arial"/>
+                <a:ea typeface="Noto Sans CJK SC"/>
+              </a:rPr>
+              <a:t>Параллельный корпус. (</a:t>
+            </a:r>
+            <a:r>
+              <a:rPr b="0" lang="ru" sz="2800" spc="-1" strike="noStrike">
+                <a:solidFill>
+                  <a:srgbClr val="000000"/>
+                </a:solidFill>
+                <a:highlight>
+                  <a:srgbClr val="ffffff"/>
+                </a:highlight>
+                <a:latin typeface="Arial"/>
+                <a:ea typeface="DejaVu Sans"/>
+              </a:rPr>
+              <a:t>адыгско-абхазско-русский)</a:t>
+            </a:r>
+            <a:endParaRPr b="0" lang="en-US" sz="2800" spc="-1" strike="noStrike">
               <a:latin typeface="Arial"/>
             </a:endParaRPr>
           </a:p>
@@ -9869,7 +9818,7 @@
       </p:grpSpPr>
       <p:sp>
         <p:nvSpPr>
-          <p:cNvPr id="202" name="PlaceHolder 1"/>
+          <p:cNvPr id="200" name="PlaceHolder 1"/>
           <p:cNvSpPr>
             <a:spLocks noGrp="1"/>
           </p:cNvSpPr>
@@ -9880,7 +9829,7 @@
         <p:spPr>
           <a:xfrm>
             <a:off x="360000" y="180000"/>
-            <a:ext cx="9359280" cy="477360"/>
+            <a:ext cx="9358920" cy="477000"/>
           </a:xfrm>
           <a:prstGeom prst="rect">
             <a:avLst/>
@@ -9906,7 +9855,7 @@
       </p:sp>
       <p:sp>
         <p:nvSpPr>
-          <p:cNvPr id="203" name="PlaceHolder 2"/>
+          <p:cNvPr id="201" name="PlaceHolder 2"/>
           <p:cNvSpPr>
             <a:spLocks noGrp="1"/>
           </p:cNvSpPr>
@@ -9917,7 +9866,7 @@
         <p:spPr>
           <a:xfrm>
             <a:off x="360000" y="1080000"/>
-            <a:ext cx="4566600" cy="1716120"/>
+            <a:ext cx="4566240" cy="1715760"/>
           </a:xfrm>
           <a:prstGeom prst="rect">
             <a:avLst/>
@@ -9958,7 +9907,7 @@
       </p:sp>
       <p:sp>
         <p:nvSpPr>
-          <p:cNvPr id="204" name="PlaceHolder 3"/>
+          <p:cNvPr id="202" name="PlaceHolder 3"/>
           <p:cNvSpPr>
             <a:spLocks noGrp="1"/>
           </p:cNvSpPr>
@@ -9969,7 +9918,7 @@
         <p:spPr>
           <a:xfrm>
             <a:off x="285120" y="2423160"/>
-            <a:ext cx="4566600" cy="1382400"/>
+            <a:ext cx="4566240" cy="1382040"/>
           </a:xfrm>
           <a:prstGeom prst="rect">
             <a:avLst/>
@@ -10037,7 +9986,7 @@
       </p:sp>
       <p:pic>
         <p:nvPicPr>
-          <p:cNvPr id="205" name="" descr=""/>
+          <p:cNvPr id="203" name="" descr=""/>
           <p:cNvPicPr/>
           <p:nvPr/>
         </p:nvPicPr>
@@ -10048,7 +9997,7 @@
         <p:spPr>
           <a:xfrm>
             <a:off x="5027400" y="1283760"/>
-            <a:ext cx="4914360" cy="3274560"/>
+            <a:ext cx="4914000" cy="3274200"/>
           </a:xfrm>
           <a:prstGeom prst="rect">
             <a:avLst/>
@@ -10060,14 +10009,14 @@
       </p:pic>
       <p:sp>
         <p:nvSpPr>
-          <p:cNvPr id="206" name=""/>
+          <p:cNvPr id="204" name=""/>
           <p:cNvSpPr/>
           <p:nvPr/>
         </p:nvSpPr>
         <p:spPr>
           <a:xfrm>
             <a:off x="228600" y="4103280"/>
-            <a:ext cx="4566600" cy="468000"/>
+            <a:ext cx="4566240" cy="467640"/>
           </a:xfrm>
           <a:prstGeom prst="rect">
             <a:avLst/>
@@ -10145,7 +10094,7 @@
       </p:grpSpPr>
       <p:sp>
         <p:nvSpPr>
-          <p:cNvPr id="207" name="PlaceHolder 1"/>
+          <p:cNvPr id="205" name="PlaceHolder 1"/>
           <p:cNvSpPr>
             <a:spLocks noGrp="1"/>
           </p:cNvSpPr>
@@ -10156,7 +10105,7 @@
         <p:spPr>
           <a:xfrm>
             <a:off x="360000" y="180000"/>
-            <a:ext cx="9359280" cy="477360"/>
+            <a:ext cx="9358920" cy="477000"/>
           </a:xfrm>
           <a:prstGeom prst="rect">
             <a:avLst/>
@@ -10182,7 +10131,7 @@
       </p:sp>
       <p:sp>
         <p:nvSpPr>
-          <p:cNvPr id="208" name="PlaceHolder 2"/>
+          <p:cNvPr id="206" name="PlaceHolder 2"/>
           <p:cNvSpPr>
             <a:spLocks noGrp="1"/>
           </p:cNvSpPr>
@@ -10193,7 +10142,7 @@
         <p:spPr>
           <a:xfrm>
             <a:off x="360000" y="1080000"/>
-            <a:ext cx="4566600" cy="1716120"/>
+            <a:ext cx="4566240" cy="1715760"/>
           </a:xfrm>
           <a:prstGeom prst="rect">
             <a:avLst/>
@@ -10234,7 +10183,7 @@
       </p:sp>
       <p:sp>
         <p:nvSpPr>
-          <p:cNvPr id="209" name="PlaceHolder 3"/>
+          <p:cNvPr id="207" name="PlaceHolder 3"/>
           <p:cNvSpPr>
             <a:spLocks noGrp="1"/>
           </p:cNvSpPr>
@@ -10245,7 +10194,7 @@
         <p:spPr>
           <a:xfrm>
             <a:off x="360000" y="2960280"/>
-            <a:ext cx="4566600" cy="1716120"/>
+            <a:ext cx="4566240" cy="1715760"/>
           </a:xfrm>
           <a:prstGeom prst="rect">
             <a:avLst/>
@@ -10276,16 +10225,7 @@
                 </a:solidFill>
                 <a:latin typeface="Arial"/>
               </a:rPr>
-              <a:t>Все знания представлены в </a:t>
-            </a:r>
-            <a:r>
-              <a:rPr b="0" i="1" lang="ru" sz="2400" spc="-1" strike="noStrike">
-                <a:solidFill>
-                  <a:srgbClr val="000000"/>
-                </a:solidFill>
-                <a:latin typeface="Arial"/>
-              </a:rPr>
-              <a:t>Метавселенной.</a:t>
+              <a:t>Все знания представлены в Метавселенной.</a:t>
             </a:r>
             <a:endParaRPr b="0" lang="en-US" sz="2400" spc="-1" strike="noStrike">
               <a:latin typeface="Arial"/>
@@ -10295,7 +10235,7 @@
       </p:sp>
       <p:pic>
         <p:nvPicPr>
-          <p:cNvPr id="210" name="" descr=""/>
+          <p:cNvPr id="208" name="" descr=""/>
           <p:cNvPicPr/>
           <p:nvPr/>
         </p:nvPicPr>
@@ -10307,7 +10247,7 @@
         <p:spPr>
           <a:xfrm>
             <a:off x="5029200" y="685800"/>
-            <a:ext cx="5050080" cy="4342680"/>
+            <a:ext cx="5049720" cy="4342320"/>
           </a:xfrm>
           <a:prstGeom prst="rect">
             <a:avLst/>
@@ -10349,7 +10289,7 @@
       </p:grpSpPr>
       <p:sp>
         <p:nvSpPr>
-          <p:cNvPr id="211" name="PlaceHolder 1"/>
+          <p:cNvPr id="209" name="PlaceHolder 1"/>
           <p:cNvSpPr>
             <a:spLocks noGrp="1"/>
           </p:cNvSpPr>
@@ -10360,7 +10300,7 @@
         <p:spPr>
           <a:xfrm>
             <a:off x="360000" y="180000"/>
-            <a:ext cx="9359280" cy="477360"/>
+            <a:ext cx="9358920" cy="477000"/>
           </a:xfrm>
           <a:prstGeom prst="rect">
             <a:avLst/>
@@ -10386,7 +10326,7 @@
       </p:sp>
       <p:sp>
         <p:nvSpPr>
-          <p:cNvPr id="212" name="PlaceHolder 2"/>
+          <p:cNvPr id="210" name="PlaceHolder 2"/>
           <p:cNvSpPr>
             <a:spLocks noGrp="1"/>
           </p:cNvSpPr>
@@ -10397,7 +10337,7 @@
         <p:spPr>
           <a:xfrm>
             <a:off x="360000" y="1080000"/>
-            <a:ext cx="4566600" cy="1716120"/>
+            <a:ext cx="4566240" cy="1715760"/>
           </a:xfrm>
           <a:prstGeom prst="rect">
             <a:avLst/>
@@ -10438,7 +10378,7 @@
       </p:sp>
       <p:pic>
         <p:nvPicPr>
-          <p:cNvPr id="213" name="" descr=""/>
+          <p:cNvPr id="211" name="" descr=""/>
           <p:cNvPicPr/>
           <p:nvPr/>
         </p:nvPicPr>
@@ -10449,7 +10389,7 @@
         <p:spPr>
           <a:xfrm>
             <a:off x="4749840" y="1540080"/>
-            <a:ext cx="5079240" cy="2848680"/>
+            <a:ext cx="5078880" cy="2848320"/>
           </a:xfrm>
           <a:prstGeom prst="rect">
             <a:avLst/>
@@ -10461,7 +10401,7 @@
       </p:pic>
       <p:sp>
         <p:nvSpPr>
-          <p:cNvPr id="214" name="PlaceHolder 3"/>
+          <p:cNvPr id="212" name="PlaceHolder 3"/>
           <p:cNvSpPr>
             <a:spLocks noGrp="1"/>
           </p:cNvSpPr>
@@ -10472,7 +10412,7 @@
         <p:spPr>
           <a:xfrm>
             <a:off x="360000" y="2960280"/>
-            <a:ext cx="4389120" cy="1716120"/>
+            <a:ext cx="4388760" cy="1715760"/>
           </a:xfrm>
           <a:prstGeom prst="rect">
             <a:avLst/>
@@ -10503,7 +10443,34 @@
                 </a:solidFill>
                 <a:latin typeface="Arial"/>
               </a:rPr>
-              <a:t>Технология искусственного интеллекта, стоящая за сервисом.</a:t>
+              <a:t>Технология </a:t>
+            </a:r>
+            <a:r>
+              <a:rPr b="0" i="1" lang="ru" sz="2400" spc="-1" strike="noStrike">
+                <a:solidFill>
+                  <a:srgbClr val="000000"/>
+                </a:solidFill>
+                <a:latin typeface="Arial"/>
+              </a:rPr>
+              <a:t>искусственного </a:t>
+            </a:r>
+            <a:r>
+              <a:rPr b="0" i="1" lang="ru" sz="2400" spc="-1" strike="noStrike">
+                <a:solidFill>
+                  <a:srgbClr val="000000"/>
+                </a:solidFill>
+                <a:latin typeface="Arial"/>
+              </a:rPr>
+              <a:t>интеллекта, стоящая </a:t>
+            </a:r>
+            <a:r>
+              <a:rPr b="0" i="1" lang="ru" sz="2400" spc="-1" strike="noStrike">
+                <a:solidFill>
+                  <a:srgbClr val="000000"/>
+                </a:solidFill>
+                <a:latin typeface="Arial"/>
+              </a:rPr>
+              <a:t>за сервисом.</a:t>
             </a:r>
             <a:endParaRPr b="0" lang="en-US" sz="2400" spc="-1" strike="noStrike">
               <a:latin typeface="Arial"/>
@@ -10543,14 +10510,14 @@
       </p:grpSpPr>
       <p:sp>
         <p:nvSpPr>
-          <p:cNvPr id="215" name=""/>
+          <p:cNvPr id="213" name=""/>
           <p:cNvSpPr/>
           <p:nvPr/>
         </p:nvSpPr>
         <p:spPr>
           <a:xfrm>
             <a:off x="1396440" y="905760"/>
-            <a:ext cx="7315200" cy="1371600"/>
+            <a:ext cx="7314840" cy="1371240"/>
           </a:xfrm>
           <a:prstGeom prst="ellipse">
             <a:avLst/>
@@ -10578,30 +10545,37 @@
           </a:bodyPr>
           <a:p>
             <a:pPr algn="ctr">
+              <a:lnSpc>
+                <a:spcPct val="100000"/>
+              </a:lnSpc>
               <a:buNone/>
             </a:pPr>
             <a:r>
               <a:rPr b="1" lang="en-US" sz="3200" spc="-1" strike="noStrike">
+                <a:solidFill>
+                  <a:srgbClr val="000000"/>
+                </a:solidFill>
                 <a:latin typeface="Arial"/>
+                <a:ea typeface="DejaVu Sans"/>
               </a:rPr>
               <a:t>Метавселенная</a:t>
             </a:r>
-            <a:endParaRPr b="1" lang="en-US" sz="3200" spc="-1" strike="noStrike">
-              <a:latin typeface="Arial"/>
-            </a:endParaRPr>
-          </a:p>
-        </p:txBody>
-      </p:sp>
-      <p:sp>
-        <p:nvSpPr>
-          <p:cNvPr id="216" name=""/>
+            <a:endParaRPr b="0" lang="en-US" sz="3200" spc="-1" strike="noStrike">
+              <a:latin typeface="Arial"/>
+            </a:endParaRPr>
+          </a:p>
+        </p:txBody>
+      </p:sp>
+      <p:sp>
+        <p:nvSpPr>
+          <p:cNvPr id="214" name=""/>
           <p:cNvSpPr/>
           <p:nvPr/>
         </p:nvSpPr>
         <p:spPr>
           <a:xfrm>
             <a:off x="2502000" y="2286000"/>
-            <a:ext cx="5029200" cy="1143000"/>
+            <a:ext cx="5028840" cy="1142640"/>
           </a:xfrm>
           <a:prstGeom prst="ellipse">
             <a:avLst/>
@@ -10641,6 +10615,7 @@
                   <a:srgbClr val="000000"/>
                 </a:solidFill>
                 <a:latin typeface="Arial"/>
+                <a:ea typeface="DejaVu Sans"/>
               </a:rPr>
               <a:t>Матрица</a:t>
             </a:r>
@@ -10652,14 +10627,14 @@
       </p:sp>
       <p:sp>
         <p:nvSpPr>
-          <p:cNvPr id="217" name=""/>
+          <p:cNvPr id="215" name=""/>
           <p:cNvSpPr/>
           <p:nvPr/>
         </p:nvSpPr>
         <p:spPr>
           <a:xfrm>
             <a:off x="3200400" y="3429000"/>
-            <a:ext cx="3657600" cy="914400"/>
+            <a:ext cx="3657240" cy="914040"/>
           </a:xfrm>
           <a:prstGeom prst="ellipse">
             <a:avLst/>
@@ -10685,11 +10660,18 @@
           </a:bodyPr>
           <a:p>
             <a:pPr algn="ctr">
+              <a:lnSpc>
+                <a:spcPct val="100000"/>
+              </a:lnSpc>
               <a:buNone/>
             </a:pPr>
             <a:r>
               <a:rPr b="1" lang="en-US" sz="2200" spc="-1" strike="noStrike">
+                <a:solidFill>
+                  <a:srgbClr val="000000"/>
+                </a:solidFill>
                 <a:latin typeface="Arial"/>
+                <a:ea typeface="DejaVu Sans"/>
               </a:rPr>
               <a:t>Метатехнология</a:t>
             </a:r>
@@ -10701,14 +10683,14 @@
       </p:sp>
       <p:sp>
         <p:nvSpPr>
-          <p:cNvPr id="218" name=""/>
+          <p:cNvPr id="216" name=""/>
           <p:cNvSpPr/>
           <p:nvPr/>
         </p:nvSpPr>
         <p:spPr>
           <a:xfrm>
             <a:off x="4114800" y="4343400"/>
-            <a:ext cx="1828800" cy="685800"/>
+            <a:ext cx="1828440" cy="685440"/>
           </a:xfrm>
           <a:prstGeom prst="ellipse">
             <a:avLst/>
@@ -10734,11 +10716,18 @@
           </a:bodyPr>
           <a:p>
             <a:pPr algn="ctr">
+              <a:lnSpc>
+                <a:spcPct val="100000"/>
+              </a:lnSpc>
               <a:buNone/>
             </a:pPr>
             <a:r>
               <a:rPr b="1" lang="en-US" sz="1800" spc="-1" strike="noStrike">
+                <a:solidFill>
+                  <a:srgbClr val="000000"/>
+                </a:solidFill>
                 <a:latin typeface="Arial"/>
+                <a:ea typeface="DejaVu Sans"/>
               </a:rPr>
               <a:t>Данные</a:t>
             </a:r>
@@ -10780,7 +10769,7 @@
       </p:grpSpPr>
       <p:sp>
         <p:nvSpPr>
-          <p:cNvPr id="219" name="PlaceHolder 1"/>
+          <p:cNvPr id="217" name="PlaceHolder 1"/>
           <p:cNvSpPr>
             <a:spLocks noGrp="1"/>
           </p:cNvSpPr>
@@ -10791,7 +10780,7 @@
         <p:spPr>
           <a:xfrm>
             <a:off x="457200" y="1941480"/>
-            <a:ext cx="9143640" cy="2215440"/>
+            <a:ext cx="9143280" cy="2215080"/>
           </a:xfrm>
           <a:prstGeom prst="rect">
             <a:avLst/>
@@ -10856,7 +10845,7 @@
       </p:grpSpPr>
       <p:sp>
         <p:nvSpPr>
-          <p:cNvPr id="220" name="PlaceHolder 1"/>
+          <p:cNvPr id="218" name="PlaceHolder 1"/>
           <p:cNvSpPr>
             <a:spLocks noGrp="1"/>
           </p:cNvSpPr>
@@ -10867,7 +10856,7 @@
         <p:spPr>
           <a:xfrm>
             <a:off x="504000" y="1326600"/>
-            <a:ext cx="4426560" cy="1568160"/>
+            <a:ext cx="4426200" cy="1567800"/>
           </a:xfrm>
           <a:prstGeom prst="rect">
             <a:avLst/>
@@ -10905,7 +10894,7 @@
       </p:sp>
       <p:sp>
         <p:nvSpPr>
-          <p:cNvPr id="221" name="PlaceHolder 2"/>
+          <p:cNvPr id="219" name="PlaceHolder 2"/>
           <p:cNvSpPr>
             <a:spLocks noGrp="1"/>
           </p:cNvSpPr>
@@ -10916,7 +10905,7 @@
         <p:spPr>
           <a:xfrm>
             <a:off x="504000" y="3044520"/>
-            <a:ext cx="4426560" cy="1568160"/>
+            <a:ext cx="4426200" cy="1567800"/>
           </a:xfrm>
           <a:prstGeom prst="rect">
             <a:avLst/>
@@ -10954,7 +10943,7 @@
       </p:sp>
       <p:pic>
         <p:nvPicPr>
-          <p:cNvPr id="222" name="" descr=""/>
+          <p:cNvPr id="220" name="" descr=""/>
           <p:cNvPicPr/>
           <p:nvPr/>
         </p:nvPicPr>
@@ -10966,7 +10955,53 @@
         <p:spPr>
           <a:xfrm>
             <a:off x="5900400" y="807480"/>
-            <a:ext cx="2557440" cy="4221360"/>
+            <a:ext cx="2557080" cy="4221000"/>
+          </a:xfrm>
+          <a:prstGeom prst="rect">
+            <a:avLst/>
+          </a:prstGeom>
+          <a:ln w="0">
+            <a:noFill/>
+          </a:ln>
+        </p:spPr>
+      </p:pic>
+      <p:pic>
+        <p:nvPicPr>
+          <p:cNvPr id="221" name="" descr=""/>
+          <p:cNvPicPr/>
+          <p:nvPr/>
+        </p:nvPicPr>
+        <p:blipFill>
+          <a:blip r:embed="rId2"/>
+          <a:stretch/>
+        </p:blipFill>
+        <p:spPr>
+          <a:xfrm>
+            <a:off x="8390520" y="914400"/>
+            <a:ext cx="1438920" cy="1371240"/>
+          </a:xfrm>
+          <a:prstGeom prst="rect">
+            <a:avLst/>
+          </a:prstGeom>
+          <a:ln w="0">
+            <a:noFill/>
+          </a:ln>
+        </p:spPr>
+      </p:pic>
+      <p:pic>
+        <p:nvPicPr>
+          <p:cNvPr id="222" name="" descr=""/>
+          <p:cNvPicPr/>
+          <p:nvPr/>
+        </p:nvPicPr>
+        <p:blipFill>
+          <a:blip r:embed="rId3"/>
+          <a:stretch/>
+        </p:blipFill>
+        <p:spPr>
+          <a:xfrm>
+            <a:off x="8915400" y="2638080"/>
+            <a:ext cx="685440" cy="685440"/>
           </a:xfrm>
           <a:prstGeom prst="rect">
             <a:avLst/>
@@ -10983,13 +11018,13 @@
           <p:nvPr/>
         </p:nvPicPr>
         <p:blipFill>
-          <a:blip r:embed="rId2"/>
+          <a:blip r:embed="rId4"/>
           <a:stretch/>
         </p:blipFill>
         <p:spPr>
           <a:xfrm>
-            <a:off x="8390520" y="914400"/>
-            <a:ext cx="1439280" cy="1371600"/>
+            <a:off x="8915400" y="3560400"/>
+            <a:ext cx="685440" cy="685440"/>
           </a:xfrm>
           <a:prstGeom prst="rect">
             <a:avLst/>
@@ -11006,59 +11041,13 @@
           <p:nvPr/>
         </p:nvPicPr>
         <p:blipFill>
-          <a:blip r:embed="rId3"/>
-          <a:stretch/>
-        </p:blipFill>
-        <p:spPr>
-          <a:xfrm>
-            <a:off x="8915400" y="2638080"/>
-            <a:ext cx="685800" cy="685800"/>
-          </a:xfrm>
-          <a:prstGeom prst="rect">
-            <a:avLst/>
-          </a:prstGeom>
-          <a:ln w="0">
-            <a:noFill/>
-          </a:ln>
-        </p:spPr>
-      </p:pic>
-      <p:pic>
-        <p:nvPicPr>
-          <p:cNvPr id="225" name="" descr=""/>
-          <p:cNvPicPr/>
-          <p:nvPr/>
-        </p:nvPicPr>
-        <p:blipFill>
-          <a:blip r:embed="rId4"/>
-          <a:stretch/>
-        </p:blipFill>
-        <p:spPr>
-          <a:xfrm>
-            <a:off x="8915400" y="3560400"/>
-            <a:ext cx="685800" cy="685800"/>
-          </a:xfrm>
-          <a:prstGeom prst="rect">
-            <a:avLst/>
-          </a:prstGeom>
-          <a:ln w="0">
-            <a:noFill/>
-          </a:ln>
-        </p:spPr>
-      </p:pic>
-      <p:pic>
-        <p:nvPicPr>
-          <p:cNvPr id="226" name="" descr=""/>
-          <p:cNvPicPr/>
-          <p:nvPr/>
-        </p:nvPicPr>
-        <p:blipFill>
           <a:blip r:embed="rId5"/>
           <a:stretch/>
         </p:blipFill>
         <p:spPr>
           <a:xfrm>
             <a:off x="8915400" y="4343400"/>
-            <a:ext cx="685800" cy="685800"/>
+            <a:ext cx="685440" cy="685440"/>
           </a:xfrm>
           <a:prstGeom prst="rect">
             <a:avLst/>
@@ -11070,28 +11059,40 @@
       </p:pic>
       <p:sp>
         <p:nvSpPr>
-          <p:cNvPr id="227" name=""/>
-          <p:cNvSpPr txBox="1"/>
+          <p:cNvPr id="225" name=""/>
+          <p:cNvSpPr/>
           <p:nvPr/>
         </p:nvSpPr>
         <p:spPr>
           <a:xfrm>
             <a:off x="5715000" y="5072040"/>
-            <a:ext cx="4343400" cy="598680"/>
-          </a:xfrm>
-          <a:prstGeom prst="rect">
-            <a:avLst/>
-          </a:prstGeom>
-          <a:noFill/>
-          <a:ln w="0">
-            <a:noFill/>
-          </a:ln>
-        </p:spPr>
+            <a:ext cx="4343040" cy="598320"/>
+          </a:xfrm>
+          <a:prstGeom prst="rect">
+            <a:avLst/>
+          </a:prstGeom>
+          <a:noFill/>
+          <a:ln w="0">
+            <a:noFill/>
+          </a:ln>
+        </p:spPr>
+        <p:style>
+          <a:lnRef idx="0"/>
+          <a:fillRef idx="0"/>
+          <a:effectRef idx="0"/>
+          <a:fontRef idx="minor"/>
+        </p:style>
         <p:txBody>
           <a:bodyPr lIns="90000" rIns="90000" tIns="45000" bIns="45000" anchor="ctr">
             <a:noAutofit/>
           </a:bodyPr>
           <a:p>
+            <a:pPr>
+              <a:lnSpc>
+                <a:spcPct val="100000"/>
+              </a:lnSpc>
+              <a:buNone/>
+            </a:pPr>
             <a:r>
               <a:rPr b="0" lang="en-US" sz="1200" spc="-1" strike="noStrike">
                 <a:solidFill>
@@ -11102,9 +11103,6 @@
               <a:t>Source: original CC license symbols by Creative Commons, Wikipedia</a:t>
             </a:r>
             <a:endParaRPr b="0" lang="en-US" sz="1200" spc="-1" strike="noStrike">
-              <a:solidFill>
-                <a:srgbClr val="ffffff"/>
-              </a:solidFill>
               <a:latin typeface="Arial"/>
             </a:endParaRPr>
           </a:p>
@@ -11142,18 +11140,330 @@
       </p:grpSpPr>
       <p:sp>
         <p:nvSpPr>
-          <p:cNvPr id="228" name="PlaceHolder 1"/>
-          <p:cNvSpPr>
-            <a:spLocks noGrp="1"/>
-          </p:cNvSpPr>
-          <p:nvPr>
-            <p:ph type="subTitle"/>
-          </p:nvPr>
-        </p:nvSpPr>
-        <p:spPr>
-          <a:xfrm>
-            <a:off x="241200" y="685800"/>
-            <a:ext cx="9359280" cy="796320"/>
+          <p:cNvPr id="226" name="PlaceHolder 1"/>
+          <p:cNvSpPr>
+            <a:spLocks noGrp="1"/>
+          </p:cNvSpPr>
+          <p:nvPr>
+            <p:ph/>
+          </p:nvPr>
+        </p:nvSpPr>
+        <p:spPr>
+          <a:xfrm>
+            <a:off x="504000" y="1326600"/>
+            <a:ext cx="4426920" cy="3288600"/>
+          </a:xfrm>
+          <a:prstGeom prst="rect">
+            <a:avLst/>
+          </a:prstGeom>
+          <a:noFill/>
+          <a:ln w="0">
+            <a:noFill/>
+          </a:ln>
+        </p:spPr>
+        <p:txBody>
+          <a:bodyPr lIns="0" rIns="0" tIns="0" bIns="0" anchor="ctr">
+            <a:normAutofit/>
+          </a:bodyPr>
+          <a:p>
+            <a:pPr algn="ctr">
+              <a:spcBef>
+                <a:spcPts val="1417"/>
+              </a:spcBef>
+              <a:buNone/>
+            </a:pPr>
+            <a:r>
+              <a:rPr b="0" lang="en-US" sz="2600" spc="-1" strike="noStrike">
+                <a:latin typeface="Arial"/>
+              </a:rPr>
+              <a:t>Абхазский и адыгский языки из одной языковой семьи, и так искусственный интеллект мог изучить черты из обоих источников.</a:t>
+            </a:r>
+            <a:endParaRPr b="0" lang="en-US" sz="2600" spc="-1" strike="noStrike">
+              <a:latin typeface="Arial"/>
+            </a:endParaRPr>
+          </a:p>
+        </p:txBody>
+      </p:sp>
+      <p:pic>
+        <p:nvPicPr>
+          <p:cNvPr id="227" name="" descr=""/>
+          <p:cNvPicPr/>
+          <p:nvPr/>
+        </p:nvPicPr>
+        <p:blipFill>
+          <a:blip r:embed="rId1"/>
+          <a:stretch/>
+        </p:blipFill>
+        <p:spPr>
+          <a:xfrm>
+            <a:off x="5257800" y="765720"/>
+            <a:ext cx="4766040" cy="4263480"/>
+          </a:xfrm>
+          <a:prstGeom prst="rect">
+            <a:avLst/>
+          </a:prstGeom>
+          <a:ln w="0">
+            <a:noFill/>
+          </a:ln>
+        </p:spPr>
+      </p:pic>
+      <p:sp>
+        <p:nvSpPr>
+          <p:cNvPr id="228" name=""/>
+          <p:cNvSpPr txBox="1"/>
+          <p:nvPr/>
+        </p:nvSpPr>
+        <p:spPr>
+          <a:xfrm>
+            <a:off x="5794920" y="1172520"/>
+            <a:ext cx="1063080" cy="427680"/>
+          </a:xfrm>
+          <a:prstGeom prst="rect">
+            <a:avLst/>
+          </a:prstGeom>
+          <a:noFill/>
+          <a:ln w="0">
+            <a:noFill/>
+          </a:ln>
+        </p:spPr>
+        <p:txBody>
+          <a:bodyPr lIns="90000" rIns="90000" tIns="45000" bIns="45000" anchor="ctr">
+            <a:noAutofit/>
+          </a:bodyPr>
+          <a:p>
+            <a:r>
+              <a:rPr b="0" lang="en-US" sz="1400" spc="-1" strike="noStrike">
+                <a:solidFill>
+                  <a:srgbClr val="ffffff"/>
+                </a:solidFill>
+                <a:latin typeface="Arial"/>
+              </a:rPr>
+              <a:t>Абхазский</a:t>
+            </a:r>
+            <a:endParaRPr b="0" lang="en-US" sz="1400" spc="-1" strike="noStrike">
+              <a:solidFill>
+                <a:srgbClr val="ffffff"/>
+              </a:solidFill>
+              <a:latin typeface="Arial"/>
+            </a:endParaRPr>
+          </a:p>
+        </p:txBody>
+      </p:sp>
+      <p:sp>
+        <p:nvSpPr>
+          <p:cNvPr id="229" name=""/>
+          <p:cNvSpPr txBox="1"/>
+          <p:nvPr/>
+        </p:nvSpPr>
+        <p:spPr>
+          <a:xfrm>
+            <a:off x="7086600" y="943920"/>
+            <a:ext cx="1063080" cy="656280"/>
+          </a:xfrm>
+          <a:prstGeom prst="rect">
+            <a:avLst/>
+          </a:prstGeom>
+          <a:noFill/>
+          <a:ln w="0">
+            <a:noFill/>
+          </a:ln>
+        </p:spPr>
+        <p:txBody>
+          <a:bodyPr lIns="90000" rIns="90000" tIns="45000" bIns="45000" anchor="ctr">
+            <a:noAutofit/>
+          </a:bodyPr>
+          <a:p>
+            <a:r>
+              <a:rPr b="0" lang="en-US" sz="1400" spc="-1" strike="noStrike">
+                <a:solidFill>
+                  <a:srgbClr val="ffffff"/>
+                </a:solidFill>
+                <a:latin typeface="Arial"/>
+              </a:rPr>
+              <a:t>Адыгский</a:t>
+            </a:r>
+            <a:endParaRPr b="0" lang="en-US" sz="1400" spc="-1" strike="noStrike">
+              <a:solidFill>
+                <a:srgbClr val="ffffff"/>
+              </a:solidFill>
+              <a:latin typeface="Arial"/>
+            </a:endParaRPr>
+          </a:p>
+        </p:txBody>
+      </p:sp>
+      <p:sp>
+        <p:nvSpPr>
+          <p:cNvPr id="230" name=""/>
+          <p:cNvSpPr txBox="1"/>
+          <p:nvPr/>
+        </p:nvSpPr>
+        <p:spPr>
+          <a:xfrm>
+            <a:off x="5257800" y="2086920"/>
+            <a:ext cx="1063080" cy="427680"/>
+          </a:xfrm>
+          <a:prstGeom prst="rect">
+            <a:avLst/>
+          </a:prstGeom>
+          <a:noFill/>
+          <a:ln w="0">
+            <a:noFill/>
+          </a:ln>
+        </p:spPr>
+        <p:txBody>
+          <a:bodyPr lIns="90000" rIns="90000" tIns="45000" bIns="45000" anchor="ctr">
+            <a:noAutofit/>
+          </a:bodyPr>
+          <a:p>
+            <a:r>
+              <a:rPr b="0" lang="en-US" sz="1400" spc="-1" strike="noStrike">
+                <a:solidFill>
+                  <a:srgbClr val="ffffff"/>
+                </a:solidFill>
+                <a:latin typeface="Arial"/>
+              </a:rPr>
+              <a:t>Убыхский</a:t>
+            </a:r>
+            <a:endParaRPr b="0" lang="en-US" sz="1400" spc="-1" strike="noStrike">
+              <a:solidFill>
+                <a:srgbClr val="ffffff"/>
+              </a:solidFill>
+              <a:latin typeface="Arial"/>
+            </a:endParaRPr>
+          </a:p>
+        </p:txBody>
+      </p:sp>
+      <p:sp>
+        <p:nvSpPr>
+          <p:cNvPr id="231" name=""/>
+          <p:cNvSpPr txBox="1"/>
+          <p:nvPr/>
+        </p:nvSpPr>
+        <p:spPr>
+          <a:xfrm>
+            <a:off x="8001000" y="1110240"/>
+            <a:ext cx="1371600" cy="489960"/>
+          </a:xfrm>
+          <a:prstGeom prst="rect">
+            <a:avLst/>
+          </a:prstGeom>
+          <a:noFill/>
+          <a:ln w="0">
+            <a:noFill/>
+          </a:ln>
+        </p:spPr>
+        <p:txBody>
+          <a:bodyPr lIns="90000" rIns="90000" tIns="45000" bIns="45000" anchor="ctr">
+            <a:noAutofit/>
+          </a:bodyPr>
+          <a:p>
+            <a:pPr algn="ctr">
+              <a:buNone/>
+            </a:pPr>
+            <a:r>
+              <a:rPr b="0" lang="en-US" sz="1200" spc="-1" strike="noStrike">
+                <a:solidFill>
+                  <a:srgbClr val="ffffff"/>
+                </a:solidFill>
+                <a:latin typeface="Arial"/>
+              </a:rPr>
+              <a:t>Абазинский</a:t>
+            </a:r>
+            <a:endParaRPr b="0" lang="en-US" sz="1200" spc="-1" strike="noStrike">
+              <a:solidFill>
+                <a:srgbClr val="ffffff"/>
+              </a:solidFill>
+              <a:latin typeface="Arial"/>
+            </a:endParaRPr>
+          </a:p>
+        </p:txBody>
+      </p:sp>
+      <p:sp>
+        <p:nvSpPr>
+          <p:cNvPr id="232" name=""/>
+          <p:cNvSpPr txBox="1"/>
+          <p:nvPr/>
+        </p:nvSpPr>
+        <p:spPr>
+          <a:xfrm>
+            <a:off x="8960760" y="1858320"/>
+            <a:ext cx="1063080" cy="656280"/>
+          </a:xfrm>
+          <a:prstGeom prst="rect">
+            <a:avLst/>
+          </a:prstGeom>
+          <a:noFill/>
+          <a:ln w="0">
+            <a:noFill/>
+          </a:ln>
+        </p:spPr>
+        <p:txBody>
+          <a:bodyPr lIns="90000" rIns="90000" tIns="45000" bIns="45000" anchor="ctr">
+            <a:noAutofit/>
+          </a:bodyPr>
+          <a:p>
+            <a:r>
+              <a:rPr b="0" lang="en-US" sz="1000" spc="-1" strike="noStrike">
+                <a:solidFill>
+                  <a:srgbClr val="ffffff"/>
+                </a:solidFill>
+                <a:latin typeface="Arial"/>
+              </a:rPr>
+              <a:t>Кабардинский</a:t>
+            </a:r>
+            <a:endParaRPr b="0" lang="en-US" sz="1000" spc="-1" strike="noStrike">
+              <a:solidFill>
+                <a:srgbClr val="ffffff"/>
+              </a:solidFill>
+              <a:latin typeface="Arial"/>
+            </a:endParaRPr>
+          </a:p>
+        </p:txBody>
+      </p:sp>
+    </p:spTree>
+  </p:cSld>
+  <mc:AlternateContent>
+    <mc:Choice Requires="p14">
+      <p:transition spd="slow" p14:dur="2000"/>
+    </mc:Choice>
+    <mc:Fallback>
+      <p:transition spd="slow"/>
+    </mc:Fallback>
+  </mc:AlternateContent>
+</p:sld>
+</file>
+
+<file path=ppt/slides/slide9.xml><?xml version="1.0" encoding="utf-8"?>
+<p:sld xmlns:a="http://schemas.openxmlformats.org/drawingml/2006/main" xmlns:p="http://schemas.openxmlformats.org/presentationml/2006/main" xmlns:r="http://schemas.openxmlformats.org/officeDocument/2006/relationships" xmlns:p14="http://schemas.microsoft.com/office/powerpoint/2010/main" xmlns:p15="http://schemas.microsoft.com/office/powerpoint/2012/main" xmlns:mc="http://schemas.openxmlformats.org/markup-compatibility/2006">
+  <p:cSld>
+    <p:spTree>
+      <p:nvGrpSpPr>
+        <p:cNvPr id="1" name=""/>
+        <p:cNvGrpSpPr/>
+        <p:nvPr/>
+      </p:nvGrpSpPr>
+      <p:grpSpPr>
+        <a:xfrm>
+          <a:off x="0" y="0"/>
+          <a:ext cx="0" cy="0"/>
+          <a:chOff x="0" y="0"/>
+          <a:chExt cx="0" cy="0"/>
+        </a:xfrm>
+      </p:grpSpPr>
+      <p:sp>
+        <p:nvSpPr>
+          <p:cNvPr id="233" name="PlaceHolder 1"/>
+          <p:cNvSpPr>
+            <a:spLocks noGrp="1"/>
+          </p:cNvSpPr>
+          <p:nvPr>
+            <p:ph type="title"/>
+          </p:nvPr>
+        </p:nvSpPr>
+        <p:spPr>
+          <a:xfrm>
+            <a:off x="457200" y="914400"/>
+            <a:ext cx="9072000" cy="946440"/>
           </a:xfrm>
           <a:prstGeom prst="rect">
             <a:avLst/>
@@ -11175,210 +11485,73 @@
               <a:buNone/>
             </a:pPr>
             <a:r>
-              <a:rPr b="1" lang="ru" sz="3200" spc="-1" strike="noStrike">
-                <a:highlight>
-                  <a:srgbClr val="ffffff"/>
-                </a:highlight>
+              <a:rPr b="0" lang="en-US" sz="4400" spc="-1" strike="noStrike">
                 <a:latin typeface="Arial"/>
               </a:rPr>
-              <a:t>Данные</a:t>
+              <a:t>это даст нам</a:t>
             </a:r>
-            <a:endParaRPr b="0" lang="en-US" sz="3200" spc="-1" strike="noStrike">
-              <a:latin typeface="Arial"/>
-            </a:endParaRPr>
-          </a:p>
-        </p:txBody>
-      </p:sp>
-      <p:sp>
-        <p:nvSpPr>
-          <p:cNvPr id="229" name=""/>
-          <p:cNvSpPr/>
+            <a:endParaRPr b="0" lang="en-US" sz="4400" spc="-1" strike="noStrike">
+              <a:latin typeface="Arial"/>
+            </a:endParaRPr>
+          </a:p>
+        </p:txBody>
+      </p:sp>
+      <p:sp>
+        <p:nvSpPr>
+          <p:cNvPr id="234" name=""/>
+          <p:cNvSpPr txBox="1"/>
           <p:nvPr/>
         </p:nvSpPr>
         <p:spPr>
           <a:xfrm>
-            <a:off x="457200" y="1600200"/>
-            <a:ext cx="9359280" cy="573480"/>
-          </a:xfrm>
-          <a:prstGeom prst="rect">
-            <a:avLst/>
-          </a:prstGeom>
-          <a:noFill/>
-          <a:ln w="0">
-            <a:noFill/>
-          </a:ln>
-        </p:spPr>
-        <p:style>
-          <a:lnRef idx="0"/>
-          <a:fillRef idx="0"/>
-          <a:effectRef idx="0"/>
-          <a:fontRef idx="minor"/>
-        </p:style>
-        <p:txBody>
-          <a:bodyPr lIns="0" rIns="0" tIns="0" bIns="0" anchor="ctr">
+            <a:off x="2286000" y="2286000"/>
+            <a:ext cx="5285880" cy="2304360"/>
+          </a:xfrm>
+          <a:prstGeom prst="rect">
+            <a:avLst/>
+          </a:prstGeom>
+          <a:noFill/>
+          <a:ln w="0">
+            <a:noFill/>
+          </a:ln>
+        </p:spPr>
+        <p:txBody>
+          <a:bodyPr lIns="90000" rIns="90000" tIns="45000" bIns="45000" anchor="t">
             <a:noAutofit/>
           </a:bodyPr>
           <a:p>
             <a:pPr algn="ctr">
-              <a:lnSpc>
-                <a:spcPct val="100000"/>
-              </a:lnSpc>
               <a:buNone/>
             </a:pPr>
             <a:r>
-              <a:rPr b="0" i="1" lang="ru" sz="2400" spc="-1" strike="noStrike">
-                <a:solidFill>
-                  <a:srgbClr val="000000"/>
-                </a:solidFill>
-                <a:highlight>
-                  <a:srgbClr val="ffffff"/>
-                </a:highlight>
+              <a:rPr b="0" i="1" lang="en-US" sz="2600" spc="-1" strike="noStrike">
                 <a:latin typeface="Arial"/>
-                <a:ea typeface="DejaVu Sans"/>
               </a:rPr>
-              <a:t>Минимальный объем данных для запуска службы.</a:t>
+              <a:t>Искусственный интеллект, который лучше понимает кавказские языки.</a:t>
             </a:r>
-            <a:endParaRPr b="0" lang="en-US" sz="2400" spc="-1" strike="noStrike">
-              <a:latin typeface="Arial"/>
-            </a:endParaRPr>
-          </a:p>
-        </p:txBody>
-      </p:sp>
-      <p:sp>
-        <p:nvSpPr>
-          <p:cNvPr id="230" name=""/>
-          <p:cNvSpPr/>
-          <p:nvPr/>
-        </p:nvSpPr>
-        <p:spPr>
-          <a:xfrm>
-            <a:off x="360000" y="2514960"/>
-            <a:ext cx="9359280" cy="2164680"/>
-          </a:xfrm>
-          <a:prstGeom prst="rect">
-            <a:avLst/>
-          </a:prstGeom>
-          <a:noFill/>
-          <a:ln w="0">
-            <a:noFill/>
-          </a:ln>
-        </p:spPr>
-        <p:style>
-          <a:lnRef idx="0"/>
-          <a:fillRef idx="0"/>
-          <a:effectRef idx="0"/>
-          <a:fontRef idx="minor"/>
-        </p:style>
-        <p:txBody>
-          <a:bodyPr lIns="0" rIns="0" tIns="0" bIns="0" anchor="t">
-            <a:noAutofit/>
-          </a:bodyPr>
+            <a:endParaRPr b="0" i="1" lang="en-US" sz="2600" spc="-1" strike="noStrike">
+              <a:latin typeface="Arial"/>
+            </a:endParaRPr>
+          </a:p>
           <a:p>
             <a:pPr algn="ctr">
-              <a:lnSpc>
-                <a:spcPct val="100000"/>
-              </a:lnSpc>
               <a:buNone/>
             </a:pPr>
-            <a:endParaRPr b="0" lang="en-US" sz="1800" spc="-1" strike="noStrike">
+            <a:endParaRPr b="0" i="1" lang="en-US" sz="2600" spc="-1" strike="noStrike">
               <a:latin typeface="Arial"/>
             </a:endParaRPr>
           </a:p>
           <a:p>
             <a:pPr algn="ctr">
-              <a:lnSpc>
-                <a:spcPct val="100000"/>
-              </a:lnSpc>
               <a:buNone/>
             </a:pPr>
             <a:r>
-              <a:rPr b="0" lang="ru" sz="2800" spc="-1" strike="noStrike">
-                <a:solidFill>
-                  <a:srgbClr val="000000"/>
-                </a:solidFill>
-                <a:highlight>
-                  <a:srgbClr val="ffffff"/>
-                </a:highlight>
+              <a:rPr b="0" i="1" lang="en-US" sz="2600" spc="-1" strike="noStrike">
                 <a:latin typeface="Arial"/>
-                <a:ea typeface="DejaVu Sans"/>
               </a:rPr>
-              <a:t>Голосовые корпуса (адыгейский, абхазский)</a:t>
+              <a:t>Облегчит возрождение убыхского языка.</a:t>
             </a:r>
-            <a:endParaRPr b="0" lang="en-US" sz="2800" spc="-1" strike="noStrike">
-              <a:latin typeface="Arial"/>
-            </a:endParaRPr>
-          </a:p>
-          <a:p>
-            <a:pPr algn="ctr">
-              <a:lnSpc>
-                <a:spcPct val="100000"/>
-              </a:lnSpc>
-              <a:buNone/>
-            </a:pPr>
-            <a:r>
-              <a:rPr b="0" lang="ru" sz="2800" spc="-1" strike="noStrike">
-                <a:solidFill>
-                  <a:srgbClr val="000000"/>
-                </a:solidFill>
-                <a:highlight>
-                  <a:srgbClr val="ffffff"/>
-                </a:highlight>
-                <a:latin typeface="Arial"/>
-                <a:ea typeface="Noto Sans CJK SC"/>
-              </a:rPr>
-              <a:t>Одноязычные корпуса (адыгейский, абхазский</a:t>
-            </a:r>
-            <a:r>
-              <a:rPr b="0" lang="ru" sz="2800" spc="-1" strike="noStrike">
-                <a:solidFill>
-                  <a:srgbClr val="000000"/>
-                </a:solidFill>
-                <a:highlight>
-                  <a:srgbClr val="ffffff"/>
-                </a:highlight>
-                <a:latin typeface="Arial"/>
-                <a:ea typeface="DejaVu Sans"/>
-              </a:rPr>
-              <a:t>)</a:t>
-            </a:r>
-            <a:endParaRPr b="0" lang="en-US" sz="2800" spc="-1" strike="noStrike">
-              <a:latin typeface="Arial"/>
-            </a:endParaRPr>
-          </a:p>
-          <a:p>
-            <a:pPr algn="ctr">
-              <a:lnSpc>
-                <a:spcPct val="100000"/>
-              </a:lnSpc>
-              <a:buNone/>
-            </a:pPr>
-            <a:r>
-              <a:rPr b="0" lang="ru" sz="2800" spc="-1" strike="noStrike">
-                <a:solidFill>
-                  <a:srgbClr val="000000"/>
-                </a:solidFill>
-                <a:highlight>
-                  <a:srgbClr val="ffffff"/>
-                </a:highlight>
-                <a:latin typeface="Arial"/>
-                <a:ea typeface="Noto Sans CJK SC"/>
-              </a:rPr>
-              <a:t>Параллельный корпус. (</a:t>
-            </a:r>
-            <a:r>
-              <a:rPr b="0" lang="ru" sz="2800" spc="-1" strike="noStrike">
-                <a:solidFill>
-                  <a:srgbClr val="000000"/>
-                </a:solidFill>
-                <a:highlight>
-                  <a:srgbClr val="ffffff"/>
-                </a:highlight>
-                <a:latin typeface="Arial"/>
-                <a:ea typeface="DejaVu Sans"/>
-              </a:rPr>
-              <a:t>адыгско-абхазско-русский)</a:t>
-            </a:r>
-            <a:endParaRPr b="0" lang="en-US" sz="2800" spc="-1" strike="noStrike">
+            <a:endParaRPr b="0" i="1" lang="en-US" sz="2600" spc="-1" strike="noStrike">
               <a:latin typeface="Arial"/>
             </a:endParaRPr>
           </a:p>
